--- a/CalendarioAgo21/Presentaciones/5_VLSM.pptx
+++ b/CalendarioAgo21/Presentaciones/5_VLSM.pptx
@@ -5,29 +5,26 @@
     <p:sldMasterId id="2147483648" r:id="rId1"/>
   </p:sldMasterIdLst>
   <p:notesMasterIdLst>
-    <p:notesMasterId r:id="rId22"/>
+    <p:notesMasterId r:id="rId19"/>
   </p:notesMasterIdLst>
   <p:sldIdLst>
     <p:sldId id="257" r:id="rId2"/>
     <p:sldId id="297" r:id="rId3"/>
-    <p:sldId id="302" r:id="rId4"/>
-    <p:sldId id="304" r:id="rId5"/>
-    <p:sldId id="305" r:id="rId6"/>
-    <p:sldId id="307" r:id="rId7"/>
-    <p:sldId id="301" r:id="rId8"/>
-    <p:sldId id="309" r:id="rId9"/>
-    <p:sldId id="308" r:id="rId10"/>
-    <p:sldId id="311" r:id="rId11"/>
-    <p:sldId id="310" r:id="rId12"/>
-    <p:sldId id="314" r:id="rId13"/>
-    <p:sldId id="320" r:id="rId14"/>
-    <p:sldId id="312" r:id="rId15"/>
-    <p:sldId id="315" r:id="rId16"/>
-    <p:sldId id="318" r:id="rId17"/>
-    <p:sldId id="319" r:id="rId18"/>
-    <p:sldId id="316" r:id="rId19"/>
-    <p:sldId id="317" r:id="rId20"/>
-    <p:sldId id="321" r:id="rId21"/>
+    <p:sldId id="307" r:id="rId4"/>
+    <p:sldId id="301" r:id="rId5"/>
+    <p:sldId id="309" r:id="rId6"/>
+    <p:sldId id="308" r:id="rId7"/>
+    <p:sldId id="311" r:id="rId8"/>
+    <p:sldId id="310" r:id="rId9"/>
+    <p:sldId id="314" r:id="rId10"/>
+    <p:sldId id="320" r:id="rId11"/>
+    <p:sldId id="312" r:id="rId12"/>
+    <p:sldId id="315" r:id="rId13"/>
+    <p:sldId id="318" r:id="rId14"/>
+    <p:sldId id="319" r:id="rId15"/>
+    <p:sldId id="316" r:id="rId16"/>
+    <p:sldId id="317" r:id="rId17"/>
+    <p:sldId id="321" r:id="rId18"/>
   </p:sldIdLst>
   <p:sldSz cx="9144000" cy="6858000" type="screen4x3"/>
   <p:notesSz cx="6858000" cy="9144000"/>
@@ -227,7 +224,7 @@
           <a:p>
             <a:fld id="{2D445F07-8756-451B-A938-0248325FC7BB}" type="datetimeFigureOut">
               <a:rPr lang="es-MX" smtClean="0"/>
-              <a:t>25/03/2021</a:t>
+              <a:t>19/09/2021</a:t>
             </a:fld>
             <a:endParaRPr lang="es-MX" dirty="0"/>
           </a:p>
@@ -613,14 +610,14 @@
           </a:bodyPr>
           <a:lstStyle/>
           <a:p>
-            <a:endParaRPr/>
+            <a:endParaRPr dirty="0"/>
           </a:p>
         </p:txBody>
       </p:sp>
     </p:spTree>
     <p:extLst>
       <p:ext uri="{BB962C8B-B14F-4D97-AF65-F5344CB8AC3E}">
-        <p14:creationId xmlns:p14="http://schemas.microsoft.com/office/powerpoint/2010/main" val="2463012189"/>
+        <p14:creationId xmlns:p14="http://schemas.microsoft.com/office/powerpoint/2010/main" val="1531353921"/>
       </p:ext>
     </p:extLst>
   </p:cSld>
@@ -671,7 +668,7 @@
     </p:spTree>
     <p:extLst>
       <p:ext uri="{BB962C8B-B14F-4D97-AF65-F5344CB8AC3E}">
-        <p14:creationId xmlns:p14="http://schemas.microsoft.com/office/powerpoint/2010/main" val="780618634"/>
+        <p14:creationId xmlns:p14="http://schemas.microsoft.com/office/powerpoint/2010/main" val="1145876109"/>
       </p:ext>
     </p:extLst>
   </p:cSld>
@@ -722,7 +719,7 @@
     </p:spTree>
     <p:extLst>
       <p:ext uri="{BB962C8B-B14F-4D97-AF65-F5344CB8AC3E}">
-        <p14:creationId xmlns:p14="http://schemas.microsoft.com/office/powerpoint/2010/main" val="644781988"/>
+        <p14:creationId xmlns:p14="http://schemas.microsoft.com/office/powerpoint/2010/main" val="2793180493"/>
       </p:ext>
     </p:extLst>
   </p:cSld>
@@ -766,14 +763,14 @@
           </a:bodyPr>
           <a:lstStyle/>
           <a:p>
-            <a:endParaRPr dirty="0"/>
+            <a:endParaRPr/>
           </a:p>
         </p:txBody>
       </p:sp>
     </p:spTree>
     <p:extLst>
       <p:ext uri="{BB962C8B-B14F-4D97-AF65-F5344CB8AC3E}">
-        <p14:creationId xmlns:p14="http://schemas.microsoft.com/office/powerpoint/2010/main" val="1531353921"/>
+        <p14:creationId xmlns:p14="http://schemas.microsoft.com/office/powerpoint/2010/main" val="3736332036"/>
       </p:ext>
     </p:extLst>
   </p:cSld>
@@ -817,14 +814,14 @@
           </a:bodyPr>
           <a:lstStyle/>
           <a:p>
-            <a:endParaRPr/>
+            <a:endParaRPr dirty="0"/>
           </a:p>
         </p:txBody>
       </p:sp>
     </p:spTree>
     <p:extLst>
       <p:ext uri="{BB962C8B-B14F-4D97-AF65-F5344CB8AC3E}">
-        <p14:creationId xmlns:p14="http://schemas.microsoft.com/office/powerpoint/2010/main" val="1145876109"/>
+        <p14:creationId xmlns:p14="http://schemas.microsoft.com/office/powerpoint/2010/main" val="2212283639"/>
       </p:ext>
     </p:extLst>
   </p:cSld>
@@ -868,14 +865,14 @@
           </a:bodyPr>
           <a:lstStyle/>
           <a:p>
-            <a:endParaRPr dirty="0"/>
+            <a:endParaRPr/>
           </a:p>
         </p:txBody>
       </p:sp>
     </p:spTree>
     <p:extLst>
       <p:ext uri="{BB962C8B-B14F-4D97-AF65-F5344CB8AC3E}">
-        <p14:creationId xmlns:p14="http://schemas.microsoft.com/office/powerpoint/2010/main" val="2793180493"/>
+        <p14:creationId xmlns:p14="http://schemas.microsoft.com/office/powerpoint/2010/main" val="2625184930"/>
       </p:ext>
     </p:extLst>
   </p:cSld>
@@ -919,14 +916,14 @@
           </a:bodyPr>
           <a:lstStyle/>
           <a:p>
-            <a:endParaRPr/>
+            <a:endParaRPr dirty="0"/>
           </a:p>
         </p:txBody>
       </p:sp>
     </p:spTree>
     <p:extLst>
       <p:ext uri="{BB962C8B-B14F-4D97-AF65-F5344CB8AC3E}">
-        <p14:creationId xmlns:p14="http://schemas.microsoft.com/office/powerpoint/2010/main" val="3736332036"/>
+        <p14:creationId xmlns:p14="http://schemas.microsoft.com/office/powerpoint/2010/main" val="2055689608"/>
       </p:ext>
     </p:extLst>
   </p:cSld>
@@ -977,109 +974,7 @@
     </p:spTree>
     <p:extLst>
       <p:ext uri="{BB962C8B-B14F-4D97-AF65-F5344CB8AC3E}">
-        <p14:creationId xmlns:p14="http://schemas.microsoft.com/office/powerpoint/2010/main" val="2212283639"/>
-      </p:ext>
-    </p:extLst>
-  </p:cSld>
-  <p:clrMapOvr>
-    <a:masterClrMapping/>
-  </p:clrMapOvr>
-</p:notes>
-</file>
-
-<file path=ppt/notesSlides/notesSlide18.xml><?xml version="1.0" encoding="utf-8"?>
-<p:notes xmlns:a="http://schemas.openxmlformats.org/drawingml/2006/main" xmlns:r="http://schemas.openxmlformats.org/officeDocument/2006/relationships" xmlns:p="http://schemas.openxmlformats.org/presentationml/2006/main">
-  <p:cSld>
-    <p:spTree>
-      <p:nvGrpSpPr>
-        <p:cNvPr id="1" name=""/>
-        <p:cNvGrpSpPr/>
-        <p:nvPr/>
-      </p:nvGrpSpPr>
-      <p:grpSpPr>
-        <a:xfrm>
-          <a:off x="0" y="0"/>
-          <a:ext cx="0" cy="0"/>
-          <a:chOff x="0" y="0"/>
-          <a:chExt cx="0" cy="0"/>
-        </a:xfrm>
-      </p:grpSpPr>
-      <p:sp>
-        <p:nvSpPr>
-          <p:cNvPr id="2" name="Notes Placeholder"/>
-          <p:cNvSpPr>
-            <a:spLocks noGrp="1"/>
-          </p:cNvSpPr>
-          <p:nvPr>
-            <p:ph type="body" idx="1"/>
-          </p:nvPr>
-        </p:nvSpPr>
-        <p:spPr/>
-        <p:txBody>
-          <a:bodyPr>
-            <a:normAutofit/>
-          </a:bodyPr>
-          <a:lstStyle/>
-          <a:p>
-            <a:endParaRPr/>
-          </a:p>
-        </p:txBody>
-      </p:sp>
-    </p:spTree>
-    <p:extLst>
-      <p:ext uri="{BB962C8B-B14F-4D97-AF65-F5344CB8AC3E}">
-        <p14:creationId xmlns:p14="http://schemas.microsoft.com/office/powerpoint/2010/main" val="2625184930"/>
-      </p:ext>
-    </p:extLst>
-  </p:cSld>
-  <p:clrMapOvr>
-    <a:masterClrMapping/>
-  </p:clrMapOvr>
-</p:notes>
-</file>
-
-<file path=ppt/notesSlides/notesSlide19.xml><?xml version="1.0" encoding="utf-8"?>
-<p:notes xmlns:a="http://schemas.openxmlformats.org/drawingml/2006/main" xmlns:r="http://schemas.openxmlformats.org/officeDocument/2006/relationships" xmlns:p="http://schemas.openxmlformats.org/presentationml/2006/main">
-  <p:cSld>
-    <p:spTree>
-      <p:nvGrpSpPr>
-        <p:cNvPr id="1" name=""/>
-        <p:cNvGrpSpPr/>
-        <p:nvPr/>
-      </p:nvGrpSpPr>
-      <p:grpSpPr>
-        <a:xfrm>
-          <a:off x="0" y="0"/>
-          <a:ext cx="0" cy="0"/>
-          <a:chOff x="0" y="0"/>
-          <a:chExt cx="0" cy="0"/>
-        </a:xfrm>
-      </p:grpSpPr>
-      <p:sp>
-        <p:nvSpPr>
-          <p:cNvPr id="2" name="Notes Placeholder"/>
-          <p:cNvSpPr>
-            <a:spLocks noGrp="1"/>
-          </p:cNvSpPr>
-          <p:nvPr>
-            <p:ph type="body" idx="1"/>
-          </p:nvPr>
-        </p:nvSpPr>
-        <p:spPr/>
-        <p:txBody>
-          <a:bodyPr>
-            <a:normAutofit/>
-          </a:bodyPr>
-          <a:lstStyle/>
-          <a:p>
-            <a:endParaRPr dirty="0"/>
-          </a:p>
-        </p:txBody>
-      </p:sp>
-    </p:spTree>
-    <p:extLst>
-      <p:ext uri="{BB962C8B-B14F-4D97-AF65-F5344CB8AC3E}">
-        <p14:creationId xmlns:p14="http://schemas.microsoft.com/office/powerpoint/2010/main" val="2055689608"/>
+        <p14:creationId xmlns:p14="http://schemas.microsoft.com/office/powerpoint/2010/main" val="594551058"/>
       </p:ext>
     </p:extLst>
   </p:cSld>
@@ -1135,57 +1030,6 @@
 </p:notes>
 </file>
 
-<file path=ppt/notesSlides/notesSlide20.xml><?xml version="1.0" encoding="utf-8"?>
-<p:notes xmlns:a="http://schemas.openxmlformats.org/drawingml/2006/main" xmlns:r="http://schemas.openxmlformats.org/officeDocument/2006/relationships" xmlns:p="http://schemas.openxmlformats.org/presentationml/2006/main">
-  <p:cSld>
-    <p:spTree>
-      <p:nvGrpSpPr>
-        <p:cNvPr id="1" name=""/>
-        <p:cNvGrpSpPr/>
-        <p:nvPr/>
-      </p:nvGrpSpPr>
-      <p:grpSpPr>
-        <a:xfrm>
-          <a:off x="0" y="0"/>
-          <a:ext cx="0" cy="0"/>
-          <a:chOff x="0" y="0"/>
-          <a:chExt cx="0" cy="0"/>
-        </a:xfrm>
-      </p:grpSpPr>
-      <p:sp>
-        <p:nvSpPr>
-          <p:cNvPr id="2" name="Notes Placeholder"/>
-          <p:cNvSpPr>
-            <a:spLocks noGrp="1"/>
-          </p:cNvSpPr>
-          <p:nvPr>
-            <p:ph type="body" idx="1"/>
-          </p:nvPr>
-        </p:nvSpPr>
-        <p:spPr/>
-        <p:txBody>
-          <a:bodyPr>
-            <a:normAutofit/>
-          </a:bodyPr>
-          <a:lstStyle/>
-          <a:p>
-            <a:endParaRPr dirty="0"/>
-          </a:p>
-        </p:txBody>
-      </p:sp>
-    </p:spTree>
-    <p:extLst>
-      <p:ext uri="{BB962C8B-B14F-4D97-AF65-F5344CB8AC3E}">
-        <p14:creationId xmlns:p14="http://schemas.microsoft.com/office/powerpoint/2010/main" val="594551058"/>
-      </p:ext>
-    </p:extLst>
-  </p:cSld>
-  <p:clrMapOvr>
-    <a:masterClrMapping/>
-  </p:clrMapOvr>
-</p:notes>
-</file>
-
 <file path=ppt/notesSlides/notesSlide3.xml><?xml version="1.0" encoding="utf-8"?>
 <p:notes xmlns:a="http://schemas.openxmlformats.org/drawingml/2006/main" xmlns:r="http://schemas.openxmlformats.org/officeDocument/2006/relationships" xmlns:p="http://schemas.openxmlformats.org/presentationml/2006/main">
   <p:cSld>
@@ -1227,7 +1071,7 @@
     </p:spTree>
     <p:extLst>
       <p:ext uri="{BB962C8B-B14F-4D97-AF65-F5344CB8AC3E}">
-        <p14:creationId xmlns:p14="http://schemas.microsoft.com/office/powerpoint/2010/main" val="3637663295"/>
+        <p14:creationId xmlns:p14="http://schemas.microsoft.com/office/powerpoint/2010/main" val="3620653469"/>
       </p:ext>
     </p:extLst>
   </p:cSld>
@@ -1278,7 +1122,7 @@
     </p:spTree>
     <p:extLst>
       <p:ext uri="{BB962C8B-B14F-4D97-AF65-F5344CB8AC3E}">
-        <p14:creationId xmlns:p14="http://schemas.microsoft.com/office/powerpoint/2010/main" val="2848732177"/>
+        <p14:creationId xmlns:p14="http://schemas.microsoft.com/office/powerpoint/2010/main" val="143894686"/>
       </p:ext>
     </p:extLst>
   </p:cSld>
@@ -1329,7 +1173,7 @@
     </p:spTree>
     <p:extLst>
       <p:ext uri="{BB962C8B-B14F-4D97-AF65-F5344CB8AC3E}">
-        <p14:creationId xmlns:p14="http://schemas.microsoft.com/office/powerpoint/2010/main" val="3035965469"/>
+        <p14:creationId xmlns:p14="http://schemas.microsoft.com/office/powerpoint/2010/main" val="1135914428"/>
       </p:ext>
     </p:extLst>
   </p:cSld>
@@ -1380,7 +1224,7 @@
     </p:spTree>
     <p:extLst>
       <p:ext uri="{BB962C8B-B14F-4D97-AF65-F5344CB8AC3E}">
-        <p14:creationId xmlns:p14="http://schemas.microsoft.com/office/powerpoint/2010/main" val="3620653469"/>
+        <p14:creationId xmlns:p14="http://schemas.microsoft.com/office/powerpoint/2010/main" val="946067708"/>
       </p:ext>
     </p:extLst>
   </p:cSld>
@@ -1431,7 +1275,7 @@
     </p:spTree>
     <p:extLst>
       <p:ext uri="{BB962C8B-B14F-4D97-AF65-F5344CB8AC3E}">
-        <p14:creationId xmlns:p14="http://schemas.microsoft.com/office/powerpoint/2010/main" val="143894686"/>
+        <p14:creationId xmlns:p14="http://schemas.microsoft.com/office/powerpoint/2010/main" val="2463012189"/>
       </p:ext>
     </p:extLst>
   </p:cSld>
@@ -1482,7 +1326,7 @@
     </p:spTree>
     <p:extLst>
       <p:ext uri="{BB962C8B-B14F-4D97-AF65-F5344CB8AC3E}">
-        <p14:creationId xmlns:p14="http://schemas.microsoft.com/office/powerpoint/2010/main" val="1135914428"/>
+        <p14:creationId xmlns:p14="http://schemas.microsoft.com/office/powerpoint/2010/main" val="780618634"/>
       </p:ext>
     </p:extLst>
   </p:cSld>
@@ -1526,14 +1370,14 @@
           </a:bodyPr>
           <a:lstStyle/>
           <a:p>
-            <a:endParaRPr/>
+            <a:endParaRPr dirty="0"/>
           </a:p>
         </p:txBody>
       </p:sp>
     </p:spTree>
     <p:extLst>
       <p:ext uri="{BB962C8B-B14F-4D97-AF65-F5344CB8AC3E}">
-        <p14:creationId xmlns:p14="http://schemas.microsoft.com/office/powerpoint/2010/main" val="946067708"/>
+        <p14:creationId xmlns:p14="http://schemas.microsoft.com/office/powerpoint/2010/main" val="644781988"/>
       </p:ext>
     </p:extLst>
   </p:cSld>
@@ -1724,7 +1568,7 @@
           <a:p>
             <a:fld id="{5E75A0DC-66C6-4CEC-A5EB-F8C97CEC3796}" type="datetimeFigureOut">
               <a:rPr lang="es-MX" smtClean="0"/>
-              <a:t>25/03/2021</a:t>
+              <a:t>19/09/2021</a:t>
             </a:fld>
             <a:endParaRPr lang="es-MX" dirty="0"/>
           </a:p>
@@ -1894,7 +1738,7 @@
           <a:p>
             <a:fld id="{5E75A0DC-66C6-4CEC-A5EB-F8C97CEC3796}" type="datetimeFigureOut">
               <a:rPr lang="es-MX" smtClean="0"/>
-              <a:t>25/03/2021</a:t>
+              <a:t>19/09/2021</a:t>
             </a:fld>
             <a:endParaRPr lang="es-MX" dirty="0"/>
           </a:p>
@@ -2074,7 +1918,7 @@
           <a:p>
             <a:fld id="{5E75A0DC-66C6-4CEC-A5EB-F8C97CEC3796}" type="datetimeFigureOut">
               <a:rPr lang="es-MX" smtClean="0"/>
-              <a:t>25/03/2021</a:t>
+              <a:t>19/09/2021</a:t>
             </a:fld>
             <a:endParaRPr lang="es-MX" dirty="0"/>
           </a:p>
@@ -2208,7 +2052,7 @@
           <a:p>
             <a:fld id="{1D8BD707-D9CF-40AE-B4C6-C98DA3205C09}" type="datetimeFigureOut">
               <a:rPr lang="en-US"/>
-              <a:t>3/25/2021</a:t>
+              <a:t>9/19/2021</a:t>
             </a:fld>
             <a:endParaRPr lang="en-US"/>
           </a:p>
@@ -2368,7 +2212,7 @@
           <a:p>
             <a:fld id="{5E75A0DC-66C6-4CEC-A5EB-F8C97CEC3796}" type="datetimeFigureOut">
               <a:rPr lang="es-MX" smtClean="0"/>
-              <a:t>25/03/2021</a:t>
+              <a:t>19/09/2021</a:t>
             </a:fld>
             <a:endParaRPr lang="es-MX" dirty="0"/>
           </a:p>
@@ -2614,7 +2458,7 @@
           <a:p>
             <a:fld id="{5E75A0DC-66C6-4CEC-A5EB-F8C97CEC3796}" type="datetimeFigureOut">
               <a:rPr lang="es-MX" smtClean="0"/>
-              <a:t>25/03/2021</a:t>
+              <a:t>19/09/2021</a:t>
             </a:fld>
             <a:endParaRPr lang="es-MX" dirty="0"/>
           </a:p>
@@ -2902,7 +2746,7 @@
           <a:p>
             <a:fld id="{5E75A0DC-66C6-4CEC-A5EB-F8C97CEC3796}" type="datetimeFigureOut">
               <a:rPr lang="es-MX" smtClean="0"/>
-              <a:t>25/03/2021</a:t>
+              <a:t>19/09/2021</a:t>
             </a:fld>
             <a:endParaRPr lang="es-MX" dirty="0"/>
           </a:p>
@@ -3324,7 +3168,7 @@
           <a:p>
             <a:fld id="{5E75A0DC-66C6-4CEC-A5EB-F8C97CEC3796}" type="datetimeFigureOut">
               <a:rPr lang="es-MX" smtClean="0"/>
-              <a:t>25/03/2021</a:t>
+              <a:t>19/09/2021</a:t>
             </a:fld>
             <a:endParaRPr lang="es-MX" dirty="0"/>
           </a:p>
@@ -3442,7 +3286,7 @@
           <a:p>
             <a:fld id="{5E75A0DC-66C6-4CEC-A5EB-F8C97CEC3796}" type="datetimeFigureOut">
               <a:rPr lang="es-MX" smtClean="0"/>
-              <a:t>25/03/2021</a:t>
+              <a:t>19/09/2021</a:t>
             </a:fld>
             <a:endParaRPr lang="es-MX" dirty="0"/>
           </a:p>
@@ -3537,7 +3381,7 @@
           <a:p>
             <a:fld id="{5E75A0DC-66C6-4CEC-A5EB-F8C97CEC3796}" type="datetimeFigureOut">
               <a:rPr lang="es-MX" smtClean="0"/>
-              <a:t>25/03/2021</a:t>
+              <a:t>19/09/2021</a:t>
             </a:fld>
             <a:endParaRPr lang="es-MX" dirty="0"/>
           </a:p>
@@ -3814,7 +3658,7 @@
           <a:p>
             <a:fld id="{5E75A0DC-66C6-4CEC-A5EB-F8C97CEC3796}" type="datetimeFigureOut">
               <a:rPr lang="es-MX" smtClean="0"/>
-              <a:t>25/03/2021</a:t>
+              <a:t>19/09/2021</a:t>
             </a:fld>
             <a:endParaRPr lang="es-MX" dirty="0"/>
           </a:p>
@@ -4067,7 +3911,7 @@
           <a:p>
             <a:fld id="{5E75A0DC-66C6-4CEC-A5EB-F8C97CEC3796}" type="datetimeFigureOut">
               <a:rPr lang="es-MX" smtClean="0"/>
-              <a:t>25/03/2021</a:t>
+              <a:t>19/09/2021</a:t>
             </a:fld>
             <a:endParaRPr lang="es-MX" dirty="0"/>
           </a:p>
@@ -4280,7 +4124,7 @@
           <a:p>
             <a:fld id="{5E75A0DC-66C6-4CEC-A5EB-F8C97CEC3796}" type="datetimeFigureOut">
               <a:rPr lang="es-MX" smtClean="0"/>
-              <a:t>25/03/2021</a:t>
+              <a:t>19/09/2021</a:t>
             </a:fld>
             <a:endParaRPr lang="es-MX" dirty="0"/>
           </a:p>
@@ -4936,1176 +4780,6 @@
       </p:sp>
       <p:sp>
         <p:nvSpPr>
-          <p:cNvPr id="8" name="object 17">
-            <a:extLst>
-              <a:ext uri="{FF2B5EF4-FFF2-40B4-BE49-F238E27FC236}">
-                <a16:creationId xmlns:a16="http://schemas.microsoft.com/office/drawing/2014/main" id="{3098FFB0-04FA-427E-A5C2-AF52880BD3F3}"/>
-              </a:ext>
-            </a:extLst>
-          </p:cNvPr>
-          <p:cNvSpPr/>
-          <p:nvPr/>
-        </p:nvSpPr>
-        <p:spPr>
-          <a:xfrm>
-            <a:off x="1331936" y="2019700"/>
-            <a:ext cx="6442075" cy="4046220"/>
-          </a:xfrm>
-          <a:custGeom>
-            <a:avLst/>
-            <a:gdLst/>
-            <a:ahLst/>
-            <a:cxnLst/>
-            <a:rect l="l" t="t" r="r" b="b"/>
-            <a:pathLst>
-              <a:path w="6442075" h="4046220">
-                <a:moveTo>
-                  <a:pt x="0" y="4046220"/>
-                </a:moveTo>
-                <a:lnTo>
-                  <a:pt x="6441948" y="4046220"/>
-                </a:lnTo>
-                <a:lnTo>
-                  <a:pt x="6441948" y="0"/>
-                </a:lnTo>
-                <a:lnTo>
-                  <a:pt x="0" y="0"/>
-                </a:lnTo>
-                <a:lnTo>
-                  <a:pt x="0" y="4046220"/>
-                </a:lnTo>
-                <a:close/>
-              </a:path>
-            </a:pathLst>
-          </a:custGeom>
-          <a:ln w="38100">
-            <a:solidFill>
-              <a:srgbClr val="000000"/>
-            </a:solidFill>
-          </a:ln>
-        </p:spPr>
-        <p:txBody>
-          <a:bodyPr wrap="square" lIns="0" tIns="0" rIns="0" bIns="0" rtlCol="0"/>
-          <a:lstStyle/>
-          <a:p>
-            <a:endParaRPr/>
-          </a:p>
-        </p:txBody>
-      </p:sp>
-      <p:sp>
-        <p:nvSpPr>
-          <p:cNvPr id="9" name="object 18">
-            <a:extLst>
-              <a:ext uri="{FF2B5EF4-FFF2-40B4-BE49-F238E27FC236}">
-                <a16:creationId xmlns:a16="http://schemas.microsoft.com/office/drawing/2014/main" id="{0C347C6F-9495-4301-932C-502CF913DF20}"/>
-              </a:ext>
-            </a:extLst>
-          </p:cNvPr>
-          <p:cNvSpPr/>
-          <p:nvPr/>
-        </p:nvSpPr>
-        <p:spPr>
-          <a:xfrm>
-            <a:off x="1424940" y="2060848"/>
-            <a:ext cx="6294120" cy="3963924"/>
-          </a:xfrm>
-          <a:prstGeom prst="rect">
-            <a:avLst/>
-          </a:prstGeom>
-          <a:blipFill>
-            <a:blip r:embed="rId3" cstate="print"/>
-            <a:stretch>
-              <a:fillRect/>
-            </a:stretch>
-          </a:blipFill>
-        </p:spPr>
-        <p:txBody>
-          <a:bodyPr wrap="square" lIns="0" tIns="0" rIns="0" bIns="0" rtlCol="0"/>
-          <a:lstStyle/>
-          <a:p>
-            <a:endParaRPr/>
-          </a:p>
-        </p:txBody>
-      </p:sp>
-      <p:sp>
-        <p:nvSpPr>
-          <p:cNvPr id="11" name="CuadroTexto 10">
-            <a:extLst>
-              <a:ext uri="{FF2B5EF4-FFF2-40B4-BE49-F238E27FC236}">
-                <a16:creationId xmlns:a16="http://schemas.microsoft.com/office/drawing/2014/main" id="{106D7414-CC72-4433-A8BA-EE0D0F703B67}"/>
-              </a:ext>
-            </a:extLst>
-          </p:cNvPr>
-          <p:cNvSpPr txBox="1"/>
-          <p:nvPr/>
-        </p:nvSpPr>
-        <p:spPr>
-          <a:xfrm>
-            <a:off x="611560" y="1340768"/>
-            <a:ext cx="7992888" cy="393698"/>
-          </a:xfrm>
-          <a:prstGeom prst="rect">
-            <a:avLst/>
-          </a:prstGeom>
-          <a:noFill/>
-        </p:spPr>
-        <p:txBody>
-          <a:bodyPr wrap="square" rtlCol="0">
-            <a:spAutoFit/>
-          </a:bodyPr>
-          <a:lstStyle/>
-          <a:p>
-            <a:pPr marL="342900" indent="-342900" algn="just">
-              <a:lnSpc>
-                <a:spcPts val="2500"/>
-              </a:lnSpc>
-              <a:buFont typeface="+mj-lt"/>
-              <a:buAutoNum type="arabicPeriod" startAt="4"/>
-            </a:pPr>
-            <a:r>
-              <a:rPr lang="es-ES" dirty="0">
-                <a:solidFill>
-                  <a:schemeClr val="tx1">
-                    <a:lumMod val="95000"/>
-                    <a:lumOff val="5000"/>
-                  </a:schemeClr>
-                </a:solidFill>
-              </a:rPr>
-              <a:t>Escribir para cada subred el </a:t>
-            </a:r>
-            <a:r>
-              <a:rPr lang="es-ES" b="1" dirty="0">
-                <a:solidFill>
-                  <a:schemeClr val="tx1">
-                    <a:lumMod val="95000"/>
-                    <a:lumOff val="5000"/>
-                  </a:schemeClr>
-                </a:solidFill>
-              </a:rPr>
-              <a:t>prefijo</a:t>
-            </a:r>
-            <a:r>
-              <a:rPr lang="es-ES" dirty="0">
-                <a:solidFill>
-                  <a:schemeClr val="tx1">
-                    <a:lumMod val="95000"/>
-                    <a:lumOff val="5000"/>
-                  </a:schemeClr>
-                </a:solidFill>
-              </a:rPr>
-              <a:t> de la máscara de subred en formato </a:t>
-            </a:r>
-            <a:r>
-              <a:rPr lang="es-ES" b="1" dirty="0">
-                <a:solidFill>
-                  <a:schemeClr val="tx1">
-                    <a:lumMod val="95000"/>
-                    <a:lumOff val="5000"/>
-                  </a:schemeClr>
-                </a:solidFill>
-              </a:rPr>
-              <a:t>/</a:t>
-            </a:r>
-            <a:r>
-              <a:rPr lang="es-ES" b="1" dirty="0" err="1">
-                <a:solidFill>
-                  <a:schemeClr val="tx1">
-                    <a:lumMod val="95000"/>
-                    <a:lumOff val="5000"/>
-                  </a:schemeClr>
-                </a:solidFill>
-              </a:rPr>
-              <a:t>xx</a:t>
-            </a:r>
-            <a:r>
-              <a:rPr lang="es-ES" dirty="0">
-                <a:solidFill>
-                  <a:schemeClr val="tx1">
-                    <a:lumMod val="95000"/>
-                    <a:lumOff val="5000"/>
-                  </a:schemeClr>
-                </a:solidFill>
-              </a:rPr>
-              <a:t>:</a:t>
-            </a:r>
-            <a:endParaRPr lang="es-MX" dirty="0"/>
-          </a:p>
-        </p:txBody>
-      </p:sp>
-    </p:spTree>
-    <p:extLst>
-      <p:ext uri="{BB962C8B-B14F-4D97-AF65-F5344CB8AC3E}">
-        <p14:creationId xmlns:p14="http://schemas.microsoft.com/office/powerpoint/2010/main" val="1152865690"/>
-      </p:ext>
-    </p:extLst>
-  </p:cSld>
-  <p:clrMapOvr>
-    <a:masterClrMapping/>
-  </p:clrMapOvr>
-</p:sld>
-</file>
-
-<file path=ppt/slides/slide11.xml><?xml version="1.0" encoding="utf-8"?>
-<p:sld xmlns:a="http://schemas.openxmlformats.org/drawingml/2006/main" xmlns:r="http://schemas.openxmlformats.org/officeDocument/2006/relationships" xmlns:p="http://schemas.openxmlformats.org/presentationml/2006/main">
-  <p:cSld>
-    <p:spTree>
-      <p:nvGrpSpPr>
-        <p:cNvPr id="1" name=""/>
-        <p:cNvGrpSpPr/>
-        <p:nvPr/>
-      </p:nvGrpSpPr>
-      <p:grpSpPr>
-        <a:xfrm>
-          <a:off x="0" y="0"/>
-          <a:ext cx="0" cy="0"/>
-          <a:chOff x="0" y="0"/>
-          <a:chExt cx="0" cy="0"/>
-        </a:xfrm>
-      </p:grpSpPr>
-      <p:sp>
-        <p:nvSpPr>
-          <p:cNvPr id="21" name="Rectangle 2">
-            <a:extLst>
-              <a:ext uri="{FF2B5EF4-FFF2-40B4-BE49-F238E27FC236}">
-                <a16:creationId xmlns:a16="http://schemas.microsoft.com/office/drawing/2014/main" id="{61F062CC-B1F1-4898-90E3-65665EC625FD}"/>
-              </a:ext>
-            </a:extLst>
-          </p:cNvPr>
-          <p:cNvSpPr txBox="1">
-            <a:spLocks noChangeArrowheads="1"/>
-          </p:cNvSpPr>
-          <p:nvPr/>
-        </p:nvSpPr>
-        <p:spPr>
-          <a:xfrm>
-            <a:off x="89756" y="6221"/>
-            <a:ext cx="8964488" cy="1143000"/>
-          </a:xfrm>
-          <a:prstGeom prst="rect">
-            <a:avLst/>
-          </a:prstGeom>
-        </p:spPr>
-        <p:txBody>
-          <a:bodyPr vert="horz" lIns="92075" tIns="46038" rIns="92075" bIns="46038" rtlCol="0" anchor="ctr">
-            <a:noAutofit/>
-          </a:bodyPr>
-          <a:lstStyle>
-            <a:lvl1pPr algn="ctr" defTabSz="914400" rtl="0" eaLnBrk="1" latinLnBrk="0" hangingPunct="1">
-              <a:spcBef>
-                <a:spcPct val="0"/>
-              </a:spcBef>
-              <a:buNone/>
-              <a:defRPr sz="4400" kern="1200">
-                <a:solidFill>
-                  <a:schemeClr val="tx1"/>
-                </a:solidFill>
-                <a:latin typeface="+mj-lt"/>
-                <a:ea typeface="+mj-ea"/>
-                <a:cs typeface="+mj-cs"/>
-              </a:defRPr>
-            </a:lvl1pPr>
-          </a:lstStyle>
-          <a:p>
-            <a:pPr>
-              <a:defRPr/>
-            </a:pPr>
-            <a:r>
-              <a:rPr lang="es-ES_tradnl" sz="3200" dirty="0">
-                <a:solidFill>
-                  <a:srgbClr val="3333CC"/>
-                </a:solidFill>
-                <a:effectLst>
-                  <a:outerShdw blurRad="38100" dist="38100" dir="2700000" algn="tl">
-                    <a:srgbClr val="C0C0C0"/>
-                  </a:outerShdw>
-                </a:effectLst>
-                <a:latin typeface="Dom Casual" charset="0"/>
-              </a:rPr>
-              <a:t> </a:t>
-            </a:r>
-            <a:r>
-              <a:rPr lang="es-ES_tradnl" sz="3200" b="1" dirty="0">
-                <a:solidFill>
-                  <a:schemeClr val="accent4">
-                    <a:lumMod val="50000"/>
-                  </a:schemeClr>
-                </a:solidFill>
-                <a:effectLst>
-                  <a:outerShdw blurRad="38100" dist="38100" dir="2700000" algn="tl">
-                    <a:srgbClr val="C0C0C0"/>
-                  </a:outerShdw>
-                </a:effectLst>
-                <a:latin typeface="Dom Casual" charset="0"/>
-              </a:rPr>
-              <a:t>Algoritmo para crear VLSM con restricciones de conectividad</a:t>
-            </a:r>
-            <a:endParaRPr lang="es-ES_tradnl" sz="2400" b="1" dirty="0">
-              <a:solidFill>
-                <a:schemeClr val="accent5">
-                  <a:lumMod val="75000"/>
-                </a:schemeClr>
-              </a:solidFill>
-              <a:effectLst>
-                <a:outerShdw blurRad="38100" dist="38100" dir="2700000" algn="tl">
-                  <a:srgbClr val="C0C0C0"/>
-                </a:outerShdw>
-              </a:effectLst>
-              <a:latin typeface="Dom Casual" charset="0"/>
-            </a:endParaRPr>
-          </a:p>
-        </p:txBody>
-      </p:sp>
-      <p:sp>
-        <p:nvSpPr>
-          <p:cNvPr id="8" name="object 17">
-            <a:extLst>
-              <a:ext uri="{FF2B5EF4-FFF2-40B4-BE49-F238E27FC236}">
-                <a16:creationId xmlns:a16="http://schemas.microsoft.com/office/drawing/2014/main" id="{3098FFB0-04FA-427E-A5C2-AF52880BD3F3}"/>
-              </a:ext>
-            </a:extLst>
-          </p:cNvPr>
-          <p:cNvSpPr/>
-          <p:nvPr/>
-        </p:nvSpPr>
-        <p:spPr>
-          <a:xfrm>
-            <a:off x="1667110" y="2455389"/>
-            <a:ext cx="6442075" cy="4046220"/>
-          </a:xfrm>
-          <a:custGeom>
-            <a:avLst/>
-            <a:gdLst/>
-            <a:ahLst/>
-            <a:cxnLst/>
-            <a:rect l="l" t="t" r="r" b="b"/>
-            <a:pathLst>
-              <a:path w="6442075" h="4046220">
-                <a:moveTo>
-                  <a:pt x="0" y="4046220"/>
-                </a:moveTo>
-                <a:lnTo>
-                  <a:pt x="6441948" y="4046220"/>
-                </a:lnTo>
-                <a:lnTo>
-                  <a:pt x="6441948" y="0"/>
-                </a:lnTo>
-                <a:lnTo>
-                  <a:pt x="0" y="0"/>
-                </a:lnTo>
-                <a:lnTo>
-                  <a:pt x="0" y="4046220"/>
-                </a:lnTo>
-                <a:close/>
-              </a:path>
-            </a:pathLst>
-          </a:custGeom>
-          <a:ln w="38100">
-            <a:solidFill>
-              <a:srgbClr val="000000"/>
-            </a:solidFill>
-          </a:ln>
-        </p:spPr>
-        <p:txBody>
-          <a:bodyPr wrap="square" lIns="0" tIns="0" rIns="0" bIns="0" rtlCol="0"/>
-          <a:lstStyle/>
-          <a:p>
-            <a:endParaRPr/>
-          </a:p>
-        </p:txBody>
-      </p:sp>
-      <p:sp>
-        <p:nvSpPr>
-          <p:cNvPr id="9" name="object 18">
-            <a:extLst>
-              <a:ext uri="{FF2B5EF4-FFF2-40B4-BE49-F238E27FC236}">
-                <a16:creationId xmlns:a16="http://schemas.microsoft.com/office/drawing/2014/main" id="{0C347C6F-9495-4301-932C-502CF913DF20}"/>
-              </a:ext>
-            </a:extLst>
-          </p:cNvPr>
-          <p:cNvSpPr/>
-          <p:nvPr/>
-        </p:nvSpPr>
-        <p:spPr>
-          <a:xfrm>
-            <a:off x="1691680" y="2492896"/>
-            <a:ext cx="6294120" cy="3963924"/>
-          </a:xfrm>
-          <a:prstGeom prst="rect">
-            <a:avLst/>
-          </a:prstGeom>
-          <a:blipFill>
-            <a:blip r:embed="rId3" cstate="print"/>
-            <a:stretch>
-              <a:fillRect/>
-            </a:stretch>
-          </a:blipFill>
-        </p:spPr>
-        <p:txBody>
-          <a:bodyPr wrap="square" lIns="0" tIns="0" rIns="0" bIns="0" rtlCol="0"/>
-          <a:lstStyle/>
-          <a:p>
-            <a:endParaRPr/>
-          </a:p>
-        </p:txBody>
-      </p:sp>
-      <p:sp>
-        <p:nvSpPr>
-          <p:cNvPr id="11" name="object 12">
-            <a:extLst>
-              <a:ext uri="{FF2B5EF4-FFF2-40B4-BE49-F238E27FC236}">
-                <a16:creationId xmlns:a16="http://schemas.microsoft.com/office/drawing/2014/main" id="{6EEC2A5C-8CC9-4412-B276-E5A219145967}"/>
-              </a:ext>
-            </a:extLst>
-          </p:cNvPr>
-          <p:cNvSpPr/>
-          <p:nvPr/>
-        </p:nvSpPr>
-        <p:spPr>
-          <a:xfrm>
-            <a:off x="2223852" y="5361340"/>
-            <a:ext cx="504056" cy="334409"/>
-          </a:xfrm>
-          <a:custGeom>
-            <a:avLst/>
-            <a:gdLst/>
-            <a:ahLst/>
-            <a:cxnLst/>
-            <a:rect l="l" t="t" r="r" b="b"/>
-            <a:pathLst>
-              <a:path w="1007745" h="763904">
-                <a:moveTo>
-                  <a:pt x="0" y="763524"/>
-                </a:moveTo>
-                <a:lnTo>
-                  <a:pt x="1007363" y="763524"/>
-                </a:lnTo>
-                <a:lnTo>
-                  <a:pt x="1007363" y="0"/>
-                </a:lnTo>
-                <a:lnTo>
-                  <a:pt x="0" y="0"/>
-                </a:lnTo>
-                <a:lnTo>
-                  <a:pt x="0" y="763524"/>
-                </a:lnTo>
-                <a:close/>
-              </a:path>
-            </a:pathLst>
-          </a:custGeom>
-          <a:ln w="38099">
-            <a:solidFill>
-              <a:srgbClr val="FF0000"/>
-            </a:solidFill>
-          </a:ln>
-        </p:spPr>
-        <p:txBody>
-          <a:bodyPr wrap="square" lIns="0" tIns="0" rIns="0" bIns="0" rtlCol="0"/>
-          <a:lstStyle/>
-          <a:p>
-            <a:endParaRPr/>
-          </a:p>
-        </p:txBody>
-      </p:sp>
-      <p:sp>
-        <p:nvSpPr>
-          <p:cNvPr id="12" name="object 12">
-            <a:extLst>
-              <a:ext uri="{FF2B5EF4-FFF2-40B4-BE49-F238E27FC236}">
-                <a16:creationId xmlns:a16="http://schemas.microsoft.com/office/drawing/2014/main" id="{3F3D1D60-366B-44BB-ACCC-751F4C70514D}"/>
-              </a:ext>
-            </a:extLst>
-          </p:cNvPr>
-          <p:cNvSpPr/>
-          <p:nvPr/>
-        </p:nvSpPr>
-        <p:spPr>
-          <a:xfrm>
-            <a:off x="4096060" y="5931908"/>
-            <a:ext cx="504056" cy="303626"/>
-          </a:xfrm>
-          <a:custGeom>
-            <a:avLst/>
-            <a:gdLst/>
-            <a:ahLst/>
-            <a:cxnLst/>
-            <a:rect l="l" t="t" r="r" b="b"/>
-            <a:pathLst>
-              <a:path w="1007745" h="763904">
-                <a:moveTo>
-                  <a:pt x="0" y="763524"/>
-                </a:moveTo>
-                <a:lnTo>
-                  <a:pt x="1007363" y="763524"/>
-                </a:lnTo>
-                <a:lnTo>
-                  <a:pt x="1007363" y="0"/>
-                </a:lnTo>
-                <a:lnTo>
-                  <a:pt x="0" y="0"/>
-                </a:lnTo>
-                <a:lnTo>
-                  <a:pt x="0" y="763524"/>
-                </a:lnTo>
-                <a:close/>
-              </a:path>
-            </a:pathLst>
-          </a:custGeom>
-          <a:ln w="38099">
-            <a:solidFill>
-              <a:srgbClr val="FF0000"/>
-            </a:solidFill>
-          </a:ln>
-        </p:spPr>
-        <p:txBody>
-          <a:bodyPr wrap="square" lIns="0" tIns="0" rIns="0" bIns="0" rtlCol="0"/>
-          <a:lstStyle/>
-          <a:p>
-            <a:endParaRPr/>
-          </a:p>
-        </p:txBody>
-      </p:sp>
-      <p:sp>
-        <p:nvSpPr>
-          <p:cNvPr id="13" name="object 12">
-            <a:extLst>
-              <a:ext uri="{FF2B5EF4-FFF2-40B4-BE49-F238E27FC236}">
-                <a16:creationId xmlns:a16="http://schemas.microsoft.com/office/drawing/2014/main" id="{4276C32D-036E-4422-B240-A50F52302F75}"/>
-              </a:ext>
-            </a:extLst>
-          </p:cNvPr>
-          <p:cNvSpPr/>
-          <p:nvPr/>
-        </p:nvSpPr>
-        <p:spPr>
-          <a:xfrm>
-            <a:off x="6760356" y="5698181"/>
-            <a:ext cx="576064" cy="303626"/>
-          </a:xfrm>
-          <a:custGeom>
-            <a:avLst/>
-            <a:gdLst/>
-            <a:ahLst/>
-            <a:cxnLst/>
-            <a:rect l="l" t="t" r="r" b="b"/>
-            <a:pathLst>
-              <a:path w="1007745" h="763904">
-                <a:moveTo>
-                  <a:pt x="0" y="763524"/>
-                </a:moveTo>
-                <a:lnTo>
-                  <a:pt x="1007363" y="763524"/>
-                </a:lnTo>
-                <a:lnTo>
-                  <a:pt x="1007363" y="0"/>
-                </a:lnTo>
-                <a:lnTo>
-                  <a:pt x="0" y="0"/>
-                </a:lnTo>
-                <a:lnTo>
-                  <a:pt x="0" y="763524"/>
-                </a:lnTo>
-                <a:close/>
-              </a:path>
-            </a:pathLst>
-          </a:custGeom>
-          <a:ln w="38099">
-            <a:solidFill>
-              <a:srgbClr val="FF0000"/>
-            </a:solidFill>
-          </a:ln>
-        </p:spPr>
-        <p:txBody>
-          <a:bodyPr wrap="square" lIns="0" tIns="0" rIns="0" bIns="0" rtlCol="0"/>
-          <a:lstStyle/>
-          <a:p>
-            <a:endParaRPr/>
-          </a:p>
-        </p:txBody>
-      </p:sp>
-      <p:sp>
-        <p:nvSpPr>
-          <p:cNvPr id="14" name="CuadroTexto 13">
-            <a:extLst>
-              <a:ext uri="{FF2B5EF4-FFF2-40B4-BE49-F238E27FC236}">
-                <a16:creationId xmlns:a16="http://schemas.microsoft.com/office/drawing/2014/main" id="{CBFB52AB-DAB1-4E4B-A86E-67168085CB8C}"/>
-              </a:ext>
-            </a:extLst>
-          </p:cNvPr>
-          <p:cNvSpPr txBox="1"/>
-          <p:nvPr/>
-        </p:nvSpPr>
-        <p:spPr>
-          <a:xfrm>
-            <a:off x="467544" y="1330908"/>
-            <a:ext cx="7992888" cy="1355499"/>
-          </a:xfrm>
-          <a:prstGeom prst="rect">
-            <a:avLst/>
-          </a:prstGeom>
-          <a:noFill/>
-        </p:spPr>
-        <p:txBody>
-          <a:bodyPr wrap="square" rtlCol="0">
-            <a:spAutoFit/>
-          </a:bodyPr>
-          <a:lstStyle/>
-          <a:p>
-            <a:pPr marL="342900" indent="-342900" algn="just">
-              <a:lnSpc>
-                <a:spcPts val="2500"/>
-              </a:lnSpc>
-              <a:buFont typeface="+mj-lt"/>
-              <a:buAutoNum type="arabicPeriod" startAt="5"/>
-            </a:pPr>
-            <a:r>
-              <a:rPr lang="es-ES" dirty="0">
-                <a:solidFill>
-                  <a:schemeClr val="tx1">
-                    <a:lumMod val="95000"/>
-                    <a:lumOff val="5000"/>
-                  </a:schemeClr>
-                </a:solidFill>
-              </a:rPr>
-              <a:t>De todos los prefijos calculados selecciona el de</a:t>
-            </a:r>
-            <a:r>
-              <a:rPr lang="es-ES" b="1" dirty="0">
-                <a:solidFill>
-                  <a:schemeClr val="tx1">
-                    <a:lumMod val="95000"/>
-                    <a:lumOff val="5000"/>
-                  </a:schemeClr>
-                </a:solidFill>
-              </a:rPr>
-              <a:t> menor</a:t>
-            </a:r>
-            <a:r>
-              <a:rPr lang="es-ES" dirty="0">
-                <a:solidFill>
-                  <a:schemeClr val="tx1">
-                    <a:lumMod val="95000"/>
-                    <a:lumOff val="5000"/>
-                  </a:schemeClr>
-                </a:solidFill>
-              </a:rPr>
-              <a:t> valor. El valor de este prefijo indica el bloque con mayor número de direcciones </a:t>
-            </a:r>
-            <a:r>
-              <a:rPr lang="es-ES" b="1" dirty="0" err="1">
-                <a:solidFill>
-                  <a:schemeClr val="tx1">
-                    <a:lumMod val="95000"/>
-                    <a:lumOff val="5000"/>
-                  </a:schemeClr>
-                </a:solidFill>
-              </a:rPr>
-              <a:t>IP’s</a:t>
-            </a:r>
-            <a:r>
-              <a:rPr lang="es-ES" dirty="0">
-                <a:solidFill>
-                  <a:schemeClr val="tx1">
-                    <a:lumMod val="95000"/>
-                    <a:lumOff val="5000"/>
-                  </a:schemeClr>
-                </a:solidFill>
-              </a:rPr>
-              <a:t>, por el cual debes comenzar a </a:t>
-            </a:r>
-            <a:r>
-              <a:rPr lang="es-ES" dirty="0" err="1">
-                <a:solidFill>
-                  <a:schemeClr val="tx1">
-                    <a:lumMod val="95000"/>
-                    <a:lumOff val="5000"/>
-                  </a:schemeClr>
-                </a:solidFill>
-              </a:rPr>
-              <a:t>subnetear</a:t>
-            </a:r>
-            <a:r>
-              <a:rPr lang="es-ES" dirty="0">
-                <a:solidFill>
-                  <a:schemeClr val="tx1">
-                    <a:lumMod val="95000"/>
-                    <a:lumOff val="5000"/>
-                  </a:schemeClr>
-                </a:solidFill>
-              </a:rPr>
-              <a:t>. Crea el primer esquema de </a:t>
-            </a:r>
-            <a:r>
-              <a:rPr lang="es-ES" dirty="0" err="1">
-                <a:solidFill>
-                  <a:schemeClr val="tx1">
-                    <a:lumMod val="95000"/>
-                    <a:lumOff val="5000"/>
-                  </a:schemeClr>
-                </a:solidFill>
-              </a:rPr>
-              <a:t>subneteo</a:t>
-            </a:r>
-            <a:r>
-              <a:rPr lang="es-ES" dirty="0">
-                <a:solidFill>
-                  <a:schemeClr val="tx1">
-                    <a:lumMod val="95000"/>
-                    <a:lumOff val="5000"/>
-                  </a:schemeClr>
-                </a:solidFill>
-              </a:rPr>
-              <a:t> utilizando este prefijo.</a:t>
-            </a:r>
-            <a:endParaRPr lang="es-MX" dirty="0"/>
-          </a:p>
-        </p:txBody>
-      </p:sp>
-    </p:spTree>
-    <p:extLst>
-      <p:ext uri="{BB962C8B-B14F-4D97-AF65-F5344CB8AC3E}">
-        <p14:creationId xmlns:p14="http://schemas.microsoft.com/office/powerpoint/2010/main" val="4081548420"/>
-      </p:ext>
-    </p:extLst>
-  </p:cSld>
-  <p:clrMapOvr>
-    <a:masterClrMapping/>
-  </p:clrMapOvr>
-</p:sld>
-</file>
-
-<file path=ppt/slides/slide12.xml><?xml version="1.0" encoding="utf-8"?>
-<p:sld xmlns:a="http://schemas.openxmlformats.org/drawingml/2006/main" xmlns:r="http://schemas.openxmlformats.org/officeDocument/2006/relationships" xmlns:p="http://schemas.openxmlformats.org/presentationml/2006/main">
-  <p:cSld>
-    <p:spTree>
-      <p:nvGrpSpPr>
-        <p:cNvPr id="1" name=""/>
-        <p:cNvGrpSpPr/>
-        <p:nvPr/>
-      </p:nvGrpSpPr>
-      <p:grpSpPr>
-        <a:xfrm>
-          <a:off x="0" y="0"/>
-          <a:ext cx="0" cy="0"/>
-          <a:chOff x="0" y="0"/>
-          <a:chExt cx="0" cy="0"/>
-        </a:xfrm>
-      </p:grpSpPr>
-      <p:sp>
-        <p:nvSpPr>
-          <p:cNvPr id="21" name="Rectangle 2">
-            <a:extLst>
-              <a:ext uri="{FF2B5EF4-FFF2-40B4-BE49-F238E27FC236}">
-                <a16:creationId xmlns:a16="http://schemas.microsoft.com/office/drawing/2014/main" id="{61F062CC-B1F1-4898-90E3-65665EC625FD}"/>
-              </a:ext>
-            </a:extLst>
-          </p:cNvPr>
-          <p:cNvSpPr txBox="1">
-            <a:spLocks noChangeArrowheads="1"/>
-          </p:cNvSpPr>
-          <p:nvPr/>
-        </p:nvSpPr>
-        <p:spPr>
-          <a:xfrm>
-            <a:off x="89756" y="6221"/>
-            <a:ext cx="8964488" cy="1143000"/>
-          </a:xfrm>
-          <a:prstGeom prst="rect">
-            <a:avLst/>
-          </a:prstGeom>
-        </p:spPr>
-        <p:txBody>
-          <a:bodyPr vert="horz" lIns="92075" tIns="46038" rIns="92075" bIns="46038" rtlCol="0" anchor="ctr">
-            <a:noAutofit/>
-          </a:bodyPr>
-          <a:lstStyle>
-            <a:lvl1pPr algn="ctr" defTabSz="914400" rtl="0" eaLnBrk="1" latinLnBrk="0" hangingPunct="1">
-              <a:spcBef>
-                <a:spcPct val="0"/>
-              </a:spcBef>
-              <a:buNone/>
-              <a:defRPr sz="4400" kern="1200">
-                <a:solidFill>
-                  <a:schemeClr val="tx1"/>
-                </a:solidFill>
-                <a:latin typeface="+mj-lt"/>
-                <a:ea typeface="+mj-ea"/>
-                <a:cs typeface="+mj-cs"/>
-              </a:defRPr>
-            </a:lvl1pPr>
-          </a:lstStyle>
-          <a:p>
-            <a:pPr>
-              <a:defRPr/>
-            </a:pPr>
-            <a:r>
-              <a:rPr lang="es-ES_tradnl" sz="3200" dirty="0">
-                <a:solidFill>
-                  <a:srgbClr val="3333CC"/>
-                </a:solidFill>
-                <a:effectLst>
-                  <a:outerShdw blurRad="38100" dist="38100" dir="2700000" algn="tl">
-                    <a:srgbClr val="C0C0C0"/>
-                  </a:outerShdw>
-                </a:effectLst>
-                <a:latin typeface="Dom Casual" charset="0"/>
-              </a:rPr>
-              <a:t> </a:t>
-            </a:r>
-            <a:r>
-              <a:rPr lang="es-ES_tradnl" sz="3200" b="1" dirty="0">
-                <a:solidFill>
-                  <a:schemeClr val="accent4">
-                    <a:lumMod val="50000"/>
-                  </a:schemeClr>
-                </a:solidFill>
-                <a:effectLst>
-                  <a:outerShdw blurRad="38100" dist="38100" dir="2700000" algn="tl">
-                    <a:srgbClr val="C0C0C0"/>
-                  </a:outerShdw>
-                </a:effectLst>
-                <a:latin typeface="Dom Casual" charset="0"/>
-              </a:rPr>
-              <a:t>Algoritmo para crear VLSM con restricciones de conectividad</a:t>
-            </a:r>
-            <a:endParaRPr lang="es-ES_tradnl" sz="2400" b="1" dirty="0">
-              <a:solidFill>
-                <a:schemeClr val="accent5">
-                  <a:lumMod val="75000"/>
-                </a:schemeClr>
-              </a:solidFill>
-              <a:effectLst>
-                <a:outerShdw blurRad="38100" dist="38100" dir="2700000" algn="tl">
-                  <a:srgbClr val="C0C0C0"/>
-                </a:outerShdw>
-              </a:effectLst>
-              <a:latin typeface="Dom Casual" charset="0"/>
-            </a:endParaRPr>
-          </a:p>
-        </p:txBody>
-      </p:sp>
-      <p:sp>
-        <p:nvSpPr>
-          <p:cNvPr id="14" name="CuadroTexto 13">
-            <a:extLst>
-              <a:ext uri="{FF2B5EF4-FFF2-40B4-BE49-F238E27FC236}">
-                <a16:creationId xmlns:a16="http://schemas.microsoft.com/office/drawing/2014/main" id="{CBFB52AB-DAB1-4E4B-A86E-67168085CB8C}"/>
-              </a:ext>
-            </a:extLst>
-          </p:cNvPr>
-          <p:cNvSpPr txBox="1"/>
-          <p:nvPr/>
-        </p:nvSpPr>
-        <p:spPr>
-          <a:xfrm>
-            <a:off x="179512" y="1330908"/>
-            <a:ext cx="8784976" cy="1034899"/>
-          </a:xfrm>
-          <a:prstGeom prst="rect">
-            <a:avLst/>
-          </a:prstGeom>
-          <a:noFill/>
-        </p:spPr>
-        <p:txBody>
-          <a:bodyPr wrap="square" rtlCol="0">
-            <a:spAutoFit/>
-          </a:bodyPr>
-          <a:lstStyle/>
-          <a:p>
-            <a:pPr marL="342900" indent="-342900" algn="just">
-              <a:lnSpc>
-                <a:spcPts val="2500"/>
-              </a:lnSpc>
-              <a:buFont typeface="+mj-lt"/>
-              <a:buAutoNum type="arabicPeriod" startAt="5"/>
-            </a:pPr>
-            <a:r>
-              <a:rPr lang="es-ES" dirty="0">
-                <a:solidFill>
-                  <a:schemeClr val="tx1">
-                    <a:lumMod val="95000"/>
-                    <a:lumOff val="5000"/>
-                  </a:schemeClr>
-                </a:solidFill>
-              </a:rPr>
-              <a:t>De todos los prefijos calculados selecciona el de</a:t>
-            </a:r>
-            <a:r>
-              <a:rPr lang="es-ES" b="1" dirty="0">
-                <a:solidFill>
-                  <a:schemeClr val="tx1">
-                    <a:lumMod val="95000"/>
-                    <a:lumOff val="5000"/>
-                  </a:schemeClr>
-                </a:solidFill>
-              </a:rPr>
-              <a:t> menor</a:t>
-            </a:r>
-            <a:r>
-              <a:rPr lang="es-ES" dirty="0">
-                <a:solidFill>
-                  <a:schemeClr val="tx1">
-                    <a:lumMod val="95000"/>
-                    <a:lumOff val="5000"/>
-                  </a:schemeClr>
-                </a:solidFill>
-              </a:rPr>
-              <a:t> valor. El valor de este prefijo indica el bloque con mayor número de direcciones </a:t>
-            </a:r>
-            <a:r>
-              <a:rPr lang="es-ES" b="1" dirty="0" err="1">
-                <a:solidFill>
-                  <a:schemeClr val="tx1">
-                    <a:lumMod val="95000"/>
-                    <a:lumOff val="5000"/>
-                  </a:schemeClr>
-                </a:solidFill>
-              </a:rPr>
-              <a:t>IP’s</a:t>
-            </a:r>
-            <a:r>
-              <a:rPr lang="es-ES" dirty="0">
-                <a:solidFill>
-                  <a:schemeClr val="tx1">
-                    <a:lumMod val="95000"/>
-                    <a:lumOff val="5000"/>
-                  </a:schemeClr>
-                </a:solidFill>
-              </a:rPr>
-              <a:t>, por el cual debes comenzar a </a:t>
-            </a:r>
-            <a:r>
-              <a:rPr lang="es-ES" dirty="0" err="1">
-                <a:solidFill>
-                  <a:schemeClr val="tx1">
-                    <a:lumMod val="95000"/>
-                    <a:lumOff val="5000"/>
-                  </a:schemeClr>
-                </a:solidFill>
-              </a:rPr>
-              <a:t>subnetear</a:t>
-            </a:r>
-            <a:r>
-              <a:rPr lang="es-ES" dirty="0">
-                <a:solidFill>
-                  <a:schemeClr val="tx1">
-                    <a:lumMod val="95000"/>
-                    <a:lumOff val="5000"/>
-                  </a:schemeClr>
-                </a:solidFill>
-              </a:rPr>
-              <a:t>. Crea el primer esquema de </a:t>
-            </a:r>
-            <a:r>
-              <a:rPr lang="es-ES" dirty="0" err="1">
-                <a:solidFill>
-                  <a:schemeClr val="tx1">
-                    <a:lumMod val="95000"/>
-                    <a:lumOff val="5000"/>
-                  </a:schemeClr>
-                </a:solidFill>
-              </a:rPr>
-              <a:t>subneteo</a:t>
-            </a:r>
-            <a:r>
-              <a:rPr lang="es-ES" dirty="0">
-                <a:solidFill>
-                  <a:schemeClr val="tx1">
-                    <a:lumMod val="95000"/>
-                    <a:lumOff val="5000"/>
-                  </a:schemeClr>
-                </a:solidFill>
-              </a:rPr>
-              <a:t> utilizando este prefijo.</a:t>
-            </a:r>
-            <a:endParaRPr lang="es-MX" dirty="0"/>
-          </a:p>
-        </p:txBody>
-      </p:sp>
-      <p:pic>
-        <p:nvPicPr>
-          <p:cNvPr id="10" name="Imagen 9">
-            <a:extLst>
-              <a:ext uri="{FF2B5EF4-FFF2-40B4-BE49-F238E27FC236}">
-                <a16:creationId xmlns:a16="http://schemas.microsoft.com/office/drawing/2014/main" id="{22ABAC9A-7358-418D-A455-CA760350C36B}"/>
-              </a:ext>
-            </a:extLst>
-          </p:cNvPr>
-          <p:cNvPicPr>
-            <a:picLocks noChangeAspect="1"/>
-          </p:cNvPicPr>
-          <p:nvPr/>
-        </p:nvPicPr>
-        <p:blipFill>
-          <a:blip r:embed="rId3"/>
-          <a:stretch>
-            <a:fillRect/>
-          </a:stretch>
-        </p:blipFill>
-        <p:spPr>
-          <a:xfrm>
-            <a:off x="4860032" y="2556456"/>
-            <a:ext cx="4104456" cy="3577014"/>
-          </a:xfrm>
-          <a:prstGeom prst="rect">
-            <a:avLst/>
-          </a:prstGeom>
-        </p:spPr>
-      </p:pic>
-      <p:pic>
-        <p:nvPicPr>
-          <p:cNvPr id="2" name="Imagen 1">
-            <a:extLst>
-              <a:ext uri="{FF2B5EF4-FFF2-40B4-BE49-F238E27FC236}">
-                <a16:creationId xmlns:a16="http://schemas.microsoft.com/office/drawing/2014/main" id="{7B8933D4-1CED-4520-855C-0611A575E173}"/>
-              </a:ext>
-            </a:extLst>
-          </p:cNvPr>
-          <p:cNvPicPr>
-            <a:picLocks noChangeAspect="1"/>
-          </p:cNvPicPr>
-          <p:nvPr/>
-        </p:nvPicPr>
-        <p:blipFill>
-          <a:blip r:embed="rId4"/>
-          <a:stretch>
-            <a:fillRect/>
-          </a:stretch>
-        </p:blipFill>
-        <p:spPr>
-          <a:xfrm>
-            <a:off x="89756" y="2868094"/>
-            <a:ext cx="4626260" cy="2953738"/>
-          </a:xfrm>
-          <a:prstGeom prst="rect">
-            <a:avLst/>
-          </a:prstGeom>
-        </p:spPr>
-      </p:pic>
-    </p:spTree>
-    <p:extLst>
-      <p:ext uri="{BB962C8B-B14F-4D97-AF65-F5344CB8AC3E}">
-        <p14:creationId xmlns:p14="http://schemas.microsoft.com/office/powerpoint/2010/main" val="2078492857"/>
-      </p:ext>
-    </p:extLst>
-  </p:cSld>
-  <p:clrMapOvr>
-    <a:masterClrMapping/>
-  </p:clrMapOvr>
-</p:sld>
-</file>
-
-<file path=ppt/slides/slide13.xml><?xml version="1.0" encoding="utf-8"?>
-<p:sld xmlns:a="http://schemas.openxmlformats.org/drawingml/2006/main" xmlns:r="http://schemas.openxmlformats.org/officeDocument/2006/relationships" xmlns:p="http://schemas.openxmlformats.org/presentationml/2006/main">
-  <p:cSld>
-    <p:spTree>
-      <p:nvGrpSpPr>
-        <p:cNvPr id="1" name=""/>
-        <p:cNvGrpSpPr/>
-        <p:nvPr/>
-      </p:nvGrpSpPr>
-      <p:grpSpPr>
-        <a:xfrm>
-          <a:off x="0" y="0"/>
-          <a:ext cx="0" cy="0"/>
-          <a:chOff x="0" y="0"/>
-          <a:chExt cx="0" cy="0"/>
-        </a:xfrm>
-      </p:grpSpPr>
-      <p:sp>
-        <p:nvSpPr>
-          <p:cNvPr id="21" name="Rectangle 2">
-            <a:extLst>
-              <a:ext uri="{FF2B5EF4-FFF2-40B4-BE49-F238E27FC236}">
-                <a16:creationId xmlns:a16="http://schemas.microsoft.com/office/drawing/2014/main" id="{61F062CC-B1F1-4898-90E3-65665EC625FD}"/>
-              </a:ext>
-            </a:extLst>
-          </p:cNvPr>
-          <p:cNvSpPr txBox="1">
-            <a:spLocks noChangeArrowheads="1"/>
-          </p:cNvSpPr>
-          <p:nvPr/>
-        </p:nvSpPr>
-        <p:spPr>
-          <a:xfrm>
-            <a:off x="89756" y="6221"/>
-            <a:ext cx="8964488" cy="1143000"/>
-          </a:xfrm>
-          <a:prstGeom prst="rect">
-            <a:avLst/>
-          </a:prstGeom>
-        </p:spPr>
-        <p:txBody>
-          <a:bodyPr vert="horz" lIns="92075" tIns="46038" rIns="92075" bIns="46038" rtlCol="0" anchor="ctr">
-            <a:noAutofit/>
-          </a:bodyPr>
-          <a:lstStyle>
-            <a:lvl1pPr algn="ctr" defTabSz="914400" rtl="0" eaLnBrk="1" latinLnBrk="0" hangingPunct="1">
-              <a:spcBef>
-                <a:spcPct val="0"/>
-              </a:spcBef>
-              <a:buNone/>
-              <a:defRPr sz="4400" kern="1200">
-                <a:solidFill>
-                  <a:schemeClr val="tx1"/>
-                </a:solidFill>
-                <a:latin typeface="+mj-lt"/>
-                <a:ea typeface="+mj-ea"/>
-                <a:cs typeface="+mj-cs"/>
-              </a:defRPr>
-            </a:lvl1pPr>
-          </a:lstStyle>
-          <a:p>
-            <a:pPr>
-              <a:defRPr/>
-            </a:pPr>
-            <a:r>
-              <a:rPr lang="es-ES_tradnl" sz="3200" dirty="0">
-                <a:solidFill>
-                  <a:srgbClr val="3333CC"/>
-                </a:solidFill>
-                <a:effectLst>
-                  <a:outerShdw blurRad="38100" dist="38100" dir="2700000" algn="tl">
-                    <a:srgbClr val="C0C0C0"/>
-                  </a:outerShdw>
-                </a:effectLst>
-                <a:latin typeface="Dom Casual" charset="0"/>
-              </a:rPr>
-              <a:t> </a:t>
-            </a:r>
-            <a:r>
-              <a:rPr lang="es-ES_tradnl" sz="3200" b="1" dirty="0">
-                <a:solidFill>
-                  <a:schemeClr val="accent4">
-                    <a:lumMod val="50000"/>
-                  </a:schemeClr>
-                </a:solidFill>
-                <a:effectLst>
-                  <a:outerShdw blurRad="38100" dist="38100" dir="2700000" algn="tl">
-                    <a:srgbClr val="C0C0C0"/>
-                  </a:outerShdw>
-                </a:effectLst>
-                <a:latin typeface="Dom Casual" charset="0"/>
-              </a:rPr>
-              <a:t>Algoritmo para crear VLSM con restricciones de conectividad</a:t>
-            </a:r>
-            <a:endParaRPr lang="es-ES_tradnl" sz="2400" b="1" dirty="0">
-              <a:solidFill>
-                <a:schemeClr val="accent5">
-                  <a:lumMod val="75000"/>
-                </a:schemeClr>
-              </a:solidFill>
-              <a:effectLst>
-                <a:outerShdw blurRad="38100" dist="38100" dir="2700000" algn="tl">
-                  <a:srgbClr val="C0C0C0"/>
-                </a:outerShdw>
-              </a:effectLst>
-              <a:latin typeface="Dom Casual" charset="0"/>
-            </a:endParaRPr>
-          </a:p>
-        </p:txBody>
-      </p:sp>
-      <p:sp>
-        <p:nvSpPr>
           <p:cNvPr id="14" name="CuadroTexto 13">
             <a:extLst>
               <a:ext uri="{FF2B5EF4-FFF2-40B4-BE49-F238E27FC236}">
@@ -6290,7 +4964,7 @@
 </p:sld>
 </file>
 
-<file path=ppt/slides/slide14.xml><?xml version="1.0" encoding="utf-8"?>
+<file path=ppt/slides/slide11.xml><?xml version="1.0" encoding="utf-8"?>
 <p:sld xmlns:a="http://schemas.openxmlformats.org/drawingml/2006/main" xmlns:r="http://schemas.openxmlformats.org/officeDocument/2006/relationships" xmlns:p="http://schemas.openxmlformats.org/presentationml/2006/main">
   <p:cSld>
     <p:spTree>
@@ -6636,7 +5310,7 @@
 </p:sld>
 </file>
 
-<file path=ppt/slides/slide15.xml><?xml version="1.0" encoding="utf-8"?>
+<file path=ppt/slides/slide12.xml><?xml version="1.0" encoding="utf-8"?>
 <p:sld xmlns:a="http://schemas.openxmlformats.org/drawingml/2006/main" xmlns:r="http://schemas.openxmlformats.org/officeDocument/2006/relationships" xmlns:p="http://schemas.openxmlformats.org/presentationml/2006/main">
   <p:cSld>
     <p:spTree>
@@ -6891,7 +5565,7 @@
 </p:sld>
 </file>
 
-<file path=ppt/slides/slide16.xml><?xml version="1.0" encoding="utf-8"?>
+<file path=ppt/slides/slide13.xml><?xml version="1.0" encoding="utf-8"?>
 <p:sld xmlns:a="http://schemas.openxmlformats.org/drawingml/2006/main" xmlns:r="http://schemas.openxmlformats.org/officeDocument/2006/relationships" xmlns:p="http://schemas.openxmlformats.org/presentationml/2006/main">
   <p:cSld>
     <p:spTree>
@@ -7237,7 +5911,7 @@
 </p:sld>
 </file>
 
-<file path=ppt/slides/slide17.xml><?xml version="1.0" encoding="utf-8"?>
+<file path=ppt/slides/slide14.xml><?xml version="1.0" encoding="utf-8"?>
 <p:sld xmlns:a="http://schemas.openxmlformats.org/drawingml/2006/main" xmlns:r="http://schemas.openxmlformats.org/officeDocument/2006/relationships" xmlns:p="http://schemas.openxmlformats.org/presentationml/2006/main">
   <p:cSld>
     <p:spTree>
@@ -7492,7 +6166,7 @@
 </p:sld>
 </file>
 
-<file path=ppt/slides/slide18.xml><?xml version="1.0" encoding="utf-8"?>
+<file path=ppt/slides/slide15.xml><?xml version="1.0" encoding="utf-8"?>
 <p:sld xmlns:a="http://schemas.openxmlformats.org/drawingml/2006/main" xmlns:r="http://schemas.openxmlformats.org/officeDocument/2006/relationships" xmlns:p="http://schemas.openxmlformats.org/presentationml/2006/main">
   <p:cSld>
     <p:spTree>
@@ -7954,7 +6628,7 @@
 </p:sld>
 </file>
 
-<file path=ppt/slides/slide19.xml><?xml version="1.0" encoding="utf-8"?>
+<file path=ppt/slides/slide16.xml><?xml version="1.0" encoding="utf-8"?>
 <p:sld xmlns:a="http://schemas.openxmlformats.org/drawingml/2006/main" xmlns:r="http://schemas.openxmlformats.org/officeDocument/2006/relationships" xmlns:p="http://schemas.openxmlformats.org/presentationml/2006/main">
   <p:cSld>
     <p:spTree>
@@ -8209,198 +6883,7 @@
 </p:sld>
 </file>
 
-<file path=ppt/slides/slide2.xml><?xml version="1.0" encoding="utf-8"?>
-<p:sld xmlns:a="http://schemas.openxmlformats.org/drawingml/2006/main" xmlns:r="http://schemas.openxmlformats.org/officeDocument/2006/relationships" xmlns:p="http://schemas.openxmlformats.org/presentationml/2006/main">
-  <p:cSld>
-    <p:spTree>
-      <p:nvGrpSpPr>
-        <p:cNvPr id="1" name=""/>
-        <p:cNvGrpSpPr/>
-        <p:nvPr/>
-      </p:nvGrpSpPr>
-      <p:grpSpPr>
-        <a:xfrm>
-          <a:off x="0" y="0"/>
-          <a:ext cx="0" cy="0"/>
-          <a:chOff x="0" y="0"/>
-          <a:chExt cx="0" cy="0"/>
-        </a:xfrm>
-      </p:grpSpPr>
-      <p:sp>
-        <p:nvSpPr>
-          <p:cNvPr id="2" name="object 2"/>
-          <p:cNvSpPr/>
-          <p:nvPr/>
-        </p:nvSpPr>
-        <p:spPr>
-          <a:xfrm>
-            <a:off x="943190" y="1988840"/>
-            <a:ext cx="7257620" cy="4248472"/>
-          </a:xfrm>
-          <a:prstGeom prst="rect">
-            <a:avLst/>
-          </a:prstGeom>
-          <a:blipFill>
-            <a:blip r:embed="rId3" cstate="print"/>
-            <a:stretch>
-              <a:fillRect/>
-            </a:stretch>
-          </a:blipFill>
-        </p:spPr>
-        <p:txBody>
-          <a:bodyPr wrap="square" lIns="0" tIns="0" rIns="0" bIns="0" rtlCol="0"/>
-          <a:lstStyle/>
-          <a:p>
-            <a:endParaRPr/>
-          </a:p>
-        </p:txBody>
-      </p:sp>
-      <p:sp>
-        <p:nvSpPr>
-          <p:cNvPr id="21" name="Rectangle 2">
-            <a:extLst>
-              <a:ext uri="{FF2B5EF4-FFF2-40B4-BE49-F238E27FC236}">
-                <a16:creationId xmlns:a16="http://schemas.microsoft.com/office/drawing/2014/main" id="{61F062CC-B1F1-4898-90E3-65665EC625FD}"/>
-              </a:ext>
-            </a:extLst>
-          </p:cNvPr>
-          <p:cNvSpPr txBox="1">
-            <a:spLocks noChangeArrowheads="1"/>
-          </p:cNvSpPr>
-          <p:nvPr/>
-        </p:nvSpPr>
-        <p:spPr>
-          <a:xfrm>
-            <a:off x="89756" y="6221"/>
-            <a:ext cx="8964488" cy="1143000"/>
-          </a:xfrm>
-          <a:prstGeom prst="rect">
-            <a:avLst/>
-          </a:prstGeom>
-        </p:spPr>
-        <p:txBody>
-          <a:bodyPr vert="horz" lIns="92075" tIns="46038" rIns="92075" bIns="46038" rtlCol="0" anchor="ctr">
-            <a:noAutofit/>
-          </a:bodyPr>
-          <a:lstStyle>
-            <a:lvl1pPr algn="ctr" defTabSz="914400" rtl="0" eaLnBrk="1" latinLnBrk="0" hangingPunct="1">
-              <a:spcBef>
-                <a:spcPct val="0"/>
-              </a:spcBef>
-              <a:buNone/>
-              <a:defRPr sz="4400" kern="1200">
-                <a:solidFill>
-                  <a:schemeClr val="tx1"/>
-                </a:solidFill>
-                <a:latin typeface="+mj-lt"/>
-                <a:ea typeface="+mj-ea"/>
-                <a:cs typeface="+mj-cs"/>
-              </a:defRPr>
-            </a:lvl1pPr>
-          </a:lstStyle>
-          <a:p>
-            <a:pPr>
-              <a:defRPr/>
-            </a:pPr>
-            <a:r>
-              <a:rPr lang="es-ES_tradnl" sz="3200" dirty="0">
-                <a:solidFill>
-                  <a:srgbClr val="3333CC"/>
-                </a:solidFill>
-                <a:effectLst>
-                  <a:outerShdw blurRad="38100" dist="38100" dir="2700000" algn="tl">
-                    <a:srgbClr val="C0C0C0"/>
-                  </a:outerShdw>
-                </a:effectLst>
-                <a:latin typeface="Dom Casual" charset="0"/>
-              </a:rPr>
-              <a:t> </a:t>
-            </a:r>
-            <a:r>
-              <a:rPr lang="es-ES_tradnl" sz="3200" b="1" dirty="0">
-                <a:solidFill>
-                  <a:schemeClr val="accent4">
-                    <a:lumMod val="50000"/>
-                  </a:schemeClr>
-                </a:solidFill>
-                <a:effectLst>
-                  <a:outerShdw blurRad="38100" dist="38100" dir="2700000" algn="tl">
-                    <a:srgbClr val="C0C0C0"/>
-                  </a:outerShdw>
-                </a:effectLst>
-                <a:latin typeface="Dom Casual" charset="0"/>
-              </a:rPr>
-              <a:t>Máscaras de longitud variable (VLSM)</a:t>
-            </a:r>
-            <a:endParaRPr lang="es-ES_tradnl" sz="2400" b="1" dirty="0">
-              <a:solidFill>
-                <a:schemeClr val="accent5">
-                  <a:lumMod val="75000"/>
-                </a:schemeClr>
-              </a:solidFill>
-              <a:effectLst>
-                <a:outerShdw blurRad="38100" dist="38100" dir="2700000" algn="tl">
-                  <a:srgbClr val="C0C0C0"/>
-                </a:outerShdw>
-              </a:effectLst>
-              <a:latin typeface="Dom Casual" charset="0"/>
-            </a:endParaRPr>
-          </a:p>
-        </p:txBody>
-      </p:sp>
-      <p:sp>
-        <p:nvSpPr>
-          <p:cNvPr id="22" name="CuadroTexto 21">
-            <a:extLst>
-              <a:ext uri="{FF2B5EF4-FFF2-40B4-BE49-F238E27FC236}">
-                <a16:creationId xmlns:a16="http://schemas.microsoft.com/office/drawing/2014/main" id="{BD3AB074-230D-4CBC-A8E4-73F8EA269928}"/>
-              </a:ext>
-            </a:extLst>
-          </p:cNvPr>
-          <p:cNvSpPr txBox="1"/>
-          <p:nvPr/>
-        </p:nvSpPr>
-        <p:spPr>
-          <a:xfrm>
-            <a:off x="899592" y="1309423"/>
-            <a:ext cx="7257620" cy="393698"/>
-          </a:xfrm>
-          <a:prstGeom prst="rect">
-            <a:avLst/>
-          </a:prstGeom>
-          <a:noFill/>
-        </p:spPr>
-        <p:txBody>
-          <a:bodyPr wrap="square" rtlCol="0">
-            <a:spAutoFit/>
-          </a:bodyPr>
-          <a:lstStyle/>
-          <a:p>
-            <a:pPr algn="ctr">
-              <a:lnSpc>
-                <a:spcPts val="2500"/>
-              </a:lnSpc>
-            </a:pPr>
-            <a:r>
-              <a:rPr lang="es-ES" dirty="0"/>
-              <a:t>Para el siguiente diseño de red </a:t>
-            </a:r>
-            <a:r>
-              <a:rPr lang="es-ES" b="1" dirty="0"/>
-              <a:t>¿Cuántas subredes se necesitan utilizar?</a:t>
-            </a:r>
-          </a:p>
-        </p:txBody>
-      </p:sp>
-    </p:spTree>
-  </p:cSld>
-  <p:clrMapOvr>
-    <a:masterClrMapping/>
-  </p:clrMapOvr>
-</p:sld>
-</file>
-
-<file path=ppt/slides/slide20.xml><?xml version="1.0" encoding="utf-8"?>
+<file path=ppt/slides/slide17.xml><?xml version="1.0" encoding="utf-8"?>
 <p:sld xmlns:a="http://schemas.openxmlformats.org/drawingml/2006/main" xmlns:r="http://schemas.openxmlformats.org/officeDocument/2006/relationships" xmlns:p="http://schemas.openxmlformats.org/presentationml/2006/main">
   <p:cSld>
     <p:spTree>
@@ -8616,7 +7099,7 @@
 </p:sld>
 </file>
 
-<file path=ppt/slides/slide3.xml><?xml version="1.0" encoding="utf-8"?>
+<file path=ppt/slides/slide2.xml><?xml version="1.0" encoding="utf-8"?>
 <p:sld xmlns:a="http://schemas.openxmlformats.org/drawingml/2006/main" xmlns:r="http://schemas.openxmlformats.org/officeDocument/2006/relationships" xmlns:p="http://schemas.openxmlformats.org/presentationml/2006/main">
   <p:cSld>
     <p:spTree>
@@ -8635,6 +7118,35 @@
       </p:grpSpPr>
       <p:sp>
         <p:nvSpPr>
+          <p:cNvPr id="2" name="object 2"/>
+          <p:cNvSpPr/>
+          <p:nvPr/>
+        </p:nvSpPr>
+        <p:spPr>
+          <a:xfrm>
+            <a:off x="943190" y="2132856"/>
+            <a:ext cx="7257620" cy="4248472"/>
+          </a:xfrm>
+          <a:prstGeom prst="rect">
+            <a:avLst/>
+          </a:prstGeom>
+          <a:blipFill>
+            <a:blip r:embed="rId3" cstate="print"/>
+            <a:stretch>
+              <a:fillRect/>
+            </a:stretch>
+          </a:blipFill>
+        </p:spPr>
+        <p:txBody>
+          <a:bodyPr wrap="square" lIns="0" tIns="0" rIns="0" bIns="0" rtlCol="0"/>
+          <a:lstStyle/>
+          <a:p>
+            <a:endParaRPr/>
+          </a:p>
+        </p:txBody>
+      </p:sp>
+      <p:sp>
+        <p:nvSpPr>
           <p:cNvPr id="21" name="Rectangle 2">
             <a:extLst>
               <a:ext uri="{FF2B5EF4-FFF2-40B4-BE49-F238E27FC236}">
@@ -8728,10 +7240,10 @@
       </p:sp>
       <p:sp>
         <p:nvSpPr>
-          <p:cNvPr id="22" name="CuadroTexto 21">
+          <p:cNvPr id="5" name="CuadroTexto 4">
             <a:extLst>
               <a:ext uri="{FF2B5EF4-FFF2-40B4-BE49-F238E27FC236}">
-                <a16:creationId xmlns:a16="http://schemas.microsoft.com/office/drawing/2014/main" id="{BD3AB074-230D-4CBC-A8E4-73F8EA269928}"/>
+                <a16:creationId xmlns:a16="http://schemas.microsoft.com/office/drawing/2014/main" id="{E7AE4081-E3FA-42D8-BAF1-44A164091E58}"/>
               </a:ext>
             </a:extLst>
           </p:cNvPr>
@@ -8740,8 +7252,8 @@
         </p:nvSpPr>
         <p:spPr>
           <a:xfrm>
-            <a:off x="899592" y="1309423"/>
-            <a:ext cx="7257620" cy="393698"/>
+            <a:off x="683569" y="1170006"/>
+            <a:ext cx="8136904" cy="1034899"/>
           </a:xfrm>
           <a:prstGeom prst="rect">
             <a:avLst/>
@@ -8761,1668 +7273,29 @@
             </a:pPr>
             <a:r>
               <a:rPr lang="es-ES" dirty="0"/>
-              <a:t>Para el siguiente diseño de red </a:t>
+              <a:t>Si la dirección IP asignada es </a:t>
             </a:r>
             <a:r>
               <a:rPr lang="es-ES" b="1" dirty="0"/>
-              <a:t>¿Cuántas subredes se necesitan utilizar?  </a:t>
-            </a:r>
-            <a:r>
-              <a:rPr lang="es-ES" b="1" dirty="0">
-                <a:solidFill>
-                  <a:srgbClr val="FF0000"/>
-                </a:solidFill>
-              </a:rPr>
-              <a:t>8</a:t>
-            </a:r>
-          </a:p>
-        </p:txBody>
-      </p:sp>
-      <p:sp>
-        <p:nvSpPr>
-          <p:cNvPr id="5" name="object 2">
-            <a:extLst>
-              <a:ext uri="{FF2B5EF4-FFF2-40B4-BE49-F238E27FC236}">
-                <a16:creationId xmlns:a16="http://schemas.microsoft.com/office/drawing/2014/main" id="{E6A3F269-F3B7-4793-9A0E-FD0668A1FCA6}"/>
-              </a:ext>
-            </a:extLst>
-          </p:cNvPr>
-          <p:cNvSpPr/>
-          <p:nvPr/>
-        </p:nvSpPr>
-        <p:spPr>
-          <a:xfrm>
-            <a:off x="1043940" y="2060848"/>
-            <a:ext cx="7056120" cy="3794760"/>
-          </a:xfrm>
-          <a:prstGeom prst="rect">
-            <a:avLst/>
-          </a:prstGeom>
-          <a:blipFill>
-            <a:blip r:embed="rId3" cstate="print"/>
-            <a:stretch>
-              <a:fillRect/>
-            </a:stretch>
-          </a:blipFill>
-        </p:spPr>
-        <p:txBody>
-          <a:bodyPr wrap="square" lIns="0" tIns="0" rIns="0" bIns="0" rtlCol="0"/>
-          <a:lstStyle/>
-          <a:p>
-            <a:endParaRPr/>
-          </a:p>
-        </p:txBody>
-      </p:sp>
-      <p:sp>
-        <p:nvSpPr>
-          <p:cNvPr id="6" name="object 6">
-            <a:extLst>
-              <a:ext uri="{FF2B5EF4-FFF2-40B4-BE49-F238E27FC236}">
-                <a16:creationId xmlns:a16="http://schemas.microsoft.com/office/drawing/2014/main" id="{92637FF6-BAD5-43A3-816E-652C0B656E75}"/>
-              </a:ext>
-            </a:extLst>
-          </p:cNvPr>
-          <p:cNvSpPr/>
-          <p:nvPr/>
-        </p:nvSpPr>
-        <p:spPr>
-          <a:xfrm>
-            <a:off x="1475993" y="4149490"/>
-            <a:ext cx="1009015" cy="1224280"/>
-          </a:xfrm>
-          <a:custGeom>
-            <a:avLst/>
-            <a:gdLst/>
-            <a:ahLst/>
-            <a:cxnLst/>
-            <a:rect l="l" t="t" r="r" b="b"/>
-            <a:pathLst>
-              <a:path w="1009014" h="1224279">
-                <a:moveTo>
-                  <a:pt x="0" y="611886"/>
-                </a:moveTo>
-                <a:lnTo>
-                  <a:pt x="1671" y="561700"/>
-                </a:lnTo>
-                <a:lnTo>
-                  <a:pt x="6601" y="512632"/>
-                </a:lnTo>
-                <a:lnTo>
-                  <a:pt x="14658" y="464838"/>
-                </a:lnTo>
-                <a:lnTo>
-                  <a:pt x="25712" y="418478"/>
-                </a:lnTo>
-                <a:lnTo>
-                  <a:pt x="39635" y="373707"/>
-                </a:lnTo>
-                <a:lnTo>
-                  <a:pt x="56297" y="330683"/>
-                </a:lnTo>
-                <a:lnTo>
-                  <a:pt x="75567" y="289565"/>
-                </a:lnTo>
-                <a:lnTo>
-                  <a:pt x="97316" y="250509"/>
-                </a:lnTo>
-                <a:lnTo>
-                  <a:pt x="121414" y="213672"/>
-                </a:lnTo>
-                <a:lnTo>
-                  <a:pt x="147732" y="179212"/>
-                </a:lnTo>
-                <a:lnTo>
-                  <a:pt x="176140" y="147287"/>
-                </a:lnTo>
-                <a:lnTo>
-                  <a:pt x="206508" y="118055"/>
-                </a:lnTo>
-                <a:lnTo>
-                  <a:pt x="238706" y="91671"/>
-                </a:lnTo>
-                <a:lnTo>
-                  <a:pt x="272604" y="68295"/>
-                </a:lnTo>
-                <a:lnTo>
-                  <a:pt x="308074" y="48083"/>
-                </a:lnTo>
-                <a:lnTo>
-                  <a:pt x="344984" y="31193"/>
-                </a:lnTo>
-                <a:lnTo>
-                  <a:pt x="383206" y="17782"/>
-                </a:lnTo>
-                <a:lnTo>
-                  <a:pt x="422610" y="8008"/>
-                </a:lnTo>
-                <a:lnTo>
-                  <a:pt x="463066" y="2028"/>
-                </a:lnTo>
-                <a:lnTo>
-                  <a:pt x="504444" y="0"/>
-                </a:lnTo>
-                <a:lnTo>
-                  <a:pt x="545821" y="2028"/>
-                </a:lnTo>
-                <a:lnTo>
-                  <a:pt x="586277" y="8008"/>
-                </a:lnTo>
-                <a:lnTo>
-                  <a:pt x="625681" y="17782"/>
-                </a:lnTo>
-                <a:lnTo>
-                  <a:pt x="663903" y="31193"/>
-                </a:lnTo>
-                <a:lnTo>
-                  <a:pt x="700813" y="48083"/>
-                </a:lnTo>
-                <a:lnTo>
-                  <a:pt x="736283" y="68295"/>
-                </a:lnTo>
-                <a:lnTo>
-                  <a:pt x="770181" y="91671"/>
-                </a:lnTo>
-                <a:lnTo>
-                  <a:pt x="802379" y="118055"/>
-                </a:lnTo>
-                <a:lnTo>
-                  <a:pt x="832747" y="147287"/>
-                </a:lnTo>
-                <a:lnTo>
-                  <a:pt x="861155" y="179212"/>
-                </a:lnTo>
-                <a:lnTo>
-                  <a:pt x="887473" y="213672"/>
-                </a:lnTo>
-                <a:lnTo>
-                  <a:pt x="911571" y="250509"/>
-                </a:lnTo>
-                <a:lnTo>
-                  <a:pt x="933320" y="289565"/>
-                </a:lnTo>
-                <a:lnTo>
-                  <a:pt x="952590" y="330683"/>
-                </a:lnTo>
-                <a:lnTo>
-                  <a:pt x="969252" y="373707"/>
-                </a:lnTo>
-                <a:lnTo>
-                  <a:pt x="983175" y="418478"/>
-                </a:lnTo>
-                <a:lnTo>
-                  <a:pt x="994229" y="464838"/>
-                </a:lnTo>
-                <a:lnTo>
-                  <a:pt x="1002286" y="512632"/>
-                </a:lnTo>
-                <a:lnTo>
-                  <a:pt x="1007216" y="561700"/>
-                </a:lnTo>
-                <a:lnTo>
-                  <a:pt x="1008888" y="611886"/>
-                </a:lnTo>
-                <a:lnTo>
-                  <a:pt x="1007216" y="662070"/>
-                </a:lnTo>
-                <a:lnTo>
-                  <a:pt x="1002286" y="711136"/>
-                </a:lnTo>
-                <a:lnTo>
-                  <a:pt x="994229" y="758928"/>
-                </a:lnTo>
-                <a:lnTo>
-                  <a:pt x="983175" y="805288"/>
-                </a:lnTo>
-                <a:lnTo>
-                  <a:pt x="969252" y="850059"/>
-                </a:lnTo>
-                <a:lnTo>
-                  <a:pt x="952590" y="893082"/>
-                </a:lnTo>
-                <a:lnTo>
-                  <a:pt x="933320" y="934200"/>
-                </a:lnTo>
-                <a:lnTo>
-                  <a:pt x="911571" y="973257"/>
-                </a:lnTo>
-                <a:lnTo>
-                  <a:pt x="887473" y="1010094"/>
-                </a:lnTo>
-                <a:lnTo>
-                  <a:pt x="861155" y="1044554"/>
-                </a:lnTo>
-                <a:lnTo>
-                  <a:pt x="832747" y="1076479"/>
-                </a:lnTo>
-                <a:lnTo>
-                  <a:pt x="802379" y="1105713"/>
-                </a:lnTo>
-                <a:lnTo>
-                  <a:pt x="770181" y="1132097"/>
-                </a:lnTo>
-                <a:lnTo>
-                  <a:pt x="736283" y="1155474"/>
-                </a:lnTo>
-                <a:lnTo>
-                  <a:pt x="700813" y="1175686"/>
-                </a:lnTo>
-                <a:lnTo>
-                  <a:pt x="663903" y="1192577"/>
-                </a:lnTo>
-                <a:lnTo>
-                  <a:pt x="625681" y="1205988"/>
-                </a:lnTo>
-                <a:lnTo>
-                  <a:pt x="586277" y="1215763"/>
-                </a:lnTo>
-                <a:lnTo>
-                  <a:pt x="545821" y="1221743"/>
-                </a:lnTo>
-                <a:lnTo>
-                  <a:pt x="504444" y="1223772"/>
-                </a:lnTo>
-                <a:lnTo>
-                  <a:pt x="463066" y="1221743"/>
-                </a:lnTo>
-                <a:lnTo>
-                  <a:pt x="422610" y="1215763"/>
-                </a:lnTo>
-                <a:lnTo>
-                  <a:pt x="383206" y="1205988"/>
-                </a:lnTo>
-                <a:lnTo>
-                  <a:pt x="344984" y="1192577"/>
-                </a:lnTo>
-                <a:lnTo>
-                  <a:pt x="308074" y="1175686"/>
-                </a:lnTo>
-                <a:lnTo>
-                  <a:pt x="272604" y="1155474"/>
-                </a:lnTo>
-                <a:lnTo>
-                  <a:pt x="238706" y="1132097"/>
-                </a:lnTo>
-                <a:lnTo>
-                  <a:pt x="206508" y="1105713"/>
-                </a:lnTo>
-                <a:lnTo>
-                  <a:pt x="176140" y="1076479"/>
-                </a:lnTo>
-                <a:lnTo>
-                  <a:pt x="147732" y="1044554"/>
-                </a:lnTo>
-                <a:lnTo>
-                  <a:pt x="121414" y="1010094"/>
-                </a:lnTo>
-                <a:lnTo>
-                  <a:pt x="97316" y="973257"/>
-                </a:lnTo>
-                <a:lnTo>
-                  <a:pt x="75567" y="934200"/>
-                </a:lnTo>
-                <a:lnTo>
-                  <a:pt x="56297" y="893082"/>
-                </a:lnTo>
-                <a:lnTo>
-                  <a:pt x="39635" y="850059"/>
-                </a:lnTo>
-                <a:lnTo>
-                  <a:pt x="25712" y="805288"/>
-                </a:lnTo>
-                <a:lnTo>
-                  <a:pt x="14658" y="758928"/>
-                </a:lnTo>
-                <a:lnTo>
-                  <a:pt x="6601" y="711136"/>
-                </a:lnTo>
-                <a:lnTo>
-                  <a:pt x="1671" y="662070"/>
-                </a:lnTo>
-                <a:lnTo>
-                  <a:pt x="0" y="611886"/>
-                </a:lnTo>
-                <a:close/>
-              </a:path>
-            </a:pathLst>
-          </a:custGeom>
-          <a:ln w="38100">
-            <a:solidFill>
-              <a:srgbClr val="00AF50"/>
-            </a:solidFill>
-          </a:ln>
-        </p:spPr>
-        <p:txBody>
-          <a:bodyPr wrap="square" lIns="0" tIns="0" rIns="0" bIns="0" rtlCol="0"/>
-          <a:lstStyle/>
-          <a:p>
-            <a:endParaRPr/>
-          </a:p>
-        </p:txBody>
-      </p:sp>
-      <p:sp>
-        <p:nvSpPr>
-          <p:cNvPr id="7" name="object 8">
-            <a:extLst>
-              <a:ext uri="{FF2B5EF4-FFF2-40B4-BE49-F238E27FC236}">
-                <a16:creationId xmlns:a16="http://schemas.microsoft.com/office/drawing/2014/main" id="{6EE84767-0043-41AD-BACB-90194998BE02}"/>
-              </a:ext>
-            </a:extLst>
-          </p:cNvPr>
-          <p:cNvSpPr/>
-          <p:nvPr/>
-        </p:nvSpPr>
-        <p:spPr>
-          <a:xfrm>
-            <a:off x="3646170" y="4833765"/>
-            <a:ext cx="1009015" cy="1224280"/>
-          </a:xfrm>
-          <a:custGeom>
-            <a:avLst/>
-            <a:gdLst/>
-            <a:ahLst/>
-            <a:cxnLst/>
-            <a:rect l="l" t="t" r="r" b="b"/>
-            <a:pathLst>
-              <a:path w="1009014" h="1224279">
-                <a:moveTo>
-                  <a:pt x="0" y="611885"/>
-                </a:moveTo>
-                <a:lnTo>
-                  <a:pt x="1671" y="561701"/>
-                </a:lnTo>
-                <a:lnTo>
-                  <a:pt x="6601" y="512635"/>
-                </a:lnTo>
-                <a:lnTo>
-                  <a:pt x="14658" y="464843"/>
-                </a:lnTo>
-                <a:lnTo>
-                  <a:pt x="25712" y="418483"/>
-                </a:lnTo>
-                <a:lnTo>
-                  <a:pt x="39635" y="373712"/>
-                </a:lnTo>
-                <a:lnTo>
-                  <a:pt x="56297" y="330689"/>
-                </a:lnTo>
-                <a:lnTo>
-                  <a:pt x="75567" y="289571"/>
-                </a:lnTo>
-                <a:lnTo>
-                  <a:pt x="97316" y="250514"/>
-                </a:lnTo>
-                <a:lnTo>
-                  <a:pt x="121414" y="213677"/>
-                </a:lnTo>
-                <a:lnTo>
-                  <a:pt x="147732" y="179217"/>
-                </a:lnTo>
-                <a:lnTo>
-                  <a:pt x="176140" y="147292"/>
-                </a:lnTo>
-                <a:lnTo>
-                  <a:pt x="206508" y="118058"/>
-                </a:lnTo>
-                <a:lnTo>
-                  <a:pt x="238706" y="91674"/>
-                </a:lnTo>
-                <a:lnTo>
-                  <a:pt x="272604" y="68297"/>
-                </a:lnTo>
-                <a:lnTo>
-                  <a:pt x="308074" y="48085"/>
-                </a:lnTo>
-                <a:lnTo>
-                  <a:pt x="344984" y="31194"/>
-                </a:lnTo>
-                <a:lnTo>
-                  <a:pt x="383206" y="17783"/>
-                </a:lnTo>
-                <a:lnTo>
-                  <a:pt x="422610" y="8008"/>
-                </a:lnTo>
-                <a:lnTo>
-                  <a:pt x="463066" y="2028"/>
-                </a:lnTo>
-                <a:lnTo>
-                  <a:pt x="504444" y="0"/>
-                </a:lnTo>
-                <a:lnTo>
-                  <a:pt x="545821" y="2028"/>
-                </a:lnTo>
-                <a:lnTo>
-                  <a:pt x="586277" y="8008"/>
-                </a:lnTo>
-                <a:lnTo>
-                  <a:pt x="625681" y="17783"/>
-                </a:lnTo>
-                <a:lnTo>
-                  <a:pt x="663903" y="31194"/>
-                </a:lnTo>
-                <a:lnTo>
-                  <a:pt x="700813" y="48085"/>
-                </a:lnTo>
-                <a:lnTo>
-                  <a:pt x="736283" y="68297"/>
-                </a:lnTo>
-                <a:lnTo>
-                  <a:pt x="770181" y="91674"/>
-                </a:lnTo>
-                <a:lnTo>
-                  <a:pt x="802379" y="118058"/>
-                </a:lnTo>
-                <a:lnTo>
-                  <a:pt x="832747" y="147292"/>
-                </a:lnTo>
-                <a:lnTo>
-                  <a:pt x="861155" y="179217"/>
-                </a:lnTo>
-                <a:lnTo>
-                  <a:pt x="887473" y="213677"/>
-                </a:lnTo>
-                <a:lnTo>
-                  <a:pt x="911571" y="250514"/>
-                </a:lnTo>
-                <a:lnTo>
-                  <a:pt x="933320" y="289571"/>
-                </a:lnTo>
-                <a:lnTo>
-                  <a:pt x="952590" y="330689"/>
-                </a:lnTo>
-                <a:lnTo>
-                  <a:pt x="969252" y="373712"/>
-                </a:lnTo>
-                <a:lnTo>
-                  <a:pt x="983175" y="418483"/>
-                </a:lnTo>
-                <a:lnTo>
-                  <a:pt x="994229" y="464843"/>
-                </a:lnTo>
-                <a:lnTo>
-                  <a:pt x="1002286" y="512635"/>
-                </a:lnTo>
-                <a:lnTo>
-                  <a:pt x="1007216" y="561701"/>
-                </a:lnTo>
-                <a:lnTo>
-                  <a:pt x="1008888" y="611885"/>
-                </a:lnTo>
-                <a:lnTo>
-                  <a:pt x="1007216" y="662070"/>
-                </a:lnTo>
-                <a:lnTo>
-                  <a:pt x="1002286" y="711136"/>
-                </a:lnTo>
-                <a:lnTo>
-                  <a:pt x="994229" y="758928"/>
-                </a:lnTo>
-                <a:lnTo>
-                  <a:pt x="983175" y="805288"/>
-                </a:lnTo>
-                <a:lnTo>
-                  <a:pt x="969252" y="850059"/>
-                </a:lnTo>
-                <a:lnTo>
-                  <a:pt x="952590" y="893082"/>
-                </a:lnTo>
-                <a:lnTo>
-                  <a:pt x="933320" y="934200"/>
-                </a:lnTo>
-                <a:lnTo>
-                  <a:pt x="911571" y="973257"/>
-                </a:lnTo>
-                <a:lnTo>
-                  <a:pt x="887473" y="1010094"/>
-                </a:lnTo>
-                <a:lnTo>
-                  <a:pt x="861155" y="1044554"/>
-                </a:lnTo>
-                <a:lnTo>
-                  <a:pt x="832747" y="1076479"/>
-                </a:lnTo>
-                <a:lnTo>
-                  <a:pt x="802379" y="1105713"/>
-                </a:lnTo>
-                <a:lnTo>
-                  <a:pt x="770181" y="1132097"/>
-                </a:lnTo>
-                <a:lnTo>
-                  <a:pt x="736283" y="1155474"/>
-                </a:lnTo>
-                <a:lnTo>
-                  <a:pt x="700813" y="1175686"/>
-                </a:lnTo>
-                <a:lnTo>
-                  <a:pt x="663903" y="1192577"/>
-                </a:lnTo>
-                <a:lnTo>
-                  <a:pt x="625681" y="1205988"/>
-                </a:lnTo>
-                <a:lnTo>
-                  <a:pt x="586277" y="1215763"/>
-                </a:lnTo>
-                <a:lnTo>
-                  <a:pt x="545821" y="1221743"/>
-                </a:lnTo>
-                <a:lnTo>
-                  <a:pt x="504444" y="1223771"/>
-                </a:lnTo>
-                <a:lnTo>
-                  <a:pt x="463066" y="1221743"/>
-                </a:lnTo>
-                <a:lnTo>
-                  <a:pt x="422610" y="1215763"/>
-                </a:lnTo>
-                <a:lnTo>
-                  <a:pt x="383206" y="1205988"/>
-                </a:lnTo>
-                <a:lnTo>
-                  <a:pt x="344984" y="1192577"/>
-                </a:lnTo>
-                <a:lnTo>
-                  <a:pt x="308074" y="1175686"/>
-                </a:lnTo>
-                <a:lnTo>
-                  <a:pt x="272604" y="1155474"/>
-                </a:lnTo>
-                <a:lnTo>
-                  <a:pt x="238706" y="1132097"/>
-                </a:lnTo>
-                <a:lnTo>
-                  <a:pt x="206508" y="1105713"/>
-                </a:lnTo>
-                <a:lnTo>
-                  <a:pt x="176140" y="1076479"/>
-                </a:lnTo>
-                <a:lnTo>
-                  <a:pt x="147732" y="1044554"/>
-                </a:lnTo>
-                <a:lnTo>
-                  <a:pt x="121414" y="1010094"/>
-                </a:lnTo>
-                <a:lnTo>
-                  <a:pt x="97316" y="973257"/>
-                </a:lnTo>
-                <a:lnTo>
-                  <a:pt x="75567" y="934200"/>
-                </a:lnTo>
-                <a:lnTo>
-                  <a:pt x="56297" y="893082"/>
-                </a:lnTo>
-                <a:lnTo>
-                  <a:pt x="39635" y="850059"/>
-                </a:lnTo>
-                <a:lnTo>
-                  <a:pt x="25712" y="805288"/>
-                </a:lnTo>
-                <a:lnTo>
-                  <a:pt x="14658" y="758928"/>
-                </a:lnTo>
-                <a:lnTo>
-                  <a:pt x="6601" y="711136"/>
-                </a:lnTo>
-                <a:lnTo>
-                  <a:pt x="1671" y="662070"/>
-                </a:lnTo>
-                <a:lnTo>
-                  <a:pt x="0" y="611885"/>
-                </a:lnTo>
-                <a:close/>
-              </a:path>
-            </a:pathLst>
-          </a:custGeom>
-          <a:ln w="38100">
-            <a:solidFill>
-              <a:srgbClr val="00AF50"/>
-            </a:solidFill>
-          </a:ln>
-        </p:spPr>
-        <p:txBody>
-          <a:bodyPr wrap="square" lIns="0" tIns="0" rIns="0" bIns="0" rtlCol="0"/>
-          <a:lstStyle/>
-          <a:p>
-            <a:endParaRPr/>
-          </a:p>
-        </p:txBody>
-      </p:sp>
-      <p:sp>
-        <p:nvSpPr>
-          <p:cNvPr id="8" name="object 9">
-            <a:extLst>
-              <a:ext uri="{FF2B5EF4-FFF2-40B4-BE49-F238E27FC236}">
-                <a16:creationId xmlns:a16="http://schemas.microsoft.com/office/drawing/2014/main" id="{CCE6FDA3-F9DC-4D00-9BC8-DC06FFBA92DC}"/>
-              </a:ext>
-            </a:extLst>
-          </p:cNvPr>
-          <p:cNvSpPr/>
-          <p:nvPr/>
-        </p:nvSpPr>
-        <p:spPr>
-          <a:xfrm>
-            <a:off x="6605777" y="4632597"/>
-            <a:ext cx="1207135" cy="1102360"/>
-          </a:xfrm>
-          <a:custGeom>
-            <a:avLst/>
-            <a:gdLst/>
-            <a:ahLst/>
-            <a:cxnLst/>
-            <a:rect l="l" t="t" r="r" b="b"/>
-            <a:pathLst>
-              <a:path w="1207134" h="1102360">
-                <a:moveTo>
-                  <a:pt x="0" y="550925"/>
-                </a:moveTo>
-                <a:lnTo>
-                  <a:pt x="2001" y="505738"/>
-                </a:lnTo>
-                <a:lnTo>
-                  <a:pt x="7900" y="461557"/>
-                </a:lnTo>
-                <a:lnTo>
-                  <a:pt x="17542" y="418524"/>
-                </a:lnTo>
-                <a:lnTo>
-                  <a:pt x="30772" y="376781"/>
-                </a:lnTo>
-                <a:lnTo>
-                  <a:pt x="47434" y="336470"/>
-                </a:lnTo>
-                <a:lnTo>
-                  <a:pt x="67372" y="297733"/>
-                </a:lnTo>
-                <a:lnTo>
-                  <a:pt x="90432" y="260711"/>
-                </a:lnTo>
-                <a:lnTo>
-                  <a:pt x="116457" y="225545"/>
-                </a:lnTo>
-                <a:lnTo>
-                  <a:pt x="145293" y="192379"/>
-                </a:lnTo>
-                <a:lnTo>
-                  <a:pt x="176783" y="161353"/>
-                </a:lnTo>
-                <a:lnTo>
-                  <a:pt x="210773" y="132609"/>
-                </a:lnTo>
-                <a:lnTo>
-                  <a:pt x="247107" y="106289"/>
-                </a:lnTo>
-                <a:lnTo>
-                  <a:pt x="285629" y="82535"/>
-                </a:lnTo>
-                <a:lnTo>
-                  <a:pt x="326184" y="61488"/>
-                </a:lnTo>
-                <a:lnTo>
-                  <a:pt x="368617" y="43291"/>
-                </a:lnTo>
-                <a:lnTo>
-                  <a:pt x="412772" y="28084"/>
-                </a:lnTo>
-                <a:lnTo>
-                  <a:pt x="458493" y="16010"/>
-                </a:lnTo>
-                <a:lnTo>
-                  <a:pt x="505626" y="7210"/>
-                </a:lnTo>
-                <a:lnTo>
-                  <a:pt x="554015" y="1826"/>
-                </a:lnTo>
-                <a:lnTo>
-                  <a:pt x="603503" y="0"/>
-                </a:lnTo>
-                <a:lnTo>
-                  <a:pt x="652992" y="1826"/>
-                </a:lnTo>
-                <a:lnTo>
-                  <a:pt x="701381" y="7210"/>
-                </a:lnTo>
-                <a:lnTo>
-                  <a:pt x="748514" y="16010"/>
-                </a:lnTo>
-                <a:lnTo>
-                  <a:pt x="794235" y="28084"/>
-                </a:lnTo>
-                <a:lnTo>
-                  <a:pt x="838390" y="43291"/>
-                </a:lnTo>
-                <a:lnTo>
-                  <a:pt x="880823" y="61488"/>
-                </a:lnTo>
-                <a:lnTo>
-                  <a:pt x="921378" y="82535"/>
-                </a:lnTo>
-                <a:lnTo>
-                  <a:pt x="959900" y="106289"/>
-                </a:lnTo>
-                <a:lnTo>
-                  <a:pt x="996234" y="132609"/>
-                </a:lnTo>
-                <a:lnTo>
-                  <a:pt x="1030224" y="161353"/>
-                </a:lnTo>
-                <a:lnTo>
-                  <a:pt x="1061714" y="192379"/>
-                </a:lnTo>
-                <a:lnTo>
-                  <a:pt x="1090550" y="225545"/>
-                </a:lnTo>
-                <a:lnTo>
-                  <a:pt x="1116575" y="260711"/>
-                </a:lnTo>
-                <a:lnTo>
-                  <a:pt x="1139635" y="297733"/>
-                </a:lnTo>
-                <a:lnTo>
-                  <a:pt x="1159573" y="336470"/>
-                </a:lnTo>
-                <a:lnTo>
-                  <a:pt x="1176235" y="376781"/>
-                </a:lnTo>
-                <a:lnTo>
-                  <a:pt x="1189465" y="418524"/>
-                </a:lnTo>
-                <a:lnTo>
-                  <a:pt x="1199107" y="461557"/>
-                </a:lnTo>
-                <a:lnTo>
-                  <a:pt x="1205006" y="505738"/>
-                </a:lnTo>
-                <a:lnTo>
-                  <a:pt x="1207007" y="550925"/>
-                </a:lnTo>
-                <a:lnTo>
-                  <a:pt x="1205006" y="596110"/>
-                </a:lnTo>
-                <a:lnTo>
-                  <a:pt x="1199107" y="640288"/>
-                </a:lnTo>
-                <a:lnTo>
-                  <a:pt x="1189465" y="683319"/>
-                </a:lnTo>
-                <a:lnTo>
-                  <a:pt x="1176235" y="725060"/>
-                </a:lnTo>
-                <a:lnTo>
-                  <a:pt x="1159573" y="765370"/>
-                </a:lnTo>
-                <a:lnTo>
-                  <a:pt x="1139635" y="804107"/>
-                </a:lnTo>
-                <a:lnTo>
-                  <a:pt x="1116575" y="841129"/>
-                </a:lnTo>
-                <a:lnTo>
-                  <a:pt x="1090550" y="876295"/>
-                </a:lnTo>
-                <a:lnTo>
-                  <a:pt x="1061714" y="909462"/>
-                </a:lnTo>
-                <a:lnTo>
-                  <a:pt x="1030224" y="940488"/>
-                </a:lnTo>
-                <a:lnTo>
-                  <a:pt x="996234" y="969233"/>
-                </a:lnTo>
-                <a:lnTo>
-                  <a:pt x="959900" y="995554"/>
-                </a:lnTo>
-                <a:lnTo>
-                  <a:pt x="921378" y="1019310"/>
-                </a:lnTo>
-                <a:lnTo>
-                  <a:pt x="880823" y="1040358"/>
-                </a:lnTo>
-                <a:lnTo>
-                  <a:pt x="838390" y="1058557"/>
-                </a:lnTo>
-                <a:lnTo>
-                  <a:pt x="794235" y="1073765"/>
-                </a:lnTo>
-                <a:lnTo>
-                  <a:pt x="748514" y="1085840"/>
-                </a:lnTo>
-                <a:lnTo>
-                  <a:pt x="701381" y="1094641"/>
-                </a:lnTo>
-                <a:lnTo>
-                  <a:pt x="652992" y="1100025"/>
-                </a:lnTo>
-                <a:lnTo>
-                  <a:pt x="603503" y="1101851"/>
-                </a:lnTo>
-                <a:lnTo>
-                  <a:pt x="554015" y="1100025"/>
-                </a:lnTo>
-                <a:lnTo>
-                  <a:pt x="505626" y="1094641"/>
-                </a:lnTo>
-                <a:lnTo>
-                  <a:pt x="458493" y="1085840"/>
-                </a:lnTo>
-                <a:lnTo>
-                  <a:pt x="412772" y="1073765"/>
-                </a:lnTo>
-                <a:lnTo>
-                  <a:pt x="368617" y="1058557"/>
-                </a:lnTo>
-                <a:lnTo>
-                  <a:pt x="326184" y="1040358"/>
-                </a:lnTo>
-                <a:lnTo>
-                  <a:pt x="285629" y="1019310"/>
-                </a:lnTo>
-                <a:lnTo>
-                  <a:pt x="247107" y="995554"/>
-                </a:lnTo>
-                <a:lnTo>
-                  <a:pt x="210773" y="969233"/>
-                </a:lnTo>
-                <a:lnTo>
-                  <a:pt x="176783" y="940488"/>
-                </a:lnTo>
-                <a:lnTo>
-                  <a:pt x="145293" y="909462"/>
-                </a:lnTo>
-                <a:lnTo>
-                  <a:pt x="116457" y="876295"/>
-                </a:lnTo>
-                <a:lnTo>
-                  <a:pt x="90432" y="841129"/>
-                </a:lnTo>
-                <a:lnTo>
-                  <a:pt x="67372" y="804107"/>
-                </a:lnTo>
-                <a:lnTo>
-                  <a:pt x="47434" y="765370"/>
-                </a:lnTo>
-                <a:lnTo>
-                  <a:pt x="30772" y="725060"/>
-                </a:lnTo>
-                <a:lnTo>
-                  <a:pt x="17542" y="683319"/>
-                </a:lnTo>
-                <a:lnTo>
-                  <a:pt x="7900" y="640288"/>
-                </a:lnTo>
-                <a:lnTo>
-                  <a:pt x="2001" y="596110"/>
-                </a:lnTo>
-                <a:lnTo>
-                  <a:pt x="0" y="550925"/>
-                </a:lnTo>
-                <a:close/>
-              </a:path>
-            </a:pathLst>
-          </a:custGeom>
-          <a:ln w="38099">
-            <a:solidFill>
-              <a:srgbClr val="00AF50"/>
-            </a:solidFill>
-          </a:ln>
-        </p:spPr>
-        <p:txBody>
-          <a:bodyPr wrap="square" lIns="0" tIns="0" rIns="0" bIns="0" rtlCol="0"/>
-          <a:lstStyle/>
-          <a:p>
-            <a:endParaRPr/>
-          </a:p>
-        </p:txBody>
-      </p:sp>
-      <p:sp>
-        <p:nvSpPr>
-          <p:cNvPr id="9" name="object 10">
-            <a:extLst>
-              <a:ext uri="{FF2B5EF4-FFF2-40B4-BE49-F238E27FC236}">
-                <a16:creationId xmlns:a16="http://schemas.microsoft.com/office/drawing/2014/main" id="{2EDCA113-AA64-44DA-B3BC-B96EC087C7A3}"/>
-              </a:ext>
-            </a:extLst>
-          </p:cNvPr>
-          <p:cNvSpPr/>
-          <p:nvPr/>
-        </p:nvSpPr>
-        <p:spPr>
-          <a:xfrm>
-            <a:off x="5299710" y="2044845"/>
-            <a:ext cx="1306195" cy="1080770"/>
-          </a:xfrm>
-          <a:custGeom>
-            <a:avLst/>
-            <a:gdLst/>
-            <a:ahLst/>
-            <a:cxnLst/>
-            <a:rect l="l" t="t" r="r" b="b"/>
-            <a:pathLst>
-              <a:path w="1306195" h="1080770">
-                <a:moveTo>
-                  <a:pt x="0" y="540258"/>
-                </a:moveTo>
-                <a:lnTo>
-                  <a:pt x="2164" y="495955"/>
-                </a:lnTo>
-                <a:lnTo>
-                  <a:pt x="8546" y="452638"/>
-                </a:lnTo>
-                <a:lnTo>
-                  <a:pt x="18977" y="410445"/>
-                </a:lnTo>
-                <a:lnTo>
-                  <a:pt x="33290" y="369515"/>
-                </a:lnTo>
-                <a:lnTo>
-                  <a:pt x="51315" y="329987"/>
-                </a:lnTo>
-                <a:lnTo>
-                  <a:pt x="72886" y="292001"/>
-                </a:lnTo>
-                <a:lnTo>
-                  <a:pt x="97834" y="255696"/>
-                </a:lnTo>
-                <a:lnTo>
-                  <a:pt x="125992" y="221211"/>
-                </a:lnTo>
-                <a:lnTo>
-                  <a:pt x="157190" y="188685"/>
-                </a:lnTo>
-                <a:lnTo>
-                  <a:pt x="191262" y="158257"/>
-                </a:lnTo>
-                <a:lnTo>
-                  <a:pt x="228038" y="130067"/>
-                </a:lnTo>
-                <a:lnTo>
-                  <a:pt x="267352" y="104253"/>
-                </a:lnTo>
-                <a:lnTo>
-                  <a:pt x="309035" y="80955"/>
-                </a:lnTo>
-                <a:lnTo>
-                  <a:pt x="352918" y="60312"/>
-                </a:lnTo>
-                <a:lnTo>
-                  <a:pt x="398835" y="42463"/>
-                </a:lnTo>
-                <a:lnTo>
-                  <a:pt x="446617" y="27547"/>
-                </a:lnTo>
-                <a:lnTo>
-                  <a:pt x="496096" y="15704"/>
-                </a:lnTo>
-                <a:lnTo>
-                  <a:pt x="547103" y="7072"/>
-                </a:lnTo>
-                <a:lnTo>
-                  <a:pt x="599472" y="1791"/>
-                </a:lnTo>
-                <a:lnTo>
-                  <a:pt x="653034" y="0"/>
-                </a:lnTo>
-                <a:lnTo>
-                  <a:pt x="706595" y="1791"/>
-                </a:lnTo>
-                <a:lnTo>
-                  <a:pt x="758964" y="7072"/>
-                </a:lnTo>
-                <a:lnTo>
-                  <a:pt x="809971" y="15704"/>
-                </a:lnTo>
-                <a:lnTo>
-                  <a:pt x="859450" y="27547"/>
-                </a:lnTo>
-                <a:lnTo>
-                  <a:pt x="907232" y="42463"/>
-                </a:lnTo>
-                <a:lnTo>
-                  <a:pt x="953149" y="60312"/>
-                </a:lnTo>
-                <a:lnTo>
-                  <a:pt x="997032" y="80955"/>
-                </a:lnTo>
-                <a:lnTo>
-                  <a:pt x="1038715" y="104253"/>
-                </a:lnTo>
-                <a:lnTo>
-                  <a:pt x="1078029" y="130067"/>
-                </a:lnTo>
-                <a:lnTo>
-                  <a:pt x="1114806" y="158257"/>
-                </a:lnTo>
-                <a:lnTo>
-                  <a:pt x="1148877" y="188685"/>
-                </a:lnTo>
-                <a:lnTo>
-                  <a:pt x="1180075" y="221211"/>
-                </a:lnTo>
-                <a:lnTo>
-                  <a:pt x="1208233" y="255696"/>
-                </a:lnTo>
-                <a:lnTo>
-                  <a:pt x="1233181" y="292001"/>
-                </a:lnTo>
-                <a:lnTo>
-                  <a:pt x="1254752" y="329987"/>
-                </a:lnTo>
-                <a:lnTo>
-                  <a:pt x="1272777" y="369515"/>
-                </a:lnTo>
-                <a:lnTo>
-                  <a:pt x="1287090" y="410445"/>
-                </a:lnTo>
-                <a:lnTo>
-                  <a:pt x="1297521" y="452638"/>
-                </a:lnTo>
-                <a:lnTo>
-                  <a:pt x="1303903" y="495955"/>
-                </a:lnTo>
-                <a:lnTo>
-                  <a:pt x="1306068" y="540258"/>
-                </a:lnTo>
-                <a:lnTo>
-                  <a:pt x="1303903" y="584560"/>
-                </a:lnTo>
-                <a:lnTo>
-                  <a:pt x="1297521" y="627877"/>
-                </a:lnTo>
-                <a:lnTo>
-                  <a:pt x="1287090" y="670070"/>
-                </a:lnTo>
-                <a:lnTo>
-                  <a:pt x="1272777" y="711000"/>
-                </a:lnTo>
-                <a:lnTo>
-                  <a:pt x="1254752" y="750528"/>
-                </a:lnTo>
-                <a:lnTo>
-                  <a:pt x="1233181" y="788514"/>
-                </a:lnTo>
-                <a:lnTo>
-                  <a:pt x="1208233" y="824819"/>
-                </a:lnTo>
-                <a:lnTo>
-                  <a:pt x="1180075" y="859304"/>
-                </a:lnTo>
-                <a:lnTo>
-                  <a:pt x="1148877" y="891830"/>
-                </a:lnTo>
-                <a:lnTo>
-                  <a:pt x="1114806" y="922258"/>
-                </a:lnTo>
-                <a:lnTo>
-                  <a:pt x="1078029" y="950448"/>
-                </a:lnTo>
-                <a:lnTo>
-                  <a:pt x="1038715" y="976262"/>
-                </a:lnTo>
-                <a:lnTo>
-                  <a:pt x="997032" y="999560"/>
-                </a:lnTo>
-                <a:lnTo>
-                  <a:pt x="953149" y="1020203"/>
-                </a:lnTo>
-                <a:lnTo>
-                  <a:pt x="907232" y="1038052"/>
-                </a:lnTo>
-                <a:lnTo>
-                  <a:pt x="859450" y="1052968"/>
-                </a:lnTo>
-                <a:lnTo>
-                  <a:pt x="809971" y="1064811"/>
-                </a:lnTo>
-                <a:lnTo>
-                  <a:pt x="758964" y="1073443"/>
-                </a:lnTo>
-                <a:lnTo>
-                  <a:pt x="706595" y="1078724"/>
-                </a:lnTo>
-                <a:lnTo>
-                  <a:pt x="653034" y="1080516"/>
-                </a:lnTo>
-                <a:lnTo>
-                  <a:pt x="599472" y="1078724"/>
-                </a:lnTo>
-                <a:lnTo>
-                  <a:pt x="547103" y="1073443"/>
-                </a:lnTo>
-                <a:lnTo>
-                  <a:pt x="496096" y="1064811"/>
-                </a:lnTo>
-                <a:lnTo>
-                  <a:pt x="446617" y="1052968"/>
-                </a:lnTo>
-                <a:lnTo>
-                  <a:pt x="398835" y="1038052"/>
-                </a:lnTo>
-                <a:lnTo>
-                  <a:pt x="352918" y="1020203"/>
-                </a:lnTo>
-                <a:lnTo>
-                  <a:pt x="309035" y="999560"/>
-                </a:lnTo>
-                <a:lnTo>
-                  <a:pt x="267352" y="976262"/>
-                </a:lnTo>
-                <a:lnTo>
-                  <a:pt x="228038" y="950448"/>
-                </a:lnTo>
-                <a:lnTo>
-                  <a:pt x="191262" y="922258"/>
-                </a:lnTo>
-                <a:lnTo>
-                  <a:pt x="157190" y="891830"/>
-                </a:lnTo>
-                <a:lnTo>
-                  <a:pt x="125992" y="859304"/>
-                </a:lnTo>
-                <a:lnTo>
-                  <a:pt x="97834" y="824819"/>
-                </a:lnTo>
-                <a:lnTo>
-                  <a:pt x="72886" y="788514"/>
-                </a:lnTo>
-                <a:lnTo>
-                  <a:pt x="51315" y="750528"/>
-                </a:lnTo>
-                <a:lnTo>
-                  <a:pt x="33290" y="711000"/>
-                </a:lnTo>
-                <a:lnTo>
-                  <a:pt x="18977" y="670070"/>
-                </a:lnTo>
-                <a:lnTo>
-                  <a:pt x="8546" y="627877"/>
-                </a:lnTo>
-                <a:lnTo>
-                  <a:pt x="2164" y="584560"/>
-                </a:lnTo>
-                <a:lnTo>
-                  <a:pt x="0" y="540258"/>
-                </a:lnTo>
-                <a:close/>
-              </a:path>
-            </a:pathLst>
-          </a:custGeom>
-          <a:ln w="38100">
-            <a:solidFill>
-              <a:srgbClr val="00AF50"/>
-            </a:solidFill>
-          </a:ln>
-        </p:spPr>
-        <p:txBody>
-          <a:bodyPr wrap="square" lIns="0" tIns="0" rIns="0" bIns="0" rtlCol="0"/>
-          <a:lstStyle/>
-          <a:p>
-            <a:endParaRPr/>
-          </a:p>
-        </p:txBody>
-      </p:sp>
-      <p:sp>
-        <p:nvSpPr>
-          <p:cNvPr id="10" name="object 11">
-            <a:extLst>
-              <a:ext uri="{FF2B5EF4-FFF2-40B4-BE49-F238E27FC236}">
-                <a16:creationId xmlns:a16="http://schemas.microsoft.com/office/drawing/2014/main" id="{88D6BC18-387E-4AF6-8752-F2A9A9A08D9C}"/>
-              </a:ext>
-            </a:extLst>
-          </p:cNvPr>
-          <p:cNvSpPr/>
-          <p:nvPr/>
-        </p:nvSpPr>
-        <p:spPr>
-          <a:xfrm>
-            <a:off x="2181605" y="4009282"/>
-            <a:ext cx="1583690" cy="684530"/>
-          </a:xfrm>
-          <a:custGeom>
-            <a:avLst/>
-            <a:gdLst/>
-            <a:ahLst/>
-            <a:cxnLst/>
-            <a:rect l="l" t="t" r="r" b="b"/>
-            <a:pathLst>
-              <a:path w="1583689" h="684529">
-                <a:moveTo>
-                  <a:pt x="0" y="684276"/>
-                </a:moveTo>
-                <a:lnTo>
-                  <a:pt x="1583436" y="684276"/>
-                </a:lnTo>
-                <a:lnTo>
-                  <a:pt x="1583436" y="0"/>
-                </a:lnTo>
-                <a:lnTo>
-                  <a:pt x="0" y="0"/>
-                </a:lnTo>
-                <a:lnTo>
-                  <a:pt x="0" y="684276"/>
-                </a:lnTo>
-                <a:close/>
-              </a:path>
-            </a:pathLst>
-          </a:custGeom>
-          <a:ln w="38100">
-            <a:solidFill>
-              <a:srgbClr val="006FC0"/>
-            </a:solidFill>
-          </a:ln>
-        </p:spPr>
-        <p:txBody>
-          <a:bodyPr wrap="square" lIns="0" tIns="0" rIns="0" bIns="0" rtlCol="0"/>
-          <a:lstStyle/>
-          <a:p>
-            <a:endParaRPr/>
-          </a:p>
-        </p:txBody>
-      </p:sp>
-      <p:sp>
-        <p:nvSpPr>
-          <p:cNvPr id="11" name="object 12">
-            <a:extLst>
-              <a:ext uri="{FF2B5EF4-FFF2-40B4-BE49-F238E27FC236}">
-                <a16:creationId xmlns:a16="http://schemas.microsoft.com/office/drawing/2014/main" id="{CFB2A653-7385-4BFB-8C6C-935287D50E73}"/>
-              </a:ext>
-            </a:extLst>
-          </p:cNvPr>
-          <p:cNvSpPr/>
-          <p:nvPr/>
-        </p:nvSpPr>
-        <p:spPr>
-          <a:xfrm>
-            <a:off x="6300978" y="3385965"/>
-            <a:ext cx="1007744" cy="763905"/>
-          </a:xfrm>
-          <a:custGeom>
-            <a:avLst/>
-            <a:gdLst/>
-            <a:ahLst/>
-            <a:cxnLst/>
-            <a:rect l="l" t="t" r="r" b="b"/>
-            <a:pathLst>
-              <a:path w="1007745" h="763904">
-                <a:moveTo>
-                  <a:pt x="0" y="763524"/>
-                </a:moveTo>
-                <a:lnTo>
-                  <a:pt x="1007363" y="763524"/>
-                </a:lnTo>
-                <a:lnTo>
-                  <a:pt x="1007363" y="0"/>
-                </a:lnTo>
-                <a:lnTo>
-                  <a:pt x="0" y="0"/>
-                </a:lnTo>
-                <a:lnTo>
-                  <a:pt x="0" y="763524"/>
-                </a:lnTo>
-                <a:close/>
-              </a:path>
-            </a:pathLst>
-          </a:custGeom>
-          <a:ln w="38099">
-            <a:solidFill>
-              <a:srgbClr val="006FC0"/>
-            </a:solidFill>
-          </a:ln>
-        </p:spPr>
-        <p:txBody>
-          <a:bodyPr wrap="square" lIns="0" tIns="0" rIns="0" bIns="0" rtlCol="0"/>
-          <a:lstStyle/>
-          <a:p>
-            <a:endParaRPr/>
-          </a:p>
-        </p:txBody>
-      </p:sp>
-      <p:sp>
-        <p:nvSpPr>
-          <p:cNvPr id="12" name="object 13">
-            <a:extLst>
-              <a:ext uri="{FF2B5EF4-FFF2-40B4-BE49-F238E27FC236}">
-                <a16:creationId xmlns:a16="http://schemas.microsoft.com/office/drawing/2014/main" id="{DB410A75-74DF-464F-AA4B-246509573479}"/>
-              </a:ext>
-            </a:extLst>
-          </p:cNvPr>
-          <p:cNvSpPr/>
-          <p:nvPr/>
-        </p:nvSpPr>
-        <p:spPr>
-          <a:xfrm>
-            <a:off x="4182617" y="3136029"/>
-            <a:ext cx="1614170" cy="1458595"/>
-          </a:xfrm>
-          <a:custGeom>
-            <a:avLst/>
-            <a:gdLst/>
-            <a:ahLst/>
-            <a:cxnLst/>
-            <a:rect l="l" t="t" r="r" b="b"/>
-            <a:pathLst>
-              <a:path w="1614170" h="1458595">
-                <a:moveTo>
-                  <a:pt x="0" y="1458468"/>
-                </a:moveTo>
-                <a:lnTo>
-                  <a:pt x="1613915" y="1458468"/>
-                </a:lnTo>
-                <a:lnTo>
-                  <a:pt x="1613915" y="0"/>
-                </a:lnTo>
-                <a:lnTo>
-                  <a:pt x="0" y="0"/>
-                </a:lnTo>
-                <a:lnTo>
-                  <a:pt x="0" y="1458468"/>
-                </a:lnTo>
-                <a:close/>
-              </a:path>
-            </a:pathLst>
-          </a:custGeom>
-          <a:ln w="38100">
-            <a:solidFill>
-              <a:srgbClr val="006FC0"/>
-            </a:solidFill>
-          </a:ln>
-        </p:spPr>
-        <p:txBody>
-          <a:bodyPr wrap="square" lIns="0" tIns="0" rIns="0" bIns="0" rtlCol="0"/>
-          <a:lstStyle/>
-          <a:p>
-            <a:endParaRPr/>
-          </a:p>
-        </p:txBody>
-      </p:sp>
-      <p:sp>
-        <p:nvSpPr>
-          <p:cNvPr id="19" name="object 8">
-            <a:extLst>
-              <a:ext uri="{FF2B5EF4-FFF2-40B4-BE49-F238E27FC236}">
-                <a16:creationId xmlns:a16="http://schemas.microsoft.com/office/drawing/2014/main" id="{EFE7ADD0-1CA9-428C-A842-745CECEC09F3}"/>
-              </a:ext>
-            </a:extLst>
-          </p:cNvPr>
-          <p:cNvSpPr/>
-          <p:nvPr/>
-        </p:nvSpPr>
-        <p:spPr>
-          <a:xfrm>
-            <a:off x="2595477" y="4761630"/>
-            <a:ext cx="1009015" cy="1224280"/>
-          </a:xfrm>
-          <a:custGeom>
-            <a:avLst/>
-            <a:gdLst/>
-            <a:ahLst/>
-            <a:cxnLst/>
-            <a:rect l="l" t="t" r="r" b="b"/>
-            <a:pathLst>
-              <a:path w="1009014" h="1224279">
-                <a:moveTo>
-                  <a:pt x="0" y="611885"/>
-                </a:moveTo>
-                <a:lnTo>
-                  <a:pt x="1671" y="561701"/>
-                </a:lnTo>
-                <a:lnTo>
-                  <a:pt x="6601" y="512635"/>
-                </a:lnTo>
-                <a:lnTo>
-                  <a:pt x="14658" y="464843"/>
-                </a:lnTo>
-                <a:lnTo>
-                  <a:pt x="25712" y="418483"/>
-                </a:lnTo>
-                <a:lnTo>
-                  <a:pt x="39635" y="373712"/>
-                </a:lnTo>
-                <a:lnTo>
-                  <a:pt x="56297" y="330689"/>
-                </a:lnTo>
-                <a:lnTo>
-                  <a:pt x="75567" y="289571"/>
-                </a:lnTo>
-                <a:lnTo>
-                  <a:pt x="97316" y="250514"/>
-                </a:lnTo>
-                <a:lnTo>
-                  <a:pt x="121414" y="213677"/>
-                </a:lnTo>
-                <a:lnTo>
-                  <a:pt x="147732" y="179217"/>
-                </a:lnTo>
-                <a:lnTo>
-                  <a:pt x="176140" y="147292"/>
-                </a:lnTo>
-                <a:lnTo>
-                  <a:pt x="206508" y="118058"/>
-                </a:lnTo>
-                <a:lnTo>
-                  <a:pt x="238706" y="91674"/>
-                </a:lnTo>
-                <a:lnTo>
-                  <a:pt x="272604" y="68297"/>
-                </a:lnTo>
-                <a:lnTo>
-                  <a:pt x="308074" y="48085"/>
-                </a:lnTo>
-                <a:lnTo>
-                  <a:pt x="344984" y="31194"/>
-                </a:lnTo>
-                <a:lnTo>
-                  <a:pt x="383206" y="17783"/>
-                </a:lnTo>
-                <a:lnTo>
-                  <a:pt x="422610" y="8008"/>
-                </a:lnTo>
-                <a:lnTo>
-                  <a:pt x="463066" y="2028"/>
-                </a:lnTo>
-                <a:lnTo>
-                  <a:pt x="504444" y="0"/>
-                </a:lnTo>
-                <a:lnTo>
-                  <a:pt x="545821" y="2028"/>
-                </a:lnTo>
-                <a:lnTo>
-                  <a:pt x="586277" y="8008"/>
-                </a:lnTo>
-                <a:lnTo>
-                  <a:pt x="625681" y="17783"/>
-                </a:lnTo>
-                <a:lnTo>
-                  <a:pt x="663903" y="31194"/>
-                </a:lnTo>
-                <a:lnTo>
-                  <a:pt x="700813" y="48085"/>
-                </a:lnTo>
-                <a:lnTo>
-                  <a:pt x="736283" y="68297"/>
-                </a:lnTo>
-                <a:lnTo>
-                  <a:pt x="770181" y="91674"/>
-                </a:lnTo>
-                <a:lnTo>
-                  <a:pt x="802379" y="118058"/>
-                </a:lnTo>
-                <a:lnTo>
-                  <a:pt x="832747" y="147292"/>
-                </a:lnTo>
-                <a:lnTo>
-                  <a:pt x="861155" y="179217"/>
-                </a:lnTo>
-                <a:lnTo>
-                  <a:pt x="887473" y="213677"/>
-                </a:lnTo>
-                <a:lnTo>
-                  <a:pt x="911571" y="250514"/>
-                </a:lnTo>
-                <a:lnTo>
-                  <a:pt x="933320" y="289571"/>
-                </a:lnTo>
-                <a:lnTo>
-                  <a:pt x="952590" y="330689"/>
-                </a:lnTo>
-                <a:lnTo>
-                  <a:pt x="969252" y="373712"/>
-                </a:lnTo>
-                <a:lnTo>
-                  <a:pt x="983175" y="418483"/>
-                </a:lnTo>
-                <a:lnTo>
-                  <a:pt x="994229" y="464843"/>
-                </a:lnTo>
-                <a:lnTo>
-                  <a:pt x="1002286" y="512635"/>
-                </a:lnTo>
-                <a:lnTo>
-                  <a:pt x="1007216" y="561701"/>
-                </a:lnTo>
-                <a:lnTo>
-                  <a:pt x="1008888" y="611885"/>
-                </a:lnTo>
-                <a:lnTo>
-                  <a:pt x="1007216" y="662070"/>
-                </a:lnTo>
-                <a:lnTo>
-                  <a:pt x="1002286" y="711136"/>
-                </a:lnTo>
-                <a:lnTo>
-                  <a:pt x="994229" y="758928"/>
-                </a:lnTo>
-                <a:lnTo>
-                  <a:pt x="983175" y="805288"/>
-                </a:lnTo>
-                <a:lnTo>
-                  <a:pt x="969252" y="850059"/>
-                </a:lnTo>
-                <a:lnTo>
-                  <a:pt x="952590" y="893082"/>
-                </a:lnTo>
-                <a:lnTo>
-                  <a:pt x="933320" y="934200"/>
-                </a:lnTo>
-                <a:lnTo>
-                  <a:pt x="911571" y="973257"/>
-                </a:lnTo>
-                <a:lnTo>
-                  <a:pt x="887473" y="1010094"/>
-                </a:lnTo>
-                <a:lnTo>
-                  <a:pt x="861155" y="1044554"/>
-                </a:lnTo>
-                <a:lnTo>
-                  <a:pt x="832747" y="1076479"/>
-                </a:lnTo>
-                <a:lnTo>
-                  <a:pt x="802379" y="1105713"/>
-                </a:lnTo>
-                <a:lnTo>
-                  <a:pt x="770181" y="1132097"/>
-                </a:lnTo>
-                <a:lnTo>
-                  <a:pt x="736283" y="1155474"/>
-                </a:lnTo>
-                <a:lnTo>
-                  <a:pt x="700813" y="1175686"/>
-                </a:lnTo>
-                <a:lnTo>
-                  <a:pt x="663903" y="1192577"/>
-                </a:lnTo>
-                <a:lnTo>
-                  <a:pt x="625681" y="1205988"/>
-                </a:lnTo>
-                <a:lnTo>
-                  <a:pt x="586277" y="1215763"/>
-                </a:lnTo>
-                <a:lnTo>
-                  <a:pt x="545821" y="1221743"/>
-                </a:lnTo>
-                <a:lnTo>
-                  <a:pt x="504444" y="1223771"/>
-                </a:lnTo>
-                <a:lnTo>
-                  <a:pt x="463066" y="1221743"/>
-                </a:lnTo>
-                <a:lnTo>
-                  <a:pt x="422610" y="1215763"/>
-                </a:lnTo>
-                <a:lnTo>
-                  <a:pt x="383206" y="1205988"/>
-                </a:lnTo>
-                <a:lnTo>
-                  <a:pt x="344984" y="1192577"/>
-                </a:lnTo>
-                <a:lnTo>
-                  <a:pt x="308074" y="1175686"/>
-                </a:lnTo>
-                <a:lnTo>
-                  <a:pt x="272604" y="1155474"/>
-                </a:lnTo>
-                <a:lnTo>
-                  <a:pt x="238706" y="1132097"/>
-                </a:lnTo>
-                <a:lnTo>
-                  <a:pt x="206508" y="1105713"/>
-                </a:lnTo>
-                <a:lnTo>
-                  <a:pt x="176140" y="1076479"/>
-                </a:lnTo>
-                <a:lnTo>
-                  <a:pt x="147732" y="1044554"/>
-                </a:lnTo>
-                <a:lnTo>
-                  <a:pt x="121414" y="1010094"/>
-                </a:lnTo>
-                <a:lnTo>
-                  <a:pt x="97316" y="973257"/>
-                </a:lnTo>
-                <a:lnTo>
-                  <a:pt x="75567" y="934200"/>
-                </a:lnTo>
-                <a:lnTo>
-                  <a:pt x="56297" y="893082"/>
-                </a:lnTo>
-                <a:lnTo>
-                  <a:pt x="39635" y="850059"/>
-                </a:lnTo>
-                <a:lnTo>
-                  <a:pt x="25712" y="805288"/>
-                </a:lnTo>
-                <a:lnTo>
-                  <a:pt x="14658" y="758928"/>
-                </a:lnTo>
-                <a:lnTo>
-                  <a:pt x="6601" y="711136"/>
-                </a:lnTo>
-                <a:lnTo>
-                  <a:pt x="1671" y="662070"/>
-                </a:lnTo>
-                <a:lnTo>
-                  <a:pt x="0" y="611885"/>
-                </a:lnTo>
-                <a:close/>
-              </a:path>
-            </a:pathLst>
-          </a:custGeom>
-          <a:ln w="38100">
-            <a:solidFill>
-              <a:srgbClr val="00AF50"/>
-            </a:solidFill>
-          </a:ln>
-        </p:spPr>
-        <p:txBody>
-          <a:bodyPr wrap="square" lIns="0" tIns="0" rIns="0" bIns="0" rtlCol="0"/>
-          <a:lstStyle/>
-          <a:p>
-            <a:endParaRPr/>
+              <a:t>192.168.128.0</a:t>
+            </a:r>
+            <a:r>
+              <a:rPr lang="es-ES" dirty="0"/>
+              <a:t> ¿Cómo sería el esquema de direccionamiento lógico utilizando máscaras de longitud variable?</a:t>
+            </a:r>
+            <a:endParaRPr lang="es-MX" dirty="0"/>
+          </a:p>
+          <a:p>
+            <a:pPr algn="just">
+              <a:lnSpc>
+                <a:spcPts val="2500"/>
+              </a:lnSpc>
+            </a:pPr>
+            <a:endParaRPr lang="es-ES" b="1" dirty="0"/>
           </a:p>
         </p:txBody>
       </p:sp>
     </p:spTree>
-    <p:extLst>
-      <p:ext uri="{BB962C8B-B14F-4D97-AF65-F5344CB8AC3E}">
-        <p14:creationId xmlns:p14="http://schemas.microsoft.com/office/powerpoint/2010/main" val="259919537"/>
-      </p:ext>
-    </p:extLst>
   </p:cSld>
   <p:clrMapOvr>
     <a:masterClrMapping/>
@@ -10430,3680 +7303,7 @@
 </p:sld>
 </file>
 
-<file path=ppt/slides/slide4.xml><?xml version="1.0" encoding="utf-8"?>
-<p:sld xmlns:a="http://schemas.openxmlformats.org/drawingml/2006/main" xmlns:r="http://schemas.openxmlformats.org/officeDocument/2006/relationships" xmlns:p="http://schemas.openxmlformats.org/presentationml/2006/main">
-  <p:cSld>
-    <p:spTree>
-      <p:nvGrpSpPr>
-        <p:cNvPr id="1" name=""/>
-        <p:cNvGrpSpPr/>
-        <p:nvPr/>
-      </p:nvGrpSpPr>
-      <p:grpSpPr>
-        <a:xfrm>
-          <a:off x="0" y="0"/>
-          <a:ext cx="0" cy="0"/>
-          <a:chOff x="0" y="0"/>
-          <a:chExt cx="0" cy="0"/>
-        </a:xfrm>
-      </p:grpSpPr>
-      <p:sp>
-        <p:nvSpPr>
-          <p:cNvPr id="21" name="Rectangle 2">
-            <a:extLst>
-              <a:ext uri="{FF2B5EF4-FFF2-40B4-BE49-F238E27FC236}">
-                <a16:creationId xmlns:a16="http://schemas.microsoft.com/office/drawing/2014/main" id="{61F062CC-B1F1-4898-90E3-65665EC625FD}"/>
-              </a:ext>
-            </a:extLst>
-          </p:cNvPr>
-          <p:cNvSpPr txBox="1">
-            <a:spLocks noChangeArrowheads="1"/>
-          </p:cNvSpPr>
-          <p:nvPr/>
-        </p:nvSpPr>
-        <p:spPr>
-          <a:xfrm>
-            <a:off x="89756" y="6221"/>
-            <a:ext cx="8964488" cy="1143000"/>
-          </a:xfrm>
-          <a:prstGeom prst="rect">
-            <a:avLst/>
-          </a:prstGeom>
-        </p:spPr>
-        <p:txBody>
-          <a:bodyPr vert="horz" lIns="92075" tIns="46038" rIns="92075" bIns="46038" rtlCol="0" anchor="ctr">
-            <a:noAutofit/>
-          </a:bodyPr>
-          <a:lstStyle>
-            <a:lvl1pPr algn="ctr" defTabSz="914400" rtl="0" eaLnBrk="1" latinLnBrk="0" hangingPunct="1">
-              <a:spcBef>
-                <a:spcPct val="0"/>
-              </a:spcBef>
-              <a:buNone/>
-              <a:defRPr sz="4400" kern="1200">
-                <a:solidFill>
-                  <a:schemeClr val="tx1"/>
-                </a:solidFill>
-                <a:latin typeface="+mj-lt"/>
-                <a:ea typeface="+mj-ea"/>
-                <a:cs typeface="+mj-cs"/>
-              </a:defRPr>
-            </a:lvl1pPr>
-          </a:lstStyle>
-          <a:p>
-            <a:pPr>
-              <a:defRPr/>
-            </a:pPr>
-            <a:r>
-              <a:rPr lang="es-ES_tradnl" sz="3200" dirty="0">
-                <a:solidFill>
-                  <a:srgbClr val="3333CC"/>
-                </a:solidFill>
-                <a:effectLst>
-                  <a:outerShdw blurRad="38100" dist="38100" dir="2700000" algn="tl">
-                    <a:srgbClr val="C0C0C0"/>
-                  </a:outerShdw>
-                </a:effectLst>
-                <a:latin typeface="Dom Casual" charset="0"/>
-              </a:rPr>
-              <a:t> </a:t>
-            </a:r>
-            <a:r>
-              <a:rPr lang="es-ES_tradnl" sz="3200" b="1" dirty="0">
-                <a:solidFill>
-                  <a:schemeClr val="accent4">
-                    <a:lumMod val="50000"/>
-                  </a:schemeClr>
-                </a:solidFill>
-                <a:effectLst>
-                  <a:outerShdw blurRad="38100" dist="38100" dir="2700000" algn="tl">
-                    <a:srgbClr val="C0C0C0"/>
-                  </a:outerShdw>
-                </a:effectLst>
-                <a:latin typeface="Dom Casual" charset="0"/>
-              </a:rPr>
-              <a:t>Máscaras de longitud variable (VLSM)</a:t>
-            </a:r>
-            <a:endParaRPr lang="es-ES_tradnl" sz="2400" b="1" dirty="0">
-              <a:solidFill>
-                <a:schemeClr val="accent5">
-                  <a:lumMod val="75000"/>
-                </a:schemeClr>
-              </a:solidFill>
-              <a:effectLst>
-                <a:outerShdw blurRad="38100" dist="38100" dir="2700000" algn="tl">
-                  <a:srgbClr val="C0C0C0"/>
-                </a:outerShdw>
-              </a:effectLst>
-              <a:latin typeface="Dom Casual" charset="0"/>
-            </a:endParaRPr>
-          </a:p>
-        </p:txBody>
-      </p:sp>
-      <p:sp>
-        <p:nvSpPr>
-          <p:cNvPr id="22" name="CuadroTexto 21">
-            <a:extLst>
-              <a:ext uri="{FF2B5EF4-FFF2-40B4-BE49-F238E27FC236}">
-                <a16:creationId xmlns:a16="http://schemas.microsoft.com/office/drawing/2014/main" id="{BD3AB074-230D-4CBC-A8E4-73F8EA269928}"/>
-              </a:ext>
-            </a:extLst>
-          </p:cNvPr>
-          <p:cNvSpPr txBox="1"/>
-          <p:nvPr/>
-        </p:nvSpPr>
-        <p:spPr>
-          <a:xfrm>
-            <a:off x="1187629" y="1330383"/>
-            <a:ext cx="7056120" cy="1163139"/>
-          </a:xfrm>
-          <a:prstGeom prst="rect">
-            <a:avLst/>
-          </a:prstGeom>
-          <a:noFill/>
-        </p:spPr>
-        <p:txBody>
-          <a:bodyPr wrap="square" rtlCol="0">
-            <a:spAutoFit/>
-          </a:bodyPr>
-          <a:lstStyle/>
-          <a:p>
-            <a:pPr>
-              <a:lnSpc>
-                <a:spcPts val="3000"/>
-              </a:lnSpc>
-            </a:pPr>
-            <a:r>
-              <a:rPr lang="es-ES" dirty="0"/>
-              <a:t>Si la dirección IP asignada es </a:t>
-            </a:r>
-            <a:r>
-              <a:rPr lang="es-ES" b="1" dirty="0"/>
-              <a:t>192.168.128.0</a:t>
-            </a:r>
-            <a:r>
-              <a:rPr lang="es-ES" dirty="0"/>
-              <a:t> ¿Cómo sería el esquema de direccionamiento lógico?</a:t>
-            </a:r>
-            <a:endParaRPr lang="es-MX" dirty="0"/>
-          </a:p>
-          <a:p>
-            <a:pPr algn="ctr">
-              <a:lnSpc>
-                <a:spcPts val="2500"/>
-              </a:lnSpc>
-            </a:pPr>
-            <a:endParaRPr lang="es-ES" b="1" dirty="0"/>
-          </a:p>
-        </p:txBody>
-      </p:sp>
-      <p:sp>
-        <p:nvSpPr>
-          <p:cNvPr id="5" name="object 2">
-            <a:extLst>
-              <a:ext uri="{FF2B5EF4-FFF2-40B4-BE49-F238E27FC236}">
-                <a16:creationId xmlns:a16="http://schemas.microsoft.com/office/drawing/2014/main" id="{E6A3F269-F3B7-4793-9A0E-FD0668A1FCA6}"/>
-              </a:ext>
-            </a:extLst>
-          </p:cNvPr>
-          <p:cNvSpPr/>
-          <p:nvPr/>
-        </p:nvSpPr>
-        <p:spPr>
-          <a:xfrm>
-            <a:off x="755576" y="2564904"/>
-            <a:ext cx="7056120" cy="3794760"/>
-          </a:xfrm>
-          <a:prstGeom prst="rect">
-            <a:avLst/>
-          </a:prstGeom>
-          <a:blipFill>
-            <a:blip r:embed="rId3" cstate="print"/>
-            <a:stretch>
-              <a:fillRect/>
-            </a:stretch>
-          </a:blipFill>
-        </p:spPr>
-        <p:txBody>
-          <a:bodyPr wrap="square" lIns="0" tIns="0" rIns="0" bIns="0" rtlCol="0"/>
-          <a:lstStyle/>
-          <a:p>
-            <a:endParaRPr/>
-          </a:p>
-        </p:txBody>
-      </p:sp>
-      <p:sp>
-        <p:nvSpPr>
-          <p:cNvPr id="6" name="object 6">
-            <a:extLst>
-              <a:ext uri="{FF2B5EF4-FFF2-40B4-BE49-F238E27FC236}">
-                <a16:creationId xmlns:a16="http://schemas.microsoft.com/office/drawing/2014/main" id="{92637FF6-BAD5-43A3-816E-652C0B656E75}"/>
-              </a:ext>
-            </a:extLst>
-          </p:cNvPr>
-          <p:cNvSpPr/>
-          <p:nvPr/>
-        </p:nvSpPr>
-        <p:spPr>
-          <a:xfrm>
-            <a:off x="1187629" y="4653546"/>
-            <a:ext cx="1009015" cy="1224280"/>
-          </a:xfrm>
-          <a:custGeom>
-            <a:avLst/>
-            <a:gdLst/>
-            <a:ahLst/>
-            <a:cxnLst/>
-            <a:rect l="l" t="t" r="r" b="b"/>
-            <a:pathLst>
-              <a:path w="1009014" h="1224279">
-                <a:moveTo>
-                  <a:pt x="0" y="611886"/>
-                </a:moveTo>
-                <a:lnTo>
-                  <a:pt x="1671" y="561700"/>
-                </a:lnTo>
-                <a:lnTo>
-                  <a:pt x="6601" y="512632"/>
-                </a:lnTo>
-                <a:lnTo>
-                  <a:pt x="14658" y="464838"/>
-                </a:lnTo>
-                <a:lnTo>
-                  <a:pt x="25712" y="418478"/>
-                </a:lnTo>
-                <a:lnTo>
-                  <a:pt x="39635" y="373707"/>
-                </a:lnTo>
-                <a:lnTo>
-                  <a:pt x="56297" y="330683"/>
-                </a:lnTo>
-                <a:lnTo>
-                  <a:pt x="75567" y="289565"/>
-                </a:lnTo>
-                <a:lnTo>
-                  <a:pt x="97316" y="250509"/>
-                </a:lnTo>
-                <a:lnTo>
-                  <a:pt x="121414" y="213672"/>
-                </a:lnTo>
-                <a:lnTo>
-                  <a:pt x="147732" y="179212"/>
-                </a:lnTo>
-                <a:lnTo>
-                  <a:pt x="176140" y="147287"/>
-                </a:lnTo>
-                <a:lnTo>
-                  <a:pt x="206508" y="118055"/>
-                </a:lnTo>
-                <a:lnTo>
-                  <a:pt x="238706" y="91671"/>
-                </a:lnTo>
-                <a:lnTo>
-                  <a:pt x="272604" y="68295"/>
-                </a:lnTo>
-                <a:lnTo>
-                  <a:pt x="308074" y="48083"/>
-                </a:lnTo>
-                <a:lnTo>
-                  <a:pt x="344984" y="31193"/>
-                </a:lnTo>
-                <a:lnTo>
-                  <a:pt x="383206" y="17782"/>
-                </a:lnTo>
-                <a:lnTo>
-                  <a:pt x="422610" y="8008"/>
-                </a:lnTo>
-                <a:lnTo>
-                  <a:pt x="463066" y="2028"/>
-                </a:lnTo>
-                <a:lnTo>
-                  <a:pt x="504444" y="0"/>
-                </a:lnTo>
-                <a:lnTo>
-                  <a:pt x="545821" y="2028"/>
-                </a:lnTo>
-                <a:lnTo>
-                  <a:pt x="586277" y="8008"/>
-                </a:lnTo>
-                <a:lnTo>
-                  <a:pt x="625681" y="17782"/>
-                </a:lnTo>
-                <a:lnTo>
-                  <a:pt x="663903" y="31193"/>
-                </a:lnTo>
-                <a:lnTo>
-                  <a:pt x="700813" y="48083"/>
-                </a:lnTo>
-                <a:lnTo>
-                  <a:pt x="736283" y="68295"/>
-                </a:lnTo>
-                <a:lnTo>
-                  <a:pt x="770181" y="91671"/>
-                </a:lnTo>
-                <a:lnTo>
-                  <a:pt x="802379" y="118055"/>
-                </a:lnTo>
-                <a:lnTo>
-                  <a:pt x="832747" y="147287"/>
-                </a:lnTo>
-                <a:lnTo>
-                  <a:pt x="861155" y="179212"/>
-                </a:lnTo>
-                <a:lnTo>
-                  <a:pt x="887473" y="213672"/>
-                </a:lnTo>
-                <a:lnTo>
-                  <a:pt x="911571" y="250509"/>
-                </a:lnTo>
-                <a:lnTo>
-                  <a:pt x="933320" y="289565"/>
-                </a:lnTo>
-                <a:lnTo>
-                  <a:pt x="952590" y="330683"/>
-                </a:lnTo>
-                <a:lnTo>
-                  <a:pt x="969252" y="373707"/>
-                </a:lnTo>
-                <a:lnTo>
-                  <a:pt x="983175" y="418478"/>
-                </a:lnTo>
-                <a:lnTo>
-                  <a:pt x="994229" y="464838"/>
-                </a:lnTo>
-                <a:lnTo>
-                  <a:pt x="1002286" y="512632"/>
-                </a:lnTo>
-                <a:lnTo>
-                  <a:pt x="1007216" y="561700"/>
-                </a:lnTo>
-                <a:lnTo>
-                  <a:pt x="1008888" y="611886"/>
-                </a:lnTo>
-                <a:lnTo>
-                  <a:pt x="1007216" y="662070"/>
-                </a:lnTo>
-                <a:lnTo>
-                  <a:pt x="1002286" y="711136"/>
-                </a:lnTo>
-                <a:lnTo>
-                  <a:pt x="994229" y="758928"/>
-                </a:lnTo>
-                <a:lnTo>
-                  <a:pt x="983175" y="805288"/>
-                </a:lnTo>
-                <a:lnTo>
-                  <a:pt x="969252" y="850059"/>
-                </a:lnTo>
-                <a:lnTo>
-                  <a:pt x="952590" y="893082"/>
-                </a:lnTo>
-                <a:lnTo>
-                  <a:pt x="933320" y="934200"/>
-                </a:lnTo>
-                <a:lnTo>
-                  <a:pt x="911571" y="973257"/>
-                </a:lnTo>
-                <a:lnTo>
-                  <a:pt x="887473" y="1010094"/>
-                </a:lnTo>
-                <a:lnTo>
-                  <a:pt x="861155" y="1044554"/>
-                </a:lnTo>
-                <a:lnTo>
-                  <a:pt x="832747" y="1076479"/>
-                </a:lnTo>
-                <a:lnTo>
-                  <a:pt x="802379" y="1105713"/>
-                </a:lnTo>
-                <a:lnTo>
-                  <a:pt x="770181" y="1132097"/>
-                </a:lnTo>
-                <a:lnTo>
-                  <a:pt x="736283" y="1155474"/>
-                </a:lnTo>
-                <a:lnTo>
-                  <a:pt x="700813" y="1175686"/>
-                </a:lnTo>
-                <a:lnTo>
-                  <a:pt x="663903" y="1192577"/>
-                </a:lnTo>
-                <a:lnTo>
-                  <a:pt x="625681" y="1205988"/>
-                </a:lnTo>
-                <a:lnTo>
-                  <a:pt x="586277" y="1215763"/>
-                </a:lnTo>
-                <a:lnTo>
-                  <a:pt x="545821" y="1221743"/>
-                </a:lnTo>
-                <a:lnTo>
-                  <a:pt x="504444" y="1223772"/>
-                </a:lnTo>
-                <a:lnTo>
-                  <a:pt x="463066" y="1221743"/>
-                </a:lnTo>
-                <a:lnTo>
-                  <a:pt x="422610" y="1215763"/>
-                </a:lnTo>
-                <a:lnTo>
-                  <a:pt x="383206" y="1205988"/>
-                </a:lnTo>
-                <a:lnTo>
-                  <a:pt x="344984" y="1192577"/>
-                </a:lnTo>
-                <a:lnTo>
-                  <a:pt x="308074" y="1175686"/>
-                </a:lnTo>
-                <a:lnTo>
-                  <a:pt x="272604" y="1155474"/>
-                </a:lnTo>
-                <a:lnTo>
-                  <a:pt x="238706" y="1132097"/>
-                </a:lnTo>
-                <a:lnTo>
-                  <a:pt x="206508" y="1105713"/>
-                </a:lnTo>
-                <a:lnTo>
-                  <a:pt x="176140" y="1076479"/>
-                </a:lnTo>
-                <a:lnTo>
-                  <a:pt x="147732" y="1044554"/>
-                </a:lnTo>
-                <a:lnTo>
-                  <a:pt x="121414" y="1010094"/>
-                </a:lnTo>
-                <a:lnTo>
-                  <a:pt x="97316" y="973257"/>
-                </a:lnTo>
-                <a:lnTo>
-                  <a:pt x="75567" y="934200"/>
-                </a:lnTo>
-                <a:lnTo>
-                  <a:pt x="56297" y="893082"/>
-                </a:lnTo>
-                <a:lnTo>
-                  <a:pt x="39635" y="850059"/>
-                </a:lnTo>
-                <a:lnTo>
-                  <a:pt x="25712" y="805288"/>
-                </a:lnTo>
-                <a:lnTo>
-                  <a:pt x="14658" y="758928"/>
-                </a:lnTo>
-                <a:lnTo>
-                  <a:pt x="6601" y="711136"/>
-                </a:lnTo>
-                <a:lnTo>
-                  <a:pt x="1671" y="662070"/>
-                </a:lnTo>
-                <a:lnTo>
-                  <a:pt x="0" y="611886"/>
-                </a:lnTo>
-                <a:close/>
-              </a:path>
-            </a:pathLst>
-          </a:custGeom>
-          <a:ln w="38100">
-            <a:solidFill>
-              <a:srgbClr val="00AF50"/>
-            </a:solidFill>
-          </a:ln>
-        </p:spPr>
-        <p:txBody>
-          <a:bodyPr wrap="square" lIns="0" tIns="0" rIns="0" bIns="0" rtlCol="0"/>
-          <a:lstStyle/>
-          <a:p>
-            <a:endParaRPr/>
-          </a:p>
-        </p:txBody>
-      </p:sp>
-      <p:sp>
-        <p:nvSpPr>
-          <p:cNvPr id="7" name="object 8">
-            <a:extLst>
-              <a:ext uri="{FF2B5EF4-FFF2-40B4-BE49-F238E27FC236}">
-                <a16:creationId xmlns:a16="http://schemas.microsoft.com/office/drawing/2014/main" id="{6EE84767-0043-41AD-BACB-90194998BE02}"/>
-              </a:ext>
-            </a:extLst>
-          </p:cNvPr>
-          <p:cNvSpPr/>
-          <p:nvPr/>
-        </p:nvSpPr>
-        <p:spPr>
-          <a:xfrm>
-            <a:off x="3357806" y="5337821"/>
-            <a:ext cx="1009015" cy="1224280"/>
-          </a:xfrm>
-          <a:custGeom>
-            <a:avLst/>
-            <a:gdLst/>
-            <a:ahLst/>
-            <a:cxnLst/>
-            <a:rect l="l" t="t" r="r" b="b"/>
-            <a:pathLst>
-              <a:path w="1009014" h="1224279">
-                <a:moveTo>
-                  <a:pt x="0" y="611885"/>
-                </a:moveTo>
-                <a:lnTo>
-                  <a:pt x="1671" y="561701"/>
-                </a:lnTo>
-                <a:lnTo>
-                  <a:pt x="6601" y="512635"/>
-                </a:lnTo>
-                <a:lnTo>
-                  <a:pt x="14658" y="464843"/>
-                </a:lnTo>
-                <a:lnTo>
-                  <a:pt x="25712" y="418483"/>
-                </a:lnTo>
-                <a:lnTo>
-                  <a:pt x="39635" y="373712"/>
-                </a:lnTo>
-                <a:lnTo>
-                  <a:pt x="56297" y="330689"/>
-                </a:lnTo>
-                <a:lnTo>
-                  <a:pt x="75567" y="289571"/>
-                </a:lnTo>
-                <a:lnTo>
-                  <a:pt x="97316" y="250514"/>
-                </a:lnTo>
-                <a:lnTo>
-                  <a:pt x="121414" y="213677"/>
-                </a:lnTo>
-                <a:lnTo>
-                  <a:pt x="147732" y="179217"/>
-                </a:lnTo>
-                <a:lnTo>
-                  <a:pt x="176140" y="147292"/>
-                </a:lnTo>
-                <a:lnTo>
-                  <a:pt x="206508" y="118058"/>
-                </a:lnTo>
-                <a:lnTo>
-                  <a:pt x="238706" y="91674"/>
-                </a:lnTo>
-                <a:lnTo>
-                  <a:pt x="272604" y="68297"/>
-                </a:lnTo>
-                <a:lnTo>
-                  <a:pt x="308074" y="48085"/>
-                </a:lnTo>
-                <a:lnTo>
-                  <a:pt x="344984" y="31194"/>
-                </a:lnTo>
-                <a:lnTo>
-                  <a:pt x="383206" y="17783"/>
-                </a:lnTo>
-                <a:lnTo>
-                  <a:pt x="422610" y="8008"/>
-                </a:lnTo>
-                <a:lnTo>
-                  <a:pt x="463066" y="2028"/>
-                </a:lnTo>
-                <a:lnTo>
-                  <a:pt x="504444" y="0"/>
-                </a:lnTo>
-                <a:lnTo>
-                  <a:pt x="545821" y="2028"/>
-                </a:lnTo>
-                <a:lnTo>
-                  <a:pt x="586277" y="8008"/>
-                </a:lnTo>
-                <a:lnTo>
-                  <a:pt x="625681" y="17783"/>
-                </a:lnTo>
-                <a:lnTo>
-                  <a:pt x="663903" y="31194"/>
-                </a:lnTo>
-                <a:lnTo>
-                  <a:pt x="700813" y="48085"/>
-                </a:lnTo>
-                <a:lnTo>
-                  <a:pt x="736283" y="68297"/>
-                </a:lnTo>
-                <a:lnTo>
-                  <a:pt x="770181" y="91674"/>
-                </a:lnTo>
-                <a:lnTo>
-                  <a:pt x="802379" y="118058"/>
-                </a:lnTo>
-                <a:lnTo>
-                  <a:pt x="832747" y="147292"/>
-                </a:lnTo>
-                <a:lnTo>
-                  <a:pt x="861155" y="179217"/>
-                </a:lnTo>
-                <a:lnTo>
-                  <a:pt x="887473" y="213677"/>
-                </a:lnTo>
-                <a:lnTo>
-                  <a:pt x="911571" y="250514"/>
-                </a:lnTo>
-                <a:lnTo>
-                  <a:pt x="933320" y="289571"/>
-                </a:lnTo>
-                <a:lnTo>
-                  <a:pt x="952590" y="330689"/>
-                </a:lnTo>
-                <a:lnTo>
-                  <a:pt x="969252" y="373712"/>
-                </a:lnTo>
-                <a:lnTo>
-                  <a:pt x="983175" y="418483"/>
-                </a:lnTo>
-                <a:lnTo>
-                  <a:pt x="994229" y="464843"/>
-                </a:lnTo>
-                <a:lnTo>
-                  <a:pt x="1002286" y="512635"/>
-                </a:lnTo>
-                <a:lnTo>
-                  <a:pt x="1007216" y="561701"/>
-                </a:lnTo>
-                <a:lnTo>
-                  <a:pt x="1008888" y="611885"/>
-                </a:lnTo>
-                <a:lnTo>
-                  <a:pt x="1007216" y="662070"/>
-                </a:lnTo>
-                <a:lnTo>
-                  <a:pt x="1002286" y="711136"/>
-                </a:lnTo>
-                <a:lnTo>
-                  <a:pt x="994229" y="758928"/>
-                </a:lnTo>
-                <a:lnTo>
-                  <a:pt x="983175" y="805288"/>
-                </a:lnTo>
-                <a:lnTo>
-                  <a:pt x="969252" y="850059"/>
-                </a:lnTo>
-                <a:lnTo>
-                  <a:pt x="952590" y="893082"/>
-                </a:lnTo>
-                <a:lnTo>
-                  <a:pt x="933320" y="934200"/>
-                </a:lnTo>
-                <a:lnTo>
-                  <a:pt x="911571" y="973257"/>
-                </a:lnTo>
-                <a:lnTo>
-                  <a:pt x="887473" y="1010094"/>
-                </a:lnTo>
-                <a:lnTo>
-                  <a:pt x="861155" y="1044554"/>
-                </a:lnTo>
-                <a:lnTo>
-                  <a:pt x="832747" y="1076479"/>
-                </a:lnTo>
-                <a:lnTo>
-                  <a:pt x="802379" y="1105713"/>
-                </a:lnTo>
-                <a:lnTo>
-                  <a:pt x="770181" y="1132097"/>
-                </a:lnTo>
-                <a:lnTo>
-                  <a:pt x="736283" y="1155474"/>
-                </a:lnTo>
-                <a:lnTo>
-                  <a:pt x="700813" y="1175686"/>
-                </a:lnTo>
-                <a:lnTo>
-                  <a:pt x="663903" y="1192577"/>
-                </a:lnTo>
-                <a:lnTo>
-                  <a:pt x="625681" y="1205988"/>
-                </a:lnTo>
-                <a:lnTo>
-                  <a:pt x="586277" y="1215763"/>
-                </a:lnTo>
-                <a:lnTo>
-                  <a:pt x="545821" y="1221743"/>
-                </a:lnTo>
-                <a:lnTo>
-                  <a:pt x="504444" y="1223771"/>
-                </a:lnTo>
-                <a:lnTo>
-                  <a:pt x="463066" y="1221743"/>
-                </a:lnTo>
-                <a:lnTo>
-                  <a:pt x="422610" y="1215763"/>
-                </a:lnTo>
-                <a:lnTo>
-                  <a:pt x="383206" y="1205988"/>
-                </a:lnTo>
-                <a:lnTo>
-                  <a:pt x="344984" y="1192577"/>
-                </a:lnTo>
-                <a:lnTo>
-                  <a:pt x="308074" y="1175686"/>
-                </a:lnTo>
-                <a:lnTo>
-                  <a:pt x="272604" y="1155474"/>
-                </a:lnTo>
-                <a:lnTo>
-                  <a:pt x="238706" y="1132097"/>
-                </a:lnTo>
-                <a:lnTo>
-                  <a:pt x="206508" y="1105713"/>
-                </a:lnTo>
-                <a:lnTo>
-                  <a:pt x="176140" y="1076479"/>
-                </a:lnTo>
-                <a:lnTo>
-                  <a:pt x="147732" y="1044554"/>
-                </a:lnTo>
-                <a:lnTo>
-                  <a:pt x="121414" y="1010094"/>
-                </a:lnTo>
-                <a:lnTo>
-                  <a:pt x="97316" y="973257"/>
-                </a:lnTo>
-                <a:lnTo>
-                  <a:pt x="75567" y="934200"/>
-                </a:lnTo>
-                <a:lnTo>
-                  <a:pt x="56297" y="893082"/>
-                </a:lnTo>
-                <a:lnTo>
-                  <a:pt x="39635" y="850059"/>
-                </a:lnTo>
-                <a:lnTo>
-                  <a:pt x="25712" y="805288"/>
-                </a:lnTo>
-                <a:lnTo>
-                  <a:pt x="14658" y="758928"/>
-                </a:lnTo>
-                <a:lnTo>
-                  <a:pt x="6601" y="711136"/>
-                </a:lnTo>
-                <a:lnTo>
-                  <a:pt x="1671" y="662070"/>
-                </a:lnTo>
-                <a:lnTo>
-                  <a:pt x="0" y="611885"/>
-                </a:lnTo>
-                <a:close/>
-              </a:path>
-            </a:pathLst>
-          </a:custGeom>
-          <a:ln w="38100">
-            <a:solidFill>
-              <a:srgbClr val="00AF50"/>
-            </a:solidFill>
-          </a:ln>
-        </p:spPr>
-        <p:txBody>
-          <a:bodyPr wrap="square" lIns="0" tIns="0" rIns="0" bIns="0" rtlCol="0"/>
-          <a:lstStyle/>
-          <a:p>
-            <a:endParaRPr/>
-          </a:p>
-        </p:txBody>
-      </p:sp>
-      <p:sp>
-        <p:nvSpPr>
-          <p:cNvPr id="8" name="object 9">
-            <a:extLst>
-              <a:ext uri="{FF2B5EF4-FFF2-40B4-BE49-F238E27FC236}">
-                <a16:creationId xmlns:a16="http://schemas.microsoft.com/office/drawing/2014/main" id="{CCE6FDA3-F9DC-4D00-9BC8-DC06FFBA92DC}"/>
-              </a:ext>
-            </a:extLst>
-          </p:cNvPr>
-          <p:cNvSpPr/>
-          <p:nvPr/>
-        </p:nvSpPr>
-        <p:spPr>
-          <a:xfrm>
-            <a:off x="6317413" y="5136653"/>
-            <a:ext cx="1207135" cy="1102360"/>
-          </a:xfrm>
-          <a:custGeom>
-            <a:avLst/>
-            <a:gdLst/>
-            <a:ahLst/>
-            <a:cxnLst/>
-            <a:rect l="l" t="t" r="r" b="b"/>
-            <a:pathLst>
-              <a:path w="1207134" h="1102360">
-                <a:moveTo>
-                  <a:pt x="0" y="550925"/>
-                </a:moveTo>
-                <a:lnTo>
-                  <a:pt x="2001" y="505738"/>
-                </a:lnTo>
-                <a:lnTo>
-                  <a:pt x="7900" y="461557"/>
-                </a:lnTo>
-                <a:lnTo>
-                  <a:pt x="17542" y="418524"/>
-                </a:lnTo>
-                <a:lnTo>
-                  <a:pt x="30772" y="376781"/>
-                </a:lnTo>
-                <a:lnTo>
-                  <a:pt x="47434" y="336470"/>
-                </a:lnTo>
-                <a:lnTo>
-                  <a:pt x="67372" y="297733"/>
-                </a:lnTo>
-                <a:lnTo>
-                  <a:pt x="90432" y="260711"/>
-                </a:lnTo>
-                <a:lnTo>
-                  <a:pt x="116457" y="225545"/>
-                </a:lnTo>
-                <a:lnTo>
-                  <a:pt x="145293" y="192379"/>
-                </a:lnTo>
-                <a:lnTo>
-                  <a:pt x="176783" y="161353"/>
-                </a:lnTo>
-                <a:lnTo>
-                  <a:pt x="210773" y="132609"/>
-                </a:lnTo>
-                <a:lnTo>
-                  <a:pt x="247107" y="106289"/>
-                </a:lnTo>
-                <a:lnTo>
-                  <a:pt x="285629" y="82535"/>
-                </a:lnTo>
-                <a:lnTo>
-                  <a:pt x="326184" y="61488"/>
-                </a:lnTo>
-                <a:lnTo>
-                  <a:pt x="368617" y="43291"/>
-                </a:lnTo>
-                <a:lnTo>
-                  <a:pt x="412772" y="28084"/>
-                </a:lnTo>
-                <a:lnTo>
-                  <a:pt x="458493" y="16010"/>
-                </a:lnTo>
-                <a:lnTo>
-                  <a:pt x="505626" y="7210"/>
-                </a:lnTo>
-                <a:lnTo>
-                  <a:pt x="554015" y="1826"/>
-                </a:lnTo>
-                <a:lnTo>
-                  <a:pt x="603503" y="0"/>
-                </a:lnTo>
-                <a:lnTo>
-                  <a:pt x="652992" y="1826"/>
-                </a:lnTo>
-                <a:lnTo>
-                  <a:pt x="701381" y="7210"/>
-                </a:lnTo>
-                <a:lnTo>
-                  <a:pt x="748514" y="16010"/>
-                </a:lnTo>
-                <a:lnTo>
-                  <a:pt x="794235" y="28084"/>
-                </a:lnTo>
-                <a:lnTo>
-                  <a:pt x="838390" y="43291"/>
-                </a:lnTo>
-                <a:lnTo>
-                  <a:pt x="880823" y="61488"/>
-                </a:lnTo>
-                <a:lnTo>
-                  <a:pt x="921378" y="82535"/>
-                </a:lnTo>
-                <a:lnTo>
-                  <a:pt x="959900" y="106289"/>
-                </a:lnTo>
-                <a:lnTo>
-                  <a:pt x="996234" y="132609"/>
-                </a:lnTo>
-                <a:lnTo>
-                  <a:pt x="1030224" y="161353"/>
-                </a:lnTo>
-                <a:lnTo>
-                  <a:pt x="1061714" y="192379"/>
-                </a:lnTo>
-                <a:lnTo>
-                  <a:pt x="1090550" y="225545"/>
-                </a:lnTo>
-                <a:lnTo>
-                  <a:pt x="1116575" y="260711"/>
-                </a:lnTo>
-                <a:lnTo>
-                  <a:pt x="1139635" y="297733"/>
-                </a:lnTo>
-                <a:lnTo>
-                  <a:pt x="1159573" y="336470"/>
-                </a:lnTo>
-                <a:lnTo>
-                  <a:pt x="1176235" y="376781"/>
-                </a:lnTo>
-                <a:lnTo>
-                  <a:pt x="1189465" y="418524"/>
-                </a:lnTo>
-                <a:lnTo>
-                  <a:pt x="1199107" y="461557"/>
-                </a:lnTo>
-                <a:lnTo>
-                  <a:pt x="1205006" y="505738"/>
-                </a:lnTo>
-                <a:lnTo>
-                  <a:pt x="1207007" y="550925"/>
-                </a:lnTo>
-                <a:lnTo>
-                  <a:pt x="1205006" y="596110"/>
-                </a:lnTo>
-                <a:lnTo>
-                  <a:pt x="1199107" y="640288"/>
-                </a:lnTo>
-                <a:lnTo>
-                  <a:pt x="1189465" y="683319"/>
-                </a:lnTo>
-                <a:lnTo>
-                  <a:pt x="1176235" y="725060"/>
-                </a:lnTo>
-                <a:lnTo>
-                  <a:pt x="1159573" y="765370"/>
-                </a:lnTo>
-                <a:lnTo>
-                  <a:pt x="1139635" y="804107"/>
-                </a:lnTo>
-                <a:lnTo>
-                  <a:pt x="1116575" y="841129"/>
-                </a:lnTo>
-                <a:lnTo>
-                  <a:pt x="1090550" y="876295"/>
-                </a:lnTo>
-                <a:lnTo>
-                  <a:pt x="1061714" y="909462"/>
-                </a:lnTo>
-                <a:lnTo>
-                  <a:pt x="1030224" y="940488"/>
-                </a:lnTo>
-                <a:lnTo>
-                  <a:pt x="996234" y="969233"/>
-                </a:lnTo>
-                <a:lnTo>
-                  <a:pt x="959900" y="995554"/>
-                </a:lnTo>
-                <a:lnTo>
-                  <a:pt x="921378" y="1019310"/>
-                </a:lnTo>
-                <a:lnTo>
-                  <a:pt x="880823" y="1040358"/>
-                </a:lnTo>
-                <a:lnTo>
-                  <a:pt x="838390" y="1058557"/>
-                </a:lnTo>
-                <a:lnTo>
-                  <a:pt x="794235" y="1073765"/>
-                </a:lnTo>
-                <a:lnTo>
-                  <a:pt x="748514" y="1085840"/>
-                </a:lnTo>
-                <a:lnTo>
-                  <a:pt x="701381" y="1094641"/>
-                </a:lnTo>
-                <a:lnTo>
-                  <a:pt x="652992" y="1100025"/>
-                </a:lnTo>
-                <a:lnTo>
-                  <a:pt x="603503" y="1101851"/>
-                </a:lnTo>
-                <a:lnTo>
-                  <a:pt x="554015" y="1100025"/>
-                </a:lnTo>
-                <a:lnTo>
-                  <a:pt x="505626" y="1094641"/>
-                </a:lnTo>
-                <a:lnTo>
-                  <a:pt x="458493" y="1085840"/>
-                </a:lnTo>
-                <a:lnTo>
-                  <a:pt x="412772" y="1073765"/>
-                </a:lnTo>
-                <a:lnTo>
-                  <a:pt x="368617" y="1058557"/>
-                </a:lnTo>
-                <a:lnTo>
-                  <a:pt x="326184" y="1040358"/>
-                </a:lnTo>
-                <a:lnTo>
-                  <a:pt x="285629" y="1019310"/>
-                </a:lnTo>
-                <a:lnTo>
-                  <a:pt x="247107" y="995554"/>
-                </a:lnTo>
-                <a:lnTo>
-                  <a:pt x="210773" y="969233"/>
-                </a:lnTo>
-                <a:lnTo>
-                  <a:pt x="176783" y="940488"/>
-                </a:lnTo>
-                <a:lnTo>
-                  <a:pt x="145293" y="909462"/>
-                </a:lnTo>
-                <a:lnTo>
-                  <a:pt x="116457" y="876295"/>
-                </a:lnTo>
-                <a:lnTo>
-                  <a:pt x="90432" y="841129"/>
-                </a:lnTo>
-                <a:lnTo>
-                  <a:pt x="67372" y="804107"/>
-                </a:lnTo>
-                <a:lnTo>
-                  <a:pt x="47434" y="765370"/>
-                </a:lnTo>
-                <a:lnTo>
-                  <a:pt x="30772" y="725060"/>
-                </a:lnTo>
-                <a:lnTo>
-                  <a:pt x="17542" y="683319"/>
-                </a:lnTo>
-                <a:lnTo>
-                  <a:pt x="7900" y="640288"/>
-                </a:lnTo>
-                <a:lnTo>
-                  <a:pt x="2001" y="596110"/>
-                </a:lnTo>
-                <a:lnTo>
-                  <a:pt x="0" y="550925"/>
-                </a:lnTo>
-                <a:close/>
-              </a:path>
-            </a:pathLst>
-          </a:custGeom>
-          <a:ln w="38099">
-            <a:solidFill>
-              <a:srgbClr val="00AF50"/>
-            </a:solidFill>
-          </a:ln>
-        </p:spPr>
-        <p:txBody>
-          <a:bodyPr wrap="square" lIns="0" tIns="0" rIns="0" bIns="0" rtlCol="0"/>
-          <a:lstStyle/>
-          <a:p>
-            <a:endParaRPr/>
-          </a:p>
-        </p:txBody>
-      </p:sp>
-      <p:sp>
-        <p:nvSpPr>
-          <p:cNvPr id="9" name="object 10">
-            <a:extLst>
-              <a:ext uri="{FF2B5EF4-FFF2-40B4-BE49-F238E27FC236}">
-                <a16:creationId xmlns:a16="http://schemas.microsoft.com/office/drawing/2014/main" id="{2EDCA113-AA64-44DA-B3BC-B96EC087C7A3}"/>
-              </a:ext>
-            </a:extLst>
-          </p:cNvPr>
-          <p:cNvSpPr/>
-          <p:nvPr/>
-        </p:nvSpPr>
-        <p:spPr>
-          <a:xfrm>
-            <a:off x="5011346" y="2548901"/>
-            <a:ext cx="1306195" cy="1080770"/>
-          </a:xfrm>
-          <a:custGeom>
-            <a:avLst/>
-            <a:gdLst/>
-            <a:ahLst/>
-            <a:cxnLst/>
-            <a:rect l="l" t="t" r="r" b="b"/>
-            <a:pathLst>
-              <a:path w="1306195" h="1080770">
-                <a:moveTo>
-                  <a:pt x="0" y="540258"/>
-                </a:moveTo>
-                <a:lnTo>
-                  <a:pt x="2164" y="495955"/>
-                </a:lnTo>
-                <a:lnTo>
-                  <a:pt x="8546" y="452638"/>
-                </a:lnTo>
-                <a:lnTo>
-                  <a:pt x="18977" y="410445"/>
-                </a:lnTo>
-                <a:lnTo>
-                  <a:pt x="33290" y="369515"/>
-                </a:lnTo>
-                <a:lnTo>
-                  <a:pt x="51315" y="329987"/>
-                </a:lnTo>
-                <a:lnTo>
-                  <a:pt x="72886" y="292001"/>
-                </a:lnTo>
-                <a:lnTo>
-                  <a:pt x="97834" y="255696"/>
-                </a:lnTo>
-                <a:lnTo>
-                  <a:pt x="125992" y="221211"/>
-                </a:lnTo>
-                <a:lnTo>
-                  <a:pt x="157190" y="188685"/>
-                </a:lnTo>
-                <a:lnTo>
-                  <a:pt x="191262" y="158257"/>
-                </a:lnTo>
-                <a:lnTo>
-                  <a:pt x="228038" y="130067"/>
-                </a:lnTo>
-                <a:lnTo>
-                  <a:pt x="267352" y="104253"/>
-                </a:lnTo>
-                <a:lnTo>
-                  <a:pt x="309035" y="80955"/>
-                </a:lnTo>
-                <a:lnTo>
-                  <a:pt x="352918" y="60312"/>
-                </a:lnTo>
-                <a:lnTo>
-                  <a:pt x="398835" y="42463"/>
-                </a:lnTo>
-                <a:lnTo>
-                  <a:pt x="446617" y="27547"/>
-                </a:lnTo>
-                <a:lnTo>
-                  <a:pt x="496096" y="15704"/>
-                </a:lnTo>
-                <a:lnTo>
-                  <a:pt x="547103" y="7072"/>
-                </a:lnTo>
-                <a:lnTo>
-                  <a:pt x="599472" y="1791"/>
-                </a:lnTo>
-                <a:lnTo>
-                  <a:pt x="653034" y="0"/>
-                </a:lnTo>
-                <a:lnTo>
-                  <a:pt x="706595" y="1791"/>
-                </a:lnTo>
-                <a:lnTo>
-                  <a:pt x="758964" y="7072"/>
-                </a:lnTo>
-                <a:lnTo>
-                  <a:pt x="809971" y="15704"/>
-                </a:lnTo>
-                <a:lnTo>
-                  <a:pt x="859450" y="27547"/>
-                </a:lnTo>
-                <a:lnTo>
-                  <a:pt x="907232" y="42463"/>
-                </a:lnTo>
-                <a:lnTo>
-                  <a:pt x="953149" y="60312"/>
-                </a:lnTo>
-                <a:lnTo>
-                  <a:pt x="997032" y="80955"/>
-                </a:lnTo>
-                <a:lnTo>
-                  <a:pt x="1038715" y="104253"/>
-                </a:lnTo>
-                <a:lnTo>
-                  <a:pt x="1078029" y="130067"/>
-                </a:lnTo>
-                <a:lnTo>
-                  <a:pt x="1114806" y="158257"/>
-                </a:lnTo>
-                <a:lnTo>
-                  <a:pt x="1148877" y="188685"/>
-                </a:lnTo>
-                <a:lnTo>
-                  <a:pt x="1180075" y="221211"/>
-                </a:lnTo>
-                <a:lnTo>
-                  <a:pt x="1208233" y="255696"/>
-                </a:lnTo>
-                <a:lnTo>
-                  <a:pt x="1233181" y="292001"/>
-                </a:lnTo>
-                <a:lnTo>
-                  <a:pt x="1254752" y="329987"/>
-                </a:lnTo>
-                <a:lnTo>
-                  <a:pt x="1272777" y="369515"/>
-                </a:lnTo>
-                <a:lnTo>
-                  <a:pt x="1287090" y="410445"/>
-                </a:lnTo>
-                <a:lnTo>
-                  <a:pt x="1297521" y="452638"/>
-                </a:lnTo>
-                <a:lnTo>
-                  <a:pt x="1303903" y="495955"/>
-                </a:lnTo>
-                <a:lnTo>
-                  <a:pt x="1306068" y="540258"/>
-                </a:lnTo>
-                <a:lnTo>
-                  <a:pt x="1303903" y="584560"/>
-                </a:lnTo>
-                <a:lnTo>
-                  <a:pt x="1297521" y="627877"/>
-                </a:lnTo>
-                <a:lnTo>
-                  <a:pt x="1287090" y="670070"/>
-                </a:lnTo>
-                <a:lnTo>
-                  <a:pt x="1272777" y="711000"/>
-                </a:lnTo>
-                <a:lnTo>
-                  <a:pt x="1254752" y="750528"/>
-                </a:lnTo>
-                <a:lnTo>
-                  <a:pt x="1233181" y="788514"/>
-                </a:lnTo>
-                <a:lnTo>
-                  <a:pt x="1208233" y="824819"/>
-                </a:lnTo>
-                <a:lnTo>
-                  <a:pt x="1180075" y="859304"/>
-                </a:lnTo>
-                <a:lnTo>
-                  <a:pt x="1148877" y="891830"/>
-                </a:lnTo>
-                <a:lnTo>
-                  <a:pt x="1114806" y="922258"/>
-                </a:lnTo>
-                <a:lnTo>
-                  <a:pt x="1078029" y="950448"/>
-                </a:lnTo>
-                <a:lnTo>
-                  <a:pt x="1038715" y="976262"/>
-                </a:lnTo>
-                <a:lnTo>
-                  <a:pt x="997032" y="999560"/>
-                </a:lnTo>
-                <a:lnTo>
-                  <a:pt x="953149" y="1020203"/>
-                </a:lnTo>
-                <a:lnTo>
-                  <a:pt x="907232" y="1038052"/>
-                </a:lnTo>
-                <a:lnTo>
-                  <a:pt x="859450" y="1052968"/>
-                </a:lnTo>
-                <a:lnTo>
-                  <a:pt x="809971" y="1064811"/>
-                </a:lnTo>
-                <a:lnTo>
-                  <a:pt x="758964" y="1073443"/>
-                </a:lnTo>
-                <a:lnTo>
-                  <a:pt x="706595" y="1078724"/>
-                </a:lnTo>
-                <a:lnTo>
-                  <a:pt x="653034" y="1080516"/>
-                </a:lnTo>
-                <a:lnTo>
-                  <a:pt x="599472" y="1078724"/>
-                </a:lnTo>
-                <a:lnTo>
-                  <a:pt x="547103" y="1073443"/>
-                </a:lnTo>
-                <a:lnTo>
-                  <a:pt x="496096" y="1064811"/>
-                </a:lnTo>
-                <a:lnTo>
-                  <a:pt x="446617" y="1052968"/>
-                </a:lnTo>
-                <a:lnTo>
-                  <a:pt x="398835" y="1038052"/>
-                </a:lnTo>
-                <a:lnTo>
-                  <a:pt x="352918" y="1020203"/>
-                </a:lnTo>
-                <a:lnTo>
-                  <a:pt x="309035" y="999560"/>
-                </a:lnTo>
-                <a:lnTo>
-                  <a:pt x="267352" y="976262"/>
-                </a:lnTo>
-                <a:lnTo>
-                  <a:pt x="228038" y="950448"/>
-                </a:lnTo>
-                <a:lnTo>
-                  <a:pt x="191262" y="922258"/>
-                </a:lnTo>
-                <a:lnTo>
-                  <a:pt x="157190" y="891830"/>
-                </a:lnTo>
-                <a:lnTo>
-                  <a:pt x="125992" y="859304"/>
-                </a:lnTo>
-                <a:lnTo>
-                  <a:pt x="97834" y="824819"/>
-                </a:lnTo>
-                <a:lnTo>
-                  <a:pt x="72886" y="788514"/>
-                </a:lnTo>
-                <a:lnTo>
-                  <a:pt x="51315" y="750528"/>
-                </a:lnTo>
-                <a:lnTo>
-                  <a:pt x="33290" y="711000"/>
-                </a:lnTo>
-                <a:lnTo>
-                  <a:pt x="18977" y="670070"/>
-                </a:lnTo>
-                <a:lnTo>
-                  <a:pt x="8546" y="627877"/>
-                </a:lnTo>
-                <a:lnTo>
-                  <a:pt x="2164" y="584560"/>
-                </a:lnTo>
-                <a:lnTo>
-                  <a:pt x="0" y="540258"/>
-                </a:lnTo>
-                <a:close/>
-              </a:path>
-            </a:pathLst>
-          </a:custGeom>
-          <a:ln w="38100">
-            <a:solidFill>
-              <a:srgbClr val="00AF50"/>
-            </a:solidFill>
-          </a:ln>
-        </p:spPr>
-        <p:txBody>
-          <a:bodyPr wrap="square" lIns="0" tIns="0" rIns="0" bIns="0" rtlCol="0"/>
-          <a:lstStyle/>
-          <a:p>
-            <a:endParaRPr/>
-          </a:p>
-        </p:txBody>
-      </p:sp>
-      <p:sp>
-        <p:nvSpPr>
-          <p:cNvPr id="10" name="object 11">
-            <a:extLst>
-              <a:ext uri="{FF2B5EF4-FFF2-40B4-BE49-F238E27FC236}">
-                <a16:creationId xmlns:a16="http://schemas.microsoft.com/office/drawing/2014/main" id="{88D6BC18-387E-4AF6-8752-F2A9A9A08D9C}"/>
-              </a:ext>
-            </a:extLst>
-          </p:cNvPr>
-          <p:cNvSpPr/>
-          <p:nvPr/>
-        </p:nvSpPr>
-        <p:spPr>
-          <a:xfrm>
-            <a:off x="1893241" y="4513338"/>
-            <a:ext cx="1583690" cy="684530"/>
-          </a:xfrm>
-          <a:custGeom>
-            <a:avLst/>
-            <a:gdLst/>
-            <a:ahLst/>
-            <a:cxnLst/>
-            <a:rect l="l" t="t" r="r" b="b"/>
-            <a:pathLst>
-              <a:path w="1583689" h="684529">
-                <a:moveTo>
-                  <a:pt x="0" y="684276"/>
-                </a:moveTo>
-                <a:lnTo>
-                  <a:pt x="1583436" y="684276"/>
-                </a:lnTo>
-                <a:lnTo>
-                  <a:pt x="1583436" y="0"/>
-                </a:lnTo>
-                <a:lnTo>
-                  <a:pt x="0" y="0"/>
-                </a:lnTo>
-                <a:lnTo>
-                  <a:pt x="0" y="684276"/>
-                </a:lnTo>
-                <a:close/>
-              </a:path>
-            </a:pathLst>
-          </a:custGeom>
-          <a:ln w="38100">
-            <a:solidFill>
-              <a:srgbClr val="006FC0"/>
-            </a:solidFill>
-          </a:ln>
-        </p:spPr>
-        <p:txBody>
-          <a:bodyPr wrap="square" lIns="0" tIns="0" rIns="0" bIns="0" rtlCol="0"/>
-          <a:lstStyle/>
-          <a:p>
-            <a:endParaRPr/>
-          </a:p>
-        </p:txBody>
-      </p:sp>
-      <p:sp>
-        <p:nvSpPr>
-          <p:cNvPr id="11" name="object 12">
-            <a:extLst>
-              <a:ext uri="{FF2B5EF4-FFF2-40B4-BE49-F238E27FC236}">
-                <a16:creationId xmlns:a16="http://schemas.microsoft.com/office/drawing/2014/main" id="{CFB2A653-7385-4BFB-8C6C-935287D50E73}"/>
-              </a:ext>
-            </a:extLst>
-          </p:cNvPr>
-          <p:cNvSpPr/>
-          <p:nvPr/>
-        </p:nvSpPr>
-        <p:spPr>
-          <a:xfrm>
-            <a:off x="6012614" y="3890021"/>
-            <a:ext cx="1007744" cy="763905"/>
-          </a:xfrm>
-          <a:custGeom>
-            <a:avLst/>
-            <a:gdLst/>
-            <a:ahLst/>
-            <a:cxnLst/>
-            <a:rect l="l" t="t" r="r" b="b"/>
-            <a:pathLst>
-              <a:path w="1007745" h="763904">
-                <a:moveTo>
-                  <a:pt x="0" y="763524"/>
-                </a:moveTo>
-                <a:lnTo>
-                  <a:pt x="1007363" y="763524"/>
-                </a:lnTo>
-                <a:lnTo>
-                  <a:pt x="1007363" y="0"/>
-                </a:lnTo>
-                <a:lnTo>
-                  <a:pt x="0" y="0"/>
-                </a:lnTo>
-                <a:lnTo>
-                  <a:pt x="0" y="763524"/>
-                </a:lnTo>
-                <a:close/>
-              </a:path>
-            </a:pathLst>
-          </a:custGeom>
-          <a:ln w="38099">
-            <a:solidFill>
-              <a:srgbClr val="006FC0"/>
-            </a:solidFill>
-          </a:ln>
-        </p:spPr>
-        <p:txBody>
-          <a:bodyPr wrap="square" lIns="0" tIns="0" rIns="0" bIns="0" rtlCol="0"/>
-          <a:lstStyle/>
-          <a:p>
-            <a:endParaRPr/>
-          </a:p>
-        </p:txBody>
-      </p:sp>
-      <p:sp>
-        <p:nvSpPr>
-          <p:cNvPr id="12" name="object 13">
-            <a:extLst>
-              <a:ext uri="{FF2B5EF4-FFF2-40B4-BE49-F238E27FC236}">
-                <a16:creationId xmlns:a16="http://schemas.microsoft.com/office/drawing/2014/main" id="{DB410A75-74DF-464F-AA4B-246509573479}"/>
-              </a:ext>
-            </a:extLst>
-          </p:cNvPr>
-          <p:cNvSpPr/>
-          <p:nvPr/>
-        </p:nvSpPr>
-        <p:spPr>
-          <a:xfrm>
-            <a:off x="3894253" y="3640085"/>
-            <a:ext cx="1614170" cy="1458595"/>
-          </a:xfrm>
-          <a:custGeom>
-            <a:avLst/>
-            <a:gdLst/>
-            <a:ahLst/>
-            <a:cxnLst/>
-            <a:rect l="l" t="t" r="r" b="b"/>
-            <a:pathLst>
-              <a:path w="1614170" h="1458595">
-                <a:moveTo>
-                  <a:pt x="0" y="1458468"/>
-                </a:moveTo>
-                <a:lnTo>
-                  <a:pt x="1613915" y="1458468"/>
-                </a:lnTo>
-                <a:lnTo>
-                  <a:pt x="1613915" y="0"/>
-                </a:lnTo>
-                <a:lnTo>
-                  <a:pt x="0" y="0"/>
-                </a:lnTo>
-                <a:lnTo>
-                  <a:pt x="0" y="1458468"/>
-                </a:lnTo>
-                <a:close/>
-              </a:path>
-            </a:pathLst>
-          </a:custGeom>
-          <a:ln w="38100">
-            <a:solidFill>
-              <a:srgbClr val="006FC0"/>
-            </a:solidFill>
-          </a:ln>
-        </p:spPr>
-        <p:txBody>
-          <a:bodyPr wrap="square" lIns="0" tIns="0" rIns="0" bIns="0" rtlCol="0"/>
-          <a:lstStyle/>
-          <a:p>
-            <a:endParaRPr/>
-          </a:p>
-        </p:txBody>
-      </p:sp>
-      <p:sp>
-        <p:nvSpPr>
-          <p:cNvPr id="19" name="object 8">
-            <a:extLst>
-              <a:ext uri="{FF2B5EF4-FFF2-40B4-BE49-F238E27FC236}">
-                <a16:creationId xmlns:a16="http://schemas.microsoft.com/office/drawing/2014/main" id="{EFE7ADD0-1CA9-428C-A842-745CECEC09F3}"/>
-              </a:ext>
-            </a:extLst>
-          </p:cNvPr>
-          <p:cNvSpPr/>
-          <p:nvPr/>
-        </p:nvSpPr>
-        <p:spPr>
-          <a:xfrm>
-            <a:off x="2307113" y="5265686"/>
-            <a:ext cx="1009015" cy="1224280"/>
-          </a:xfrm>
-          <a:custGeom>
-            <a:avLst/>
-            <a:gdLst/>
-            <a:ahLst/>
-            <a:cxnLst/>
-            <a:rect l="l" t="t" r="r" b="b"/>
-            <a:pathLst>
-              <a:path w="1009014" h="1224279">
-                <a:moveTo>
-                  <a:pt x="0" y="611885"/>
-                </a:moveTo>
-                <a:lnTo>
-                  <a:pt x="1671" y="561701"/>
-                </a:lnTo>
-                <a:lnTo>
-                  <a:pt x="6601" y="512635"/>
-                </a:lnTo>
-                <a:lnTo>
-                  <a:pt x="14658" y="464843"/>
-                </a:lnTo>
-                <a:lnTo>
-                  <a:pt x="25712" y="418483"/>
-                </a:lnTo>
-                <a:lnTo>
-                  <a:pt x="39635" y="373712"/>
-                </a:lnTo>
-                <a:lnTo>
-                  <a:pt x="56297" y="330689"/>
-                </a:lnTo>
-                <a:lnTo>
-                  <a:pt x="75567" y="289571"/>
-                </a:lnTo>
-                <a:lnTo>
-                  <a:pt x="97316" y="250514"/>
-                </a:lnTo>
-                <a:lnTo>
-                  <a:pt x="121414" y="213677"/>
-                </a:lnTo>
-                <a:lnTo>
-                  <a:pt x="147732" y="179217"/>
-                </a:lnTo>
-                <a:lnTo>
-                  <a:pt x="176140" y="147292"/>
-                </a:lnTo>
-                <a:lnTo>
-                  <a:pt x="206508" y="118058"/>
-                </a:lnTo>
-                <a:lnTo>
-                  <a:pt x="238706" y="91674"/>
-                </a:lnTo>
-                <a:lnTo>
-                  <a:pt x="272604" y="68297"/>
-                </a:lnTo>
-                <a:lnTo>
-                  <a:pt x="308074" y="48085"/>
-                </a:lnTo>
-                <a:lnTo>
-                  <a:pt x="344984" y="31194"/>
-                </a:lnTo>
-                <a:lnTo>
-                  <a:pt x="383206" y="17783"/>
-                </a:lnTo>
-                <a:lnTo>
-                  <a:pt x="422610" y="8008"/>
-                </a:lnTo>
-                <a:lnTo>
-                  <a:pt x="463066" y="2028"/>
-                </a:lnTo>
-                <a:lnTo>
-                  <a:pt x="504444" y="0"/>
-                </a:lnTo>
-                <a:lnTo>
-                  <a:pt x="545821" y="2028"/>
-                </a:lnTo>
-                <a:lnTo>
-                  <a:pt x="586277" y="8008"/>
-                </a:lnTo>
-                <a:lnTo>
-                  <a:pt x="625681" y="17783"/>
-                </a:lnTo>
-                <a:lnTo>
-                  <a:pt x="663903" y="31194"/>
-                </a:lnTo>
-                <a:lnTo>
-                  <a:pt x="700813" y="48085"/>
-                </a:lnTo>
-                <a:lnTo>
-                  <a:pt x="736283" y="68297"/>
-                </a:lnTo>
-                <a:lnTo>
-                  <a:pt x="770181" y="91674"/>
-                </a:lnTo>
-                <a:lnTo>
-                  <a:pt x="802379" y="118058"/>
-                </a:lnTo>
-                <a:lnTo>
-                  <a:pt x="832747" y="147292"/>
-                </a:lnTo>
-                <a:lnTo>
-                  <a:pt x="861155" y="179217"/>
-                </a:lnTo>
-                <a:lnTo>
-                  <a:pt x="887473" y="213677"/>
-                </a:lnTo>
-                <a:lnTo>
-                  <a:pt x="911571" y="250514"/>
-                </a:lnTo>
-                <a:lnTo>
-                  <a:pt x="933320" y="289571"/>
-                </a:lnTo>
-                <a:lnTo>
-                  <a:pt x="952590" y="330689"/>
-                </a:lnTo>
-                <a:lnTo>
-                  <a:pt x="969252" y="373712"/>
-                </a:lnTo>
-                <a:lnTo>
-                  <a:pt x="983175" y="418483"/>
-                </a:lnTo>
-                <a:lnTo>
-                  <a:pt x="994229" y="464843"/>
-                </a:lnTo>
-                <a:lnTo>
-                  <a:pt x="1002286" y="512635"/>
-                </a:lnTo>
-                <a:lnTo>
-                  <a:pt x="1007216" y="561701"/>
-                </a:lnTo>
-                <a:lnTo>
-                  <a:pt x="1008888" y="611885"/>
-                </a:lnTo>
-                <a:lnTo>
-                  <a:pt x="1007216" y="662070"/>
-                </a:lnTo>
-                <a:lnTo>
-                  <a:pt x="1002286" y="711136"/>
-                </a:lnTo>
-                <a:lnTo>
-                  <a:pt x="994229" y="758928"/>
-                </a:lnTo>
-                <a:lnTo>
-                  <a:pt x="983175" y="805288"/>
-                </a:lnTo>
-                <a:lnTo>
-                  <a:pt x="969252" y="850059"/>
-                </a:lnTo>
-                <a:lnTo>
-                  <a:pt x="952590" y="893082"/>
-                </a:lnTo>
-                <a:lnTo>
-                  <a:pt x="933320" y="934200"/>
-                </a:lnTo>
-                <a:lnTo>
-                  <a:pt x="911571" y="973257"/>
-                </a:lnTo>
-                <a:lnTo>
-                  <a:pt x="887473" y="1010094"/>
-                </a:lnTo>
-                <a:lnTo>
-                  <a:pt x="861155" y="1044554"/>
-                </a:lnTo>
-                <a:lnTo>
-                  <a:pt x="832747" y="1076479"/>
-                </a:lnTo>
-                <a:lnTo>
-                  <a:pt x="802379" y="1105713"/>
-                </a:lnTo>
-                <a:lnTo>
-                  <a:pt x="770181" y="1132097"/>
-                </a:lnTo>
-                <a:lnTo>
-                  <a:pt x="736283" y="1155474"/>
-                </a:lnTo>
-                <a:lnTo>
-                  <a:pt x="700813" y="1175686"/>
-                </a:lnTo>
-                <a:lnTo>
-                  <a:pt x="663903" y="1192577"/>
-                </a:lnTo>
-                <a:lnTo>
-                  <a:pt x="625681" y="1205988"/>
-                </a:lnTo>
-                <a:lnTo>
-                  <a:pt x="586277" y="1215763"/>
-                </a:lnTo>
-                <a:lnTo>
-                  <a:pt x="545821" y="1221743"/>
-                </a:lnTo>
-                <a:lnTo>
-                  <a:pt x="504444" y="1223771"/>
-                </a:lnTo>
-                <a:lnTo>
-                  <a:pt x="463066" y="1221743"/>
-                </a:lnTo>
-                <a:lnTo>
-                  <a:pt x="422610" y="1215763"/>
-                </a:lnTo>
-                <a:lnTo>
-                  <a:pt x="383206" y="1205988"/>
-                </a:lnTo>
-                <a:lnTo>
-                  <a:pt x="344984" y="1192577"/>
-                </a:lnTo>
-                <a:lnTo>
-                  <a:pt x="308074" y="1175686"/>
-                </a:lnTo>
-                <a:lnTo>
-                  <a:pt x="272604" y="1155474"/>
-                </a:lnTo>
-                <a:lnTo>
-                  <a:pt x="238706" y="1132097"/>
-                </a:lnTo>
-                <a:lnTo>
-                  <a:pt x="206508" y="1105713"/>
-                </a:lnTo>
-                <a:lnTo>
-                  <a:pt x="176140" y="1076479"/>
-                </a:lnTo>
-                <a:lnTo>
-                  <a:pt x="147732" y="1044554"/>
-                </a:lnTo>
-                <a:lnTo>
-                  <a:pt x="121414" y="1010094"/>
-                </a:lnTo>
-                <a:lnTo>
-                  <a:pt x="97316" y="973257"/>
-                </a:lnTo>
-                <a:lnTo>
-                  <a:pt x="75567" y="934200"/>
-                </a:lnTo>
-                <a:lnTo>
-                  <a:pt x="56297" y="893082"/>
-                </a:lnTo>
-                <a:lnTo>
-                  <a:pt x="39635" y="850059"/>
-                </a:lnTo>
-                <a:lnTo>
-                  <a:pt x="25712" y="805288"/>
-                </a:lnTo>
-                <a:lnTo>
-                  <a:pt x="14658" y="758928"/>
-                </a:lnTo>
-                <a:lnTo>
-                  <a:pt x="6601" y="711136"/>
-                </a:lnTo>
-                <a:lnTo>
-                  <a:pt x="1671" y="662070"/>
-                </a:lnTo>
-                <a:lnTo>
-                  <a:pt x="0" y="611885"/>
-                </a:lnTo>
-                <a:close/>
-              </a:path>
-            </a:pathLst>
-          </a:custGeom>
-          <a:ln w="38100">
-            <a:solidFill>
-              <a:srgbClr val="00AF50"/>
-            </a:solidFill>
-          </a:ln>
-        </p:spPr>
-        <p:txBody>
-          <a:bodyPr wrap="square" lIns="0" tIns="0" rIns="0" bIns="0" rtlCol="0"/>
-          <a:lstStyle/>
-          <a:p>
-            <a:endParaRPr/>
-          </a:p>
-        </p:txBody>
-      </p:sp>
-    </p:spTree>
-    <p:extLst>
-      <p:ext uri="{BB962C8B-B14F-4D97-AF65-F5344CB8AC3E}">
-        <p14:creationId xmlns:p14="http://schemas.microsoft.com/office/powerpoint/2010/main" val="690105383"/>
-      </p:ext>
-    </p:extLst>
-  </p:cSld>
-  <p:clrMapOvr>
-    <a:masterClrMapping/>
-  </p:clrMapOvr>
-</p:sld>
-</file>
-
-<file path=ppt/slides/slide5.xml><?xml version="1.0" encoding="utf-8"?>
-<p:sld xmlns:a="http://schemas.openxmlformats.org/drawingml/2006/main" xmlns:r="http://schemas.openxmlformats.org/officeDocument/2006/relationships" xmlns:p="http://schemas.openxmlformats.org/presentationml/2006/main">
-  <p:cSld>
-    <p:spTree>
-      <p:nvGrpSpPr>
-        <p:cNvPr id="1" name=""/>
-        <p:cNvGrpSpPr/>
-        <p:nvPr/>
-      </p:nvGrpSpPr>
-      <p:grpSpPr>
-        <a:xfrm>
-          <a:off x="0" y="0"/>
-          <a:ext cx="0" cy="0"/>
-          <a:chOff x="0" y="0"/>
-          <a:chExt cx="0" cy="0"/>
-        </a:xfrm>
-      </p:grpSpPr>
-      <p:sp>
-        <p:nvSpPr>
-          <p:cNvPr id="21" name="Rectangle 2">
-            <a:extLst>
-              <a:ext uri="{FF2B5EF4-FFF2-40B4-BE49-F238E27FC236}">
-                <a16:creationId xmlns:a16="http://schemas.microsoft.com/office/drawing/2014/main" id="{61F062CC-B1F1-4898-90E3-65665EC625FD}"/>
-              </a:ext>
-            </a:extLst>
-          </p:cNvPr>
-          <p:cNvSpPr txBox="1">
-            <a:spLocks noChangeArrowheads="1"/>
-          </p:cNvSpPr>
-          <p:nvPr/>
-        </p:nvSpPr>
-        <p:spPr>
-          <a:xfrm>
-            <a:off x="89756" y="6221"/>
-            <a:ext cx="8964488" cy="1143000"/>
-          </a:xfrm>
-          <a:prstGeom prst="rect">
-            <a:avLst/>
-          </a:prstGeom>
-        </p:spPr>
-        <p:txBody>
-          <a:bodyPr vert="horz" lIns="92075" tIns="46038" rIns="92075" bIns="46038" rtlCol="0" anchor="ctr">
-            <a:noAutofit/>
-          </a:bodyPr>
-          <a:lstStyle>
-            <a:lvl1pPr algn="ctr" defTabSz="914400" rtl="0" eaLnBrk="1" latinLnBrk="0" hangingPunct="1">
-              <a:spcBef>
-                <a:spcPct val="0"/>
-              </a:spcBef>
-              <a:buNone/>
-              <a:defRPr sz="4400" kern="1200">
-                <a:solidFill>
-                  <a:schemeClr val="tx1"/>
-                </a:solidFill>
-                <a:latin typeface="+mj-lt"/>
-                <a:ea typeface="+mj-ea"/>
-                <a:cs typeface="+mj-cs"/>
-              </a:defRPr>
-            </a:lvl1pPr>
-          </a:lstStyle>
-          <a:p>
-            <a:pPr>
-              <a:defRPr/>
-            </a:pPr>
-            <a:r>
-              <a:rPr lang="es-ES_tradnl" sz="3200" dirty="0">
-                <a:solidFill>
-                  <a:srgbClr val="3333CC"/>
-                </a:solidFill>
-                <a:effectLst>
-                  <a:outerShdw blurRad="38100" dist="38100" dir="2700000" algn="tl">
-                    <a:srgbClr val="C0C0C0"/>
-                  </a:outerShdw>
-                </a:effectLst>
-                <a:latin typeface="Dom Casual" charset="0"/>
-              </a:rPr>
-              <a:t> </a:t>
-            </a:r>
-            <a:r>
-              <a:rPr lang="es-ES_tradnl" sz="3200" b="1" dirty="0">
-                <a:solidFill>
-                  <a:schemeClr val="accent4">
-                    <a:lumMod val="50000"/>
-                  </a:schemeClr>
-                </a:solidFill>
-                <a:effectLst>
-                  <a:outerShdw blurRad="38100" dist="38100" dir="2700000" algn="tl">
-                    <a:srgbClr val="C0C0C0"/>
-                  </a:outerShdw>
-                </a:effectLst>
-                <a:latin typeface="Dom Casual" charset="0"/>
-              </a:rPr>
-              <a:t>Máscaras de longitud variable (VLSM)</a:t>
-            </a:r>
-            <a:endParaRPr lang="es-ES_tradnl" sz="2400" b="1" dirty="0">
-              <a:solidFill>
-                <a:schemeClr val="accent5">
-                  <a:lumMod val="75000"/>
-                </a:schemeClr>
-              </a:solidFill>
-              <a:effectLst>
-                <a:outerShdw blurRad="38100" dist="38100" dir="2700000" algn="tl">
-                  <a:srgbClr val="C0C0C0"/>
-                </a:outerShdw>
-              </a:effectLst>
-              <a:latin typeface="Dom Casual" charset="0"/>
-            </a:endParaRPr>
-          </a:p>
-        </p:txBody>
-      </p:sp>
-      <p:sp>
-        <p:nvSpPr>
-          <p:cNvPr id="22" name="CuadroTexto 21">
-            <a:extLst>
-              <a:ext uri="{FF2B5EF4-FFF2-40B4-BE49-F238E27FC236}">
-                <a16:creationId xmlns:a16="http://schemas.microsoft.com/office/drawing/2014/main" id="{BD3AB074-230D-4CBC-A8E4-73F8EA269928}"/>
-              </a:ext>
-            </a:extLst>
-          </p:cNvPr>
-          <p:cNvSpPr txBox="1"/>
-          <p:nvPr/>
-        </p:nvSpPr>
-        <p:spPr>
-          <a:xfrm>
-            <a:off x="232961" y="1207570"/>
-            <a:ext cx="8678078" cy="1034899"/>
-          </a:xfrm>
-          <a:prstGeom prst="rect">
-            <a:avLst/>
-          </a:prstGeom>
-          <a:noFill/>
-        </p:spPr>
-        <p:txBody>
-          <a:bodyPr wrap="square" rtlCol="0">
-            <a:spAutoFit/>
-          </a:bodyPr>
-          <a:lstStyle/>
-          <a:p>
-            <a:pPr algn="just">
-              <a:lnSpc>
-                <a:spcPts val="2500"/>
-              </a:lnSpc>
-            </a:pPr>
-            <a:r>
-              <a:rPr lang="es-ES" dirty="0"/>
-              <a:t>Si la dirección IP asignada es </a:t>
-            </a:r>
-            <a:r>
-              <a:rPr lang="es-ES" b="1" dirty="0"/>
-              <a:t>192.168.128.0</a:t>
-            </a:r>
-            <a:r>
-              <a:rPr lang="es-ES" dirty="0"/>
-              <a:t> ¿Cómo sería el esquema de direccionamiento lógico?</a:t>
-            </a:r>
-            <a:endParaRPr lang="es-MX" dirty="0"/>
-          </a:p>
-          <a:p>
-            <a:pPr algn="just">
-              <a:lnSpc>
-                <a:spcPts val="2500"/>
-              </a:lnSpc>
-            </a:pPr>
-            <a:endParaRPr lang="es-ES" b="1" dirty="0"/>
-          </a:p>
-        </p:txBody>
-      </p:sp>
-      <p:sp>
-        <p:nvSpPr>
-          <p:cNvPr id="5" name="object 2">
-            <a:extLst>
-              <a:ext uri="{FF2B5EF4-FFF2-40B4-BE49-F238E27FC236}">
-                <a16:creationId xmlns:a16="http://schemas.microsoft.com/office/drawing/2014/main" id="{E6A3F269-F3B7-4793-9A0E-FD0668A1FCA6}"/>
-              </a:ext>
-            </a:extLst>
-          </p:cNvPr>
-          <p:cNvSpPr/>
-          <p:nvPr/>
-        </p:nvSpPr>
-        <p:spPr>
-          <a:xfrm>
-            <a:off x="33869" y="2195370"/>
-            <a:ext cx="7056120" cy="3794760"/>
-          </a:xfrm>
-          <a:prstGeom prst="rect">
-            <a:avLst/>
-          </a:prstGeom>
-          <a:blipFill>
-            <a:blip r:embed="rId3" cstate="print"/>
-            <a:stretch>
-              <a:fillRect/>
-            </a:stretch>
-          </a:blipFill>
-        </p:spPr>
-        <p:txBody>
-          <a:bodyPr wrap="square" lIns="0" tIns="0" rIns="0" bIns="0" rtlCol="0"/>
-          <a:lstStyle/>
-          <a:p>
-            <a:endParaRPr/>
-          </a:p>
-        </p:txBody>
-      </p:sp>
-      <p:sp>
-        <p:nvSpPr>
-          <p:cNvPr id="6" name="object 6">
-            <a:extLst>
-              <a:ext uri="{FF2B5EF4-FFF2-40B4-BE49-F238E27FC236}">
-                <a16:creationId xmlns:a16="http://schemas.microsoft.com/office/drawing/2014/main" id="{92637FF6-BAD5-43A3-816E-652C0B656E75}"/>
-              </a:ext>
-            </a:extLst>
-          </p:cNvPr>
-          <p:cNvSpPr/>
-          <p:nvPr/>
-        </p:nvSpPr>
-        <p:spPr>
-          <a:xfrm>
-            <a:off x="465922" y="4284012"/>
-            <a:ext cx="1009015" cy="1224280"/>
-          </a:xfrm>
-          <a:custGeom>
-            <a:avLst/>
-            <a:gdLst/>
-            <a:ahLst/>
-            <a:cxnLst/>
-            <a:rect l="l" t="t" r="r" b="b"/>
-            <a:pathLst>
-              <a:path w="1009014" h="1224279">
-                <a:moveTo>
-                  <a:pt x="0" y="611886"/>
-                </a:moveTo>
-                <a:lnTo>
-                  <a:pt x="1671" y="561700"/>
-                </a:lnTo>
-                <a:lnTo>
-                  <a:pt x="6601" y="512632"/>
-                </a:lnTo>
-                <a:lnTo>
-                  <a:pt x="14658" y="464838"/>
-                </a:lnTo>
-                <a:lnTo>
-                  <a:pt x="25712" y="418478"/>
-                </a:lnTo>
-                <a:lnTo>
-                  <a:pt x="39635" y="373707"/>
-                </a:lnTo>
-                <a:lnTo>
-                  <a:pt x="56297" y="330683"/>
-                </a:lnTo>
-                <a:lnTo>
-                  <a:pt x="75567" y="289565"/>
-                </a:lnTo>
-                <a:lnTo>
-                  <a:pt x="97316" y="250509"/>
-                </a:lnTo>
-                <a:lnTo>
-                  <a:pt x="121414" y="213672"/>
-                </a:lnTo>
-                <a:lnTo>
-                  <a:pt x="147732" y="179212"/>
-                </a:lnTo>
-                <a:lnTo>
-                  <a:pt x="176140" y="147287"/>
-                </a:lnTo>
-                <a:lnTo>
-                  <a:pt x="206508" y="118055"/>
-                </a:lnTo>
-                <a:lnTo>
-                  <a:pt x="238706" y="91671"/>
-                </a:lnTo>
-                <a:lnTo>
-                  <a:pt x="272604" y="68295"/>
-                </a:lnTo>
-                <a:lnTo>
-                  <a:pt x="308074" y="48083"/>
-                </a:lnTo>
-                <a:lnTo>
-                  <a:pt x="344984" y="31193"/>
-                </a:lnTo>
-                <a:lnTo>
-                  <a:pt x="383206" y="17782"/>
-                </a:lnTo>
-                <a:lnTo>
-                  <a:pt x="422610" y="8008"/>
-                </a:lnTo>
-                <a:lnTo>
-                  <a:pt x="463066" y="2028"/>
-                </a:lnTo>
-                <a:lnTo>
-                  <a:pt x="504444" y="0"/>
-                </a:lnTo>
-                <a:lnTo>
-                  <a:pt x="545821" y="2028"/>
-                </a:lnTo>
-                <a:lnTo>
-                  <a:pt x="586277" y="8008"/>
-                </a:lnTo>
-                <a:lnTo>
-                  <a:pt x="625681" y="17782"/>
-                </a:lnTo>
-                <a:lnTo>
-                  <a:pt x="663903" y="31193"/>
-                </a:lnTo>
-                <a:lnTo>
-                  <a:pt x="700813" y="48083"/>
-                </a:lnTo>
-                <a:lnTo>
-                  <a:pt x="736283" y="68295"/>
-                </a:lnTo>
-                <a:lnTo>
-                  <a:pt x="770181" y="91671"/>
-                </a:lnTo>
-                <a:lnTo>
-                  <a:pt x="802379" y="118055"/>
-                </a:lnTo>
-                <a:lnTo>
-                  <a:pt x="832747" y="147287"/>
-                </a:lnTo>
-                <a:lnTo>
-                  <a:pt x="861155" y="179212"/>
-                </a:lnTo>
-                <a:lnTo>
-                  <a:pt x="887473" y="213672"/>
-                </a:lnTo>
-                <a:lnTo>
-                  <a:pt x="911571" y="250509"/>
-                </a:lnTo>
-                <a:lnTo>
-                  <a:pt x="933320" y="289565"/>
-                </a:lnTo>
-                <a:lnTo>
-                  <a:pt x="952590" y="330683"/>
-                </a:lnTo>
-                <a:lnTo>
-                  <a:pt x="969252" y="373707"/>
-                </a:lnTo>
-                <a:lnTo>
-                  <a:pt x="983175" y="418478"/>
-                </a:lnTo>
-                <a:lnTo>
-                  <a:pt x="994229" y="464838"/>
-                </a:lnTo>
-                <a:lnTo>
-                  <a:pt x="1002286" y="512632"/>
-                </a:lnTo>
-                <a:lnTo>
-                  <a:pt x="1007216" y="561700"/>
-                </a:lnTo>
-                <a:lnTo>
-                  <a:pt x="1008888" y="611886"/>
-                </a:lnTo>
-                <a:lnTo>
-                  <a:pt x="1007216" y="662070"/>
-                </a:lnTo>
-                <a:lnTo>
-                  <a:pt x="1002286" y="711136"/>
-                </a:lnTo>
-                <a:lnTo>
-                  <a:pt x="994229" y="758928"/>
-                </a:lnTo>
-                <a:lnTo>
-                  <a:pt x="983175" y="805288"/>
-                </a:lnTo>
-                <a:lnTo>
-                  <a:pt x="969252" y="850059"/>
-                </a:lnTo>
-                <a:lnTo>
-                  <a:pt x="952590" y="893082"/>
-                </a:lnTo>
-                <a:lnTo>
-                  <a:pt x="933320" y="934200"/>
-                </a:lnTo>
-                <a:lnTo>
-                  <a:pt x="911571" y="973257"/>
-                </a:lnTo>
-                <a:lnTo>
-                  <a:pt x="887473" y="1010094"/>
-                </a:lnTo>
-                <a:lnTo>
-                  <a:pt x="861155" y="1044554"/>
-                </a:lnTo>
-                <a:lnTo>
-                  <a:pt x="832747" y="1076479"/>
-                </a:lnTo>
-                <a:lnTo>
-                  <a:pt x="802379" y="1105713"/>
-                </a:lnTo>
-                <a:lnTo>
-                  <a:pt x="770181" y="1132097"/>
-                </a:lnTo>
-                <a:lnTo>
-                  <a:pt x="736283" y="1155474"/>
-                </a:lnTo>
-                <a:lnTo>
-                  <a:pt x="700813" y="1175686"/>
-                </a:lnTo>
-                <a:lnTo>
-                  <a:pt x="663903" y="1192577"/>
-                </a:lnTo>
-                <a:lnTo>
-                  <a:pt x="625681" y="1205988"/>
-                </a:lnTo>
-                <a:lnTo>
-                  <a:pt x="586277" y="1215763"/>
-                </a:lnTo>
-                <a:lnTo>
-                  <a:pt x="545821" y="1221743"/>
-                </a:lnTo>
-                <a:lnTo>
-                  <a:pt x="504444" y="1223772"/>
-                </a:lnTo>
-                <a:lnTo>
-                  <a:pt x="463066" y="1221743"/>
-                </a:lnTo>
-                <a:lnTo>
-                  <a:pt x="422610" y="1215763"/>
-                </a:lnTo>
-                <a:lnTo>
-                  <a:pt x="383206" y="1205988"/>
-                </a:lnTo>
-                <a:lnTo>
-                  <a:pt x="344984" y="1192577"/>
-                </a:lnTo>
-                <a:lnTo>
-                  <a:pt x="308074" y="1175686"/>
-                </a:lnTo>
-                <a:lnTo>
-                  <a:pt x="272604" y="1155474"/>
-                </a:lnTo>
-                <a:lnTo>
-                  <a:pt x="238706" y="1132097"/>
-                </a:lnTo>
-                <a:lnTo>
-                  <a:pt x="206508" y="1105713"/>
-                </a:lnTo>
-                <a:lnTo>
-                  <a:pt x="176140" y="1076479"/>
-                </a:lnTo>
-                <a:lnTo>
-                  <a:pt x="147732" y="1044554"/>
-                </a:lnTo>
-                <a:lnTo>
-                  <a:pt x="121414" y="1010094"/>
-                </a:lnTo>
-                <a:lnTo>
-                  <a:pt x="97316" y="973257"/>
-                </a:lnTo>
-                <a:lnTo>
-                  <a:pt x="75567" y="934200"/>
-                </a:lnTo>
-                <a:lnTo>
-                  <a:pt x="56297" y="893082"/>
-                </a:lnTo>
-                <a:lnTo>
-                  <a:pt x="39635" y="850059"/>
-                </a:lnTo>
-                <a:lnTo>
-                  <a:pt x="25712" y="805288"/>
-                </a:lnTo>
-                <a:lnTo>
-                  <a:pt x="14658" y="758928"/>
-                </a:lnTo>
-                <a:lnTo>
-                  <a:pt x="6601" y="711136"/>
-                </a:lnTo>
-                <a:lnTo>
-                  <a:pt x="1671" y="662070"/>
-                </a:lnTo>
-                <a:lnTo>
-                  <a:pt x="0" y="611886"/>
-                </a:lnTo>
-                <a:close/>
-              </a:path>
-            </a:pathLst>
-          </a:custGeom>
-          <a:ln w="38100">
-            <a:solidFill>
-              <a:srgbClr val="00AF50"/>
-            </a:solidFill>
-          </a:ln>
-        </p:spPr>
-        <p:txBody>
-          <a:bodyPr wrap="square" lIns="0" tIns="0" rIns="0" bIns="0" rtlCol="0"/>
-          <a:lstStyle/>
-          <a:p>
-            <a:endParaRPr/>
-          </a:p>
-        </p:txBody>
-      </p:sp>
-      <p:sp>
-        <p:nvSpPr>
-          <p:cNvPr id="7" name="object 8">
-            <a:extLst>
-              <a:ext uri="{FF2B5EF4-FFF2-40B4-BE49-F238E27FC236}">
-                <a16:creationId xmlns:a16="http://schemas.microsoft.com/office/drawing/2014/main" id="{6EE84767-0043-41AD-BACB-90194998BE02}"/>
-              </a:ext>
-            </a:extLst>
-          </p:cNvPr>
-          <p:cNvSpPr/>
-          <p:nvPr/>
-        </p:nvSpPr>
-        <p:spPr>
-          <a:xfrm>
-            <a:off x="2636099" y="4968287"/>
-            <a:ext cx="1009015" cy="1224280"/>
-          </a:xfrm>
-          <a:custGeom>
-            <a:avLst/>
-            <a:gdLst/>
-            <a:ahLst/>
-            <a:cxnLst/>
-            <a:rect l="l" t="t" r="r" b="b"/>
-            <a:pathLst>
-              <a:path w="1009014" h="1224279">
-                <a:moveTo>
-                  <a:pt x="0" y="611885"/>
-                </a:moveTo>
-                <a:lnTo>
-                  <a:pt x="1671" y="561701"/>
-                </a:lnTo>
-                <a:lnTo>
-                  <a:pt x="6601" y="512635"/>
-                </a:lnTo>
-                <a:lnTo>
-                  <a:pt x="14658" y="464843"/>
-                </a:lnTo>
-                <a:lnTo>
-                  <a:pt x="25712" y="418483"/>
-                </a:lnTo>
-                <a:lnTo>
-                  <a:pt x="39635" y="373712"/>
-                </a:lnTo>
-                <a:lnTo>
-                  <a:pt x="56297" y="330689"/>
-                </a:lnTo>
-                <a:lnTo>
-                  <a:pt x="75567" y="289571"/>
-                </a:lnTo>
-                <a:lnTo>
-                  <a:pt x="97316" y="250514"/>
-                </a:lnTo>
-                <a:lnTo>
-                  <a:pt x="121414" y="213677"/>
-                </a:lnTo>
-                <a:lnTo>
-                  <a:pt x="147732" y="179217"/>
-                </a:lnTo>
-                <a:lnTo>
-                  <a:pt x="176140" y="147292"/>
-                </a:lnTo>
-                <a:lnTo>
-                  <a:pt x="206508" y="118058"/>
-                </a:lnTo>
-                <a:lnTo>
-                  <a:pt x="238706" y="91674"/>
-                </a:lnTo>
-                <a:lnTo>
-                  <a:pt x="272604" y="68297"/>
-                </a:lnTo>
-                <a:lnTo>
-                  <a:pt x="308074" y="48085"/>
-                </a:lnTo>
-                <a:lnTo>
-                  <a:pt x="344984" y="31194"/>
-                </a:lnTo>
-                <a:lnTo>
-                  <a:pt x="383206" y="17783"/>
-                </a:lnTo>
-                <a:lnTo>
-                  <a:pt x="422610" y="8008"/>
-                </a:lnTo>
-                <a:lnTo>
-                  <a:pt x="463066" y="2028"/>
-                </a:lnTo>
-                <a:lnTo>
-                  <a:pt x="504444" y="0"/>
-                </a:lnTo>
-                <a:lnTo>
-                  <a:pt x="545821" y="2028"/>
-                </a:lnTo>
-                <a:lnTo>
-                  <a:pt x="586277" y="8008"/>
-                </a:lnTo>
-                <a:lnTo>
-                  <a:pt x="625681" y="17783"/>
-                </a:lnTo>
-                <a:lnTo>
-                  <a:pt x="663903" y="31194"/>
-                </a:lnTo>
-                <a:lnTo>
-                  <a:pt x="700813" y="48085"/>
-                </a:lnTo>
-                <a:lnTo>
-                  <a:pt x="736283" y="68297"/>
-                </a:lnTo>
-                <a:lnTo>
-                  <a:pt x="770181" y="91674"/>
-                </a:lnTo>
-                <a:lnTo>
-                  <a:pt x="802379" y="118058"/>
-                </a:lnTo>
-                <a:lnTo>
-                  <a:pt x="832747" y="147292"/>
-                </a:lnTo>
-                <a:lnTo>
-                  <a:pt x="861155" y="179217"/>
-                </a:lnTo>
-                <a:lnTo>
-                  <a:pt x="887473" y="213677"/>
-                </a:lnTo>
-                <a:lnTo>
-                  <a:pt x="911571" y="250514"/>
-                </a:lnTo>
-                <a:lnTo>
-                  <a:pt x="933320" y="289571"/>
-                </a:lnTo>
-                <a:lnTo>
-                  <a:pt x="952590" y="330689"/>
-                </a:lnTo>
-                <a:lnTo>
-                  <a:pt x="969252" y="373712"/>
-                </a:lnTo>
-                <a:lnTo>
-                  <a:pt x="983175" y="418483"/>
-                </a:lnTo>
-                <a:lnTo>
-                  <a:pt x="994229" y="464843"/>
-                </a:lnTo>
-                <a:lnTo>
-                  <a:pt x="1002286" y="512635"/>
-                </a:lnTo>
-                <a:lnTo>
-                  <a:pt x="1007216" y="561701"/>
-                </a:lnTo>
-                <a:lnTo>
-                  <a:pt x="1008888" y="611885"/>
-                </a:lnTo>
-                <a:lnTo>
-                  <a:pt x="1007216" y="662070"/>
-                </a:lnTo>
-                <a:lnTo>
-                  <a:pt x="1002286" y="711136"/>
-                </a:lnTo>
-                <a:lnTo>
-                  <a:pt x="994229" y="758928"/>
-                </a:lnTo>
-                <a:lnTo>
-                  <a:pt x="983175" y="805288"/>
-                </a:lnTo>
-                <a:lnTo>
-                  <a:pt x="969252" y="850059"/>
-                </a:lnTo>
-                <a:lnTo>
-                  <a:pt x="952590" y="893082"/>
-                </a:lnTo>
-                <a:lnTo>
-                  <a:pt x="933320" y="934200"/>
-                </a:lnTo>
-                <a:lnTo>
-                  <a:pt x="911571" y="973257"/>
-                </a:lnTo>
-                <a:lnTo>
-                  <a:pt x="887473" y="1010094"/>
-                </a:lnTo>
-                <a:lnTo>
-                  <a:pt x="861155" y="1044554"/>
-                </a:lnTo>
-                <a:lnTo>
-                  <a:pt x="832747" y="1076479"/>
-                </a:lnTo>
-                <a:lnTo>
-                  <a:pt x="802379" y="1105713"/>
-                </a:lnTo>
-                <a:lnTo>
-                  <a:pt x="770181" y="1132097"/>
-                </a:lnTo>
-                <a:lnTo>
-                  <a:pt x="736283" y="1155474"/>
-                </a:lnTo>
-                <a:lnTo>
-                  <a:pt x="700813" y="1175686"/>
-                </a:lnTo>
-                <a:lnTo>
-                  <a:pt x="663903" y="1192577"/>
-                </a:lnTo>
-                <a:lnTo>
-                  <a:pt x="625681" y="1205988"/>
-                </a:lnTo>
-                <a:lnTo>
-                  <a:pt x="586277" y="1215763"/>
-                </a:lnTo>
-                <a:lnTo>
-                  <a:pt x="545821" y="1221743"/>
-                </a:lnTo>
-                <a:lnTo>
-                  <a:pt x="504444" y="1223771"/>
-                </a:lnTo>
-                <a:lnTo>
-                  <a:pt x="463066" y="1221743"/>
-                </a:lnTo>
-                <a:lnTo>
-                  <a:pt x="422610" y="1215763"/>
-                </a:lnTo>
-                <a:lnTo>
-                  <a:pt x="383206" y="1205988"/>
-                </a:lnTo>
-                <a:lnTo>
-                  <a:pt x="344984" y="1192577"/>
-                </a:lnTo>
-                <a:lnTo>
-                  <a:pt x="308074" y="1175686"/>
-                </a:lnTo>
-                <a:lnTo>
-                  <a:pt x="272604" y="1155474"/>
-                </a:lnTo>
-                <a:lnTo>
-                  <a:pt x="238706" y="1132097"/>
-                </a:lnTo>
-                <a:lnTo>
-                  <a:pt x="206508" y="1105713"/>
-                </a:lnTo>
-                <a:lnTo>
-                  <a:pt x="176140" y="1076479"/>
-                </a:lnTo>
-                <a:lnTo>
-                  <a:pt x="147732" y="1044554"/>
-                </a:lnTo>
-                <a:lnTo>
-                  <a:pt x="121414" y="1010094"/>
-                </a:lnTo>
-                <a:lnTo>
-                  <a:pt x="97316" y="973257"/>
-                </a:lnTo>
-                <a:lnTo>
-                  <a:pt x="75567" y="934200"/>
-                </a:lnTo>
-                <a:lnTo>
-                  <a:pt x="56297" y="893082"/>
-                </a:lnTo>
-                <a:lnTo>
-                  <a:pt x="39635" y="850059"/>
-                </a:lnTo>
-                <a:lnTo>
-                  <a:pt x="25712" y="805288"/>
-                </a:lnTo>
-                <a:lnTo>
-                  <a:pt x="14658" y="758928"/>
-                </a:lnTo>
-                <a:lnTo>
-                  <a:pt x="6601" y="711136"/>
-                </a:lnTo>
-                <a:lnTo>
-                  <a:pt x="1671" y="662070"/>
-                </a:lnTo>
-                <a:lnTo>
-                  <a:pt x="0" y="611885"/>
-                </a:lnTo>
-                <a:close/>
-              </a:path>
-            </a:pathLst>
-          </a:custGeom>
-          <a:ln w="38100">
-            <a:solidFill>
-              <a:srgbClr val="00AF50"/>
-            </a:solidFill>
-          </a:ln>
-        </p:spPr>
-        <p:txBody>
-          <a:bodyPr wrap="square" lIns="0" tIns="0" rIns="0" bIns="0" rtlCol="0"/>
-          <a:lstStyle/>
-          <a:p>
-            <a:endParaRPr/>
-          </a:p>
-        </p:txBody>
-      </p:sp>
-      <p:sp>
-        <p:nvSpPr>
-          <p:cNvPr id="8" name="object 9">
-            <a:extLst>
-              <a:ext uri="{FF2B5EF4-FFF2-40B4-BE49-F238E27FC236}">
-                <a16:creationId xmlns:a16="http://schemas.microsoft.com/office/drawing/2014/main" id="{CCE6FDA3-F9DC-4D00-9BC8-DC06FFBA92DC}"/>
-              </a:ext>
-            </a:extLst>
-          </p:cNvPr>
-          <p:cNvSpPr/>
-          <p:nvPr/>
-        </p:nvSpPr>
-        <p:spPr>
-          <a:xfrm>
-            <a:off x="5595706" y="4767119"/>
-            <a:ext cx="1207135" cy="1102360"/>
-          </a:xfrm>
-          <a:custGeom>
-            <a:avLst/>
-            <a:gdLst/>
-            <a:ahLst/>
-            <a:cxnLst/>
-            <a:rect l="l" t="t" r="r" b="b"/>
-            <a:pathLst>
-              <a:path w="1207134" h="1102360">
-                <a:moveTo>
-                  <a:pt x="0" y="550925"/>
-                </a:moveTo>
-                <a:lnTo>
-                  <a:pt x="2001" y="505738"/>
-                </a:lnTo>
-                <a:lnTo>
-                  <a:pt x="7900" y="461557"/>
-                </a:lnTo>
-                <a:lnTo>
-                  <a:pt x="17542" y="418524"/>
-                </a:lnTo>
-                <a:lnTo>
-                  <a:pt x="30772" y="376781"/>
-                </a:lnTo>
-                <a:lnTo>
-                  <a:pt x="47434" y="336470"/>
-                </a:lnTo>
-                <a:lnTo>
-                  <a:pt x="67372" y="297733"/>
-                </a:lnTo>
-                <a:lnTo>
-                  <a:pt x="90432" y="260711"/>
-                </a:lnTo>
-                <a:lnTo>
-                  <a:pt x="116457" y="225545"/>
-                </a:lnTo>
-                <a:lnTo>
-                  <a:pt x="145293" y="192379"/>
-                </a:lnTo>
-                <a:lnTo>
-                  <a:pt x="176783" y="161353"/>
-                </a:lnTo>
-                <a:lnTo>
-                  <a:pt x="210773" y="132609"/>
-                </a:lnTo>
-                <a:lnTo>
-                  <a:pt x="247107" y="106289"/>
-                </a:lnTo>
-                <a:lnTo>
-                  <a:pt x="285629" y="82535"/>
-                </a:lnTo>
-                <a:lnTo>
-                  <a:pt x="326184" y="61488"/>
-                </a:lnTo>
-                <a:lnTo>
-                  <a:pt x="368617" y="43291"/>
-                </a:lnTo>
-                <a:lnTo>
-                  <a:pt x="412772" y="28084"/>
-                </a:lnTo>
-                <a:lnTo>
-                  <a:pt x="458493" y="16010"/>
-                </a:lnTo>
-                <a:lnTo>
-                  <a:pt x="505626" y="7210"/>
-                </a:lnTo>
-                <a:lnTo>
-                  <a:pt x="554015" y="1826"/>
-                </a:lnTo>
-                <a:lnTo>
-                  <a:pt x="603503" y="0"/>
-                </a:lnTo>
-                <a:lnTo>
-                  <a:pt x="652992" y="1826"/>
-                </a:lnTo>
-                <a:lnTo>
-                  <a:pt x="701381" y="7210"/>
-                </a:lnTo>
-                <a:lnTo>
-                  <a:pt x="748514" y="16010"/>
-                </a:lnTo>
-                <a:lnTo>
-                  <a:pt x="794235" y="28084"/>
-                </a:lnTo>
-                <a:lnTo>
-                  <a:pt x="838390" y="43291"/>
-                </a:lnTo>
-                <a:lnTo>
-                  <a:pt x="880823" y="61488"/>
-                </a:lnTo>
-                <a:lnTo>
-                  <a:pt x="921378" y="82535"/>
-                </a:lnTo>
-                <a:lnTo>
-                  <a:pt x="959900" y="106289"/>
-                </a:lnTo>
-                <a:lnTo>
-                  <a:pt x="996234" y="132609"/>
-                </a:lnTo>
-                <a:lnTo>
-                  <a:pt x="1030224" y="161353"/>
-                </a:lnTo>
-                <a:lnTo>
-                  <a:pt x="1061714" y="192379"/>
-                </a:lnTo>
-                <a:lnTo>
-                  <a:pt x="1090550" y="225545"/>
-                </a:lnTo>
-                <a:lnTo>
-                  <a:pt x="1116575" y="260711"/>
-                </a:lnTo>
-                <a:lnTo>
-                  <a:pt x="1139635" y="297733"/>
-                </a:lnTo>
-                <a:lnTo>
-                  <a:pt x="1159573" y="336470"/>
-                </a:lnTo>
-                <a:lnTo>
-                  <a:pt x="1176235" y="376781"/>
-                </a:lnTo>
-                <a:lnTo>
-                  <a:pt x="1189465" y="418524"/>
-                </a:lnTo>
-                <a:lnTo>
-                  <a:pt x="1199107" y="461557"/>
-                </a:lnTo>
-                <a:lnTo>
-                  <a:pt x="1205006" y="505738"/>
-                </a:lnTo>
-                <a:lnTo>
-                  <a:pt x="1207007" y="550925"/>
-                </a:lnTo>
-                <a:lnTo>
-                  <a:pt x="1205006" y="596110"/>
-                </a:lnTo>
-                <a:lnTo>
-                  <a:pt x="1199107" y="640288"/>
-                </a:lnTo>
-                <a:lnTo>
-                  <a:pt x="1189465" y="683319"/>
-                </a:lnTo>
-                <a:lnTo>
-                  <a:pt x="1176235" y="725060"/>
-                </a:lnTo>
-                <a:lnTo>
-                  <a:pt x="1159573" y="765370"/>
-                </a:lnTo>
-                <a:lnTo>
-                  <a:pt x="1139635" y="804107"/>
-                </a:lnTo>
-                <a:lnTo>
-                  <a:pt x="1116575" y="841129"/>
-                </a:lnTo>
-                <a:lnTo>
-                  <a:pt x="1090550" y="876295"/>
-                </a:lnTo>
-                <a:lnTo>
-                  <a:pt x="1061714" y="909462"/>
-                </a:lnTo>
-                <a:lnTo>
-                  <a:pt x="1030224" y="940488"/>
-                </a:lnTo>
-                <a:lnTo>
-                  <a:pt x="996234" y="969233"/>
-                </a:lnTo>
-                <a:lnTo>
-                  <a:pt x="959900" y="995554"/>
-                </a:lnTo>
-                <a:lnTo>
-                  <a:pt x="921378" y="1019310"/>
-                </a:lnTo>
-                <a:lnTo>
-                  <a:pt x="880823" y="1040358"/>
-                </a:lnTo>
-                <a:lnTo>
-                  <a:pt x="838390" y="1058557"/>
-                </a:lnTo>
-                <a:lnTo>
-                  <a:pt x="794235" y="1073765"/>
-                </a:lnTo>
-                <a:lnTo>
-                  <a:pt x="748514" y="1085840"/>
-                </a:lnTo>
-                <a:lnTo>
-                  <a:pt x="701381" y="1094641"/>
-                </a:lnTo>
-                <a:lnTo>
-                  <a:pt x="652992" y="1100025"/>
-                </a:lnTo>
-                <a:lnTo>
-                  <a:pt x="603503" y="1101851"/>
-                </a:lnTo>
-                <a:lnTo>
-                  <a:pt x="554015" y="1100025"/>
-                </a:lnTo>
-                <a:lnTo>
-                  <a:pt x="505626" y="1094641"/>
-                </a:lnTo>
-                <a:lnTo>
-                  <a:pt x="458493" y="1085840"/>
-                </a:lnTo>
-                <a:lnTo>
-                  <a:pt x="412772" y="1073765"/>
-                </a:lnTo>
-                <a:lnTo>
-                  <a:pt x="368617" y="1058557"/>
-                </a:lnTo>
-                <a:lnTo>
-                  <a:pt x="326184" y="1040358"/>
-                </a:lnTo>
-                <a:lnTo>
-                  <a:pt x="285629" y="1019310"/>
-                </a:lnTo>
-                <a:lnTo>
-                  <a:pt x="247107" y="995554"/>
-                </a:lnTo>
-                <a:lnTo>
-                  <a:pt x="210773" y="969233"/>
-                </a:lnTo>
-                <a:lnTo>
-                  <a:pt x="176783" y="940488"/>
-                </a:lnTo>
-                <a:lnTo>
-                  <a:pt x="145293" y="909462"/>
-                </a:lnTo>
-                <a:lnTo>
-                  <a:pt x="116457" y="876295"/>
-                </a:lnTo>
-                <a:lnTo>
-                  <a:pt x="90432" y="841129"/>
-                </a:lnTo>
-                <a:lnTo>
-                  <a:pt x="67372" y="804107"/>
-                </a:lnTo>
-                <a:lnTo>
-                  <a:pt x="47434" y="765370"/>
-                </a:lnTo>
-                <a:lnTo>
-                  <a:pt x="30772" y="725060"/>
-                </a:lnTo>
-                <a:lnTo>
-                  <a:pt x="17542" y="683319"/>
-                </a:lnTo>
-                <a:lnTo>
-                  <a:pt x="7900" y="640288"/>
-                </a:lnTo>
-                <a:lnTo>
-                  <a:pt x="2001" y="596110"/>
-                </a:lnTo>
-                <a:lnTo>
-                  <a:pt x="0" y="550925"/>
-                </a:lnTo>
-                <a:close/>
-              </a:path>
-            </a:pathLst>
-          </a:custGeom>
-          <a:ln w="38099">
-            <a:solidFill>
-              <a:srgbClr val="00AF50"/>
-            </a:solidFill>
-          </a:ln>
-        </p:spPr>
-        <p:txBody>
-          <a:bodyPr wrap="square" lIns="0" tIns="0" rIns="0" bIns="0" rtlCol="0"/>
-          <a:lstStyle/>
-          <a:p>
-            <a:endParaRPr/>
-          </a:p>
-        </p:txBody>
-      </p:sp>
-      <p:sp>
-        <p:nvSpPr>
-          <p:cNvPr id="9" name="object 10">
-            <a:extLst>
-              <a:ext uri="{FF2B5EF4-FFF2-40B4-BE49-F238E27FC236}">
-                <a16:creationId xmlns:a16="http://schemas.microsoft.com/office/drawing/2014/main" id="{2EDCA113-AA64-44DA-B3BC-B96EC087C7A3}"/>
-              </a:ext>
-            </a:extLst>
-          </p:cNvPr>
-          <p:cNvSpPr/>
-          <p:nvPr/>
-        </p:nvSpPr>
-        <p:spPr>
-          <a:xfrm>
-            <a:off x="4289639" y="2179367"/>
-            <a:ext cx="1306195" cy="1080770"/>
-          </a:xfrm>
-          <a:custGeom>
-            <a:avLst/>
-            <a:gdLst/>
-            <a:ahLst/>
-            <a:cxnLst/>
-            <a:rect l="l" t="t" r="r" b="b"/>
-            <a:pathLst>
-              <a:path w="1306195" h="1080770">
-                <a:moveTo>
-                  <a:pt x="0" y="540258"/>
-                </a:moveTo>
-                <a:lnTo>
-                  <a:pt x="2164" y="495955"/>
-                </a:lnTo>
-                <a:lnTo>
-                  <a:pt x="8546" y="452638"/>
-                </a:lnTo>
-                <a:lnTo>
-                  <a:pt x="18977" y="410445"/>
-                </a:lnTo>
-                <a:lnTo>
-                  <a:pt x="33290" y="369515"/>
-                </a:lnTo>
-                <a:lnTo>
-                  <a:pt x="51315" y="329987"/>
-                </a:lnTo>
-                <a:lnTo>
-                  <a:pt x="72886" y="292001"/>
-                </a:lnTo>
-                <a:lnTo>
-                  <a:pt x="97834" y="255696"/>
-                </a:lnTo>
-                <a:lnTo>
-                  <a:pt x="125992" y="221211"/>
-                </a:lnTo>
-                <a:lnTo>
-                  <a:pt x="157190" y="188685"/>
-                </a:lnTo>
-                <a:lnTo>
-                  <a:pt x="191262" y="158257"/>
-                </a:lnTo>
-                <a:lnTo>
-                  <a:pt x="228038" y="130067"/>
-                </a:lnTo>
-                <a:lnTo>
-                  <a:pt x="267352" y="104253"/>
-                </a:lnTo>
-                <a:lnTo>
-                  <a:pt x="309035" y="80955"/>
-                </a:lnTo>
-                <a:lnTo>
-                  <a:pt x="352918" y="60312"/>
-                </a:lnTo>
-                <a:lnTo>
-                  <a:pt x="398835" y="42463"/>
-                </a:lnTo>
-                <a:lnTo>
-                  <a:pt x="446617" y="27547"/>
-                </a:lnTo>
-                <a:lnTo>
-                  <a:pt x="496096" y="15704"/>
-                </a:lnTo>
-                <a:lnTo>
-                  <a:pt x="547103" y="7072"/>
-                </a:lnTo>
-                <a:lnTo>
-                  <a:pt x="599472" y="1791"/>
-                </a:lnTo>
-                <a:lnTo>
-                  <a:pt x="653034" y="0"/>
-                </a:lnTo>
-                <a:lnTo>
-                  <a:pt x="706595" y="1791"/>
-                </a:lnTo>
-                <a:lnTo>
-                  <a:pt x="758964" y="7072"/>
-                </a:lnTo>
-                <a:lnTo>
-                  <a:pt x="809971" y="15704"/>
-                </a:lnTo>
-                <a:lnTo>
-                  <a:pt x="859450" y="27547"/>
-                </a:lnTo>
-                <a:lnTo>
-                  <a:pt x="907232" y="42463"/>
-                </a:lnTo>
-                <a:lnTo>
-                  <a:pt x="953149" y="60312"/>
-                </a:lnTo>
-                <a:lnTo>
-                  <a:pt x="997032" y="80955"/>
-                </a:lnTo>
-                <a:lnTo>
-                  <a:pt x="1038715" y="104253"/>
-                </a:lnTo>
-                <a:lnTo>
-                  <a:pt x="1078029" y="130067"/>
-                </a:lnTo>
-                <a:lnTo>
-                  <a:pt x="1114806" y="158257"/>
-                </a:lnTo>
-                <a:lnTo>
-                  <a:pt x="1148877" y="188685"/>
-                </a:lnTo>
-                <a:lnTo>
-                  <a:pt x="1180075" y="221211"/>
-                </a:lnTo>
-                <a:lnTo>
-                  <a:pt x="1208233" y="255696"/>
-                </a:lnTo>
-                <a:lnTo>
-                  <a:pt x="1233181" y="292001"/>
-                </a:lnTo>
-                <a:lnTo>
-                  <a:pt x="1254752" y="329987"/>
-                </a:lnTo>
-                <a:lnTo>
-                  <a:pt x="1272777" y="369515"/>
-                </a:lnTo>
-                <a:lnTo>
-                  <a:pt x="1287090" y="410445"/>
-                </a:lnTo>
-                <a:lnTo>
-                  <a:pt x="1297521" y="452638"/>
-                </a:lnTo>
-                <a:lnTo>
-                  <a:pt x="1303903" y="495955"/>
-                </a:lnTo>
-                <a:lnTo>
-                  <a:pt x="1306068" y="540258"/>
-                </a:lnTo>
-                <a:lnTo>
-                  <a:pt x="1303903" y="584560"/>
-                </a:lnTo>
-                <a:lnTo>
-                  <a:pt x="1297521" y="627877"/>
-                </a:lnTo>
-                <a:lnTo>
-                  <a:pt x="1287090" y="670070"/>
-                </a:lnTo>
-                <a:lnTo>
-                  <a:pt x="1272777" y="711000"/>
-                </a:lnTo>
-                <a:lnTo>
-                  <a:pt x="1254752" y="750528"/>
-                </a:lnTo>
-                <a:lnTo>
-                  <a:pt x="1233181" y="788514"/>
-                </a:lnTo>
-                <a:lnTo>
-                  <a:pt x="1208233" y="824819"/>
-                </a:lnTo>
-                <a:lnTo>
-                  <a:pt x="1180075" y="859304"/>
-                </a:lnTo>
-                <a:lnTo>
-                  <a:pt x="1148877" y="891830"/>
-                </a:lnTo>
-                <a:lnTo>
-                  <a:pt x="1114806" y="922258"/>
-                </a:lnTo>
-                <a:lnTo>
-                  <a:pt x="1078029" y="950448"/>
-                </a:lnTo>
-                <a:lnTo>
-                  <a:pt x="1038715" y="976262"/>
-                </a:lnTo>
-                <a:lnTo>
-                  <a:pt x="997032" y="999560"/>
-                </a:lnTo>
-                <a:lnTo>
-                  <a:pt x="953149" y="1020203"/>
-                </a:lnTo>
-                <a:lnTo>
-                  <a:pt x="907232" y="1038052"/>
-                </a:lnTo>
-                <a:lnTo>
-                  <a:pt x="859450" y="1052968"/>
-                </a:lnTo>
-                <a:lnTo>
-                  <a:pt x="809971" y="1064811"/>
-                </a:lnTo>
-                <a:lnTo>
-                  <a:pt x="758964" y="1073443"/>
-                </a:lnTo>
-                <a:lnTo>
-                  <a:pt x="706595" y="1078724"/>
-                </a:lnTo>
-                <a:lnTo>
-                  <a:pt x="653034" y="1080516"/>
-                </a:lnTo>
-                <a:lnTo>
-                  <a:pt x="599472" y="1078724"/>
-                </a:lnTo>
-                <a:lnTo>
-                  <a:pt x="547103" y="1073443"/>
-                </a:lnTo>
-                <a:lnTo>
-                  <a:pt x="496096" y="1064811"/>
-                </a:lnTo>
-                <a:lnTo>
-                  <a:pt x="446617" y="1052968"/>
-                </a:lnTo>
-                <a:lnTo>
-                  <a:pt x="398835" y="1038052"/>
-                </a:lnTo>
-                <a:lnTo>
-                  <a:pt x="352918" y="1020203"/>
-                </a:lnTo>
-                <a:lnTo>
-                  <a:pt x="309035" y="999560"/>
-                </a:lnTo>
-                <a:lnTo>
-                  <a:pt x="267352" y="976262"/>
-                </a:lnTo>
-                <a:lnTo>
-                  <a:pt x="228038" y="950448"/>
-                </a:lnTo>
-                <a:lnTo>
-                  <a:pt x="191262" y="922258"/>
-                </a:lnTo>
-                <a:lnTo>
-                  <a:pt x="157190" y="891830"/>
-                </a:lnTo>
-                <a:lnTo>
-                  <a:pt x="125992" y="859304"/>
-                </a:lnTo>
-                <a:lnTo>
-                  <a:pt x="97834" y="824819"/>
-                </a:lnTo>
-                <a:lnTo>
-                  <a:pt x="72886" y="788514"/>
-                </a:lnTo>
-                <a:lnTo>
-                  <a:pt x="51315" y="750528"/>
-                </a:lnTo>
-                <a:lnTo>
-                  <a:pt x="33290" y="711000"/>
-                </a:lnTo>
-                <a:lnTo>
-                  <a:pt x="18977" y="670070"/>
-                </a:lnTo>
-                <a:lnTo>
-                  <a:pt x="8546" y="627877"/>
-                </a:lnTo>
-                <a:lnTo>
-                  <a:pt x="2164" y="584560"/>
-                </a:lnTo>
-                <a:lnTo>
-                  <a:pt x="0" y="540258"/>
-                </a:lnTo>
-                <a:close/>
-              </a:path>
-            </a:pathLst>
-          </a:custGeom>
-          <a:ln w="38100">
-            <a:solidFill>
-              <a:srgbClr val="00AF50"/>
-            </a:solidFill>
-          </a:ln>
-        </p:spPr>
-        <p:txBody>
-          <a:bodyPr wrap="square" lIns="0" tIns="0" rIns="0" bIns="0" rtlCol="0"/>
-          <a:lstStyle/>
-          <a:p>
-            <a:endParaRPr/>
-          </a:p>
-        </p:txBody>
-      </p:sp>
-      <p:sp>
-        <p:nvSpPr>
-          <p:cNvPr id="10" name="object 11">
-            <a:extLst>
-              <a:ext uri="{FF2B5EF4-FFF2-40B4-BE49-F238E27FC236}">
-                <a16:creationId xmlns:a16="http://schemas.microsoft.com/office/drawing/2014/main" id="{88D6BC18-387E-4AF6-8752-F2A9A9A08D9C}"/>
-              </a:ext>
-            </a:extLst>
-          </p:cNvPr>
-          <p:cNvSpPr/>
-          <p:nvPr/>
-        </p:nvSpPr>
-        <p:spPr>
-          <a:xfrm>
-            <a:off x="1171534" y="4143804"/>
-            <a:ext cx="1583690" cy="684530"/>
-          </a:xfrm>
-          <a:custGeom>
-            <a:avLst/>
-            <a:gdLst/>
-            <a:ahLst/>
-            <a:cxnLst/>
-            <a:rect l="l" t="t" r="r" b="b"/>
-            <a:pathLst>
-              <a:path w="1583689" h="684529">
-                <a:moveTo>
-                  <a:pt x="0" y="684276"/>
-                </a:moveTo>
-                <a:lnTo>
-                  <a:pt x="1583436" y="684276"/>
-                </a:lnTo>
-                <a:lnTo>
-                  <a:pt x="1583436" y="0"/>
-                </a:lnTo>
-                <a:lnTo>
-                  <a:pt x="0" y="0"/>
-                </a:lnTo>
-                <a:lnTo>
-                  <a:pt x="0" y="684276"/>
-                </a:lnTo>
-                <a:close/>
-              </a:path>
-            </a:pathLst>
-          </a:custGeom>
-          <a:ln w="38100">
-            <a:solidFill>
-              <a:srgbClr val="006FC0"/>
-            </a:solidFill>
-          </a:ln>
-        </p:spPr>
-        <p:txBody>
-          <a:bodyPr wrap="square" lIns="0" tIns="0" rIns="0" bIns="0" rtlCol="0"/>
-          <a:lstStyle/>
-          <a:p>
-            <a:endParaRPr/>
-          </a:p>
-        </p:txBody>
-      </p:sp>
-      <p:sp>
-        <p:nvSpPr>
-          <p:cNvPr id="11" name="object 12">
-            <a:extLst>
-              <a:ext uri="{FF2B5EF4-FFF2-40B4-BE49-F238E27FC236}">
-                <a16:creationId xmlns:a16="http://schemas.microsoft.com/office/drawing/2014/main" id="{CFB2A653-7385-4BFB-8C6C-935287D50E73}"/>
-              </a:ext>
-            </a:extLst>
-          </p:cNvPr>
-          <p:cNvSpPr/>
-          <p:nvPr/>
-        </p:nvSpPr>
-        <p:spPr>
-          <a:xfrm>
-            <a:off x="5290907" y="3520487"/>
-            <a:ext cx="1007744" cy="763905"/>
-          </a:xfrm>
-          <a:custGeom>
-            <a:avLst/>
-            <a:gdLst/>
-            <a:ahLst/>
-            <a:cxnLst/>
-            <a:rect l="l" t="t" r="r" b="b"/>
-            <a:pathLst>
-              <a:path w="1007745" h="763904">
-                <a:moveTo>
-                  <a:pt x="0" y="763524"/>
-                </a:moveTo>
-                <a:lnTo>
-                  <a:pt x="1007363" y="763524"/>
-                </a:lnTo>
-                <a:lnTo>
-                  <a:pt x="1007363" y="0"/>
-                </a:lnTo>
-                <a:lnTo>
-                  <a:pt x="0" y="0"/>
-                </a:lnTo>
-                <a:lnTo>
-                  <a:pt x="0" y="763524"/>
-                </a:lnTo>
-                <a:close/>
-              </a:path>
-            </a:pathLst>
-          </a:custGeom>
-          <a:ln w="38099">
-            <a:solidFill>
-              <a:srgbClr val="006FC0"/>
-            </a:solidFill>
-          </a:ln>
-        </p:spPr>
-        <p:txBody>
-          <a:bodyPr wrap="square" lIns="0" tIns="0" rIns="0" bIns="0" rtlCol="0"/>
-          <a:lstStyle/>
-          <a:p>
-            <a:endParaRPr/>
-          </a:p>
-        </p:txBody>
-      </p:sp>
-      <p:sp>
-        <p:nvSpPr>
-          <p:cNvPr id="12" name="object 13">
-            <a:extLst>
-              <a:ext uri="{FF2B5EF4-FFF2-40B4-BE49-F238E27FC236}">
-                <a16:creationId xmlns:a16="http://schemas.microsoft.com/office/drawing/2014/main" id="{DB410A75-74DF-464F-AA4B-246509573479}"/>
-              </a:ext>
-            </a:extLst>
-          </p:cNvPr>
-          <p:cNvSpPr/>
-          <p:nvPr/>
-        </p:nvSpPr>
-        <p:spPr>
-          <a:xfrm>
-            <a:off x="3172546" y="3270551"/>
-            <a:ext cx="1614170" cy="1458595"/>
-          </a:xfrm>
-          <a:custGeom>
-            <a:avLst/>
-            <a:gdLst/>
-            <a:ahLst/>
-            <a:cxnLst/>
-            <a:rect l="l" t="t" r="r" b="b"/>
-            <a:pathLst>
-              <a:path w="1614170" h="1458595">
-                <a:moveTo>
-                  <a:pt x="0" y="1458468"/>
-                </a:moveTo>
-                <a:lnTo>
-                  <a:pt x="1613915" y="1458468"/>
-                </a:lnTo>
-                <a:lnTo>
-                  <a:pt x="1613915" y="0"/>
-                </a:lnTo>
-                <a:lnTo>
-                  <a:pt x="0" y="0"/>
-                </a:lnTo>
-                <a:lnTo>
-                  <a:pt x="0" y="1458468"/>
-                </a:lnTo>
-                <a:close/>
-              </a:path>
-            </a:pathLst>
-          </a:custGeom>
-          <a:ln w="38100">
-            <a:solidFill>
-              <a:srgbClr val="006FC0"/>
-            </a:solidFill>
-          </a:ln>
-        </p:spPr>
-        <p:txBody>
-          <a:bodyPr wrap="square" lIns="0" tIns="0" rIns="0" bIns="0" rtlCol="0"/>
-          <a:lstStyle/>
-          <a:p>
-            <a:endParaRPr/>
-          </a:p>
-        </p:txBody>
-      </p:sp>
-      <p:sp>
-        <p:nvSpPr>
-          <p:cNvPr id="19" name="object 8">
-            <a:extLst>
-              <a:ext uri="{FF2B5EF4-FFF2-40B4-BE49-F238E27FC236}">
-                <a16:creationId xmlns:a16="http://schemas.microsoft.com/office/drawing/2014/main" id="{EFE7ADD0-1CA9-428C-A842-745CECEC09F3}"/>
-              </a:ext>
-            </a:extLst>
-          </p:cNvPr>
-          <p:cNvSpPr/>
-          <p:nvPr/>
-        </p:nvSpPr>
-        <p:spPr>
-          <a:xfrm>
-            <a:off x="1585406" y="4896152"/>
-            <a:ext cx="1009015" cy="1224280"/>
-          </a:xfrm>
-          <a:custGeom>
-            <a:avLst/>
-            <a:gdLst/>
-            <a:ahLst/>
-            <a:cxnLst/>
-            <a:rect l="l" t="t" r="r" b="b"/>
-            <a:pathLst>
-              <a:path w="1009014" h="1224279">
-                <a:moveTo>
-                  <a:pt x="0" y="611885"/>
-                </a:moveTo>
-                <a:lnTo>
-                  <a:pt x="1671" y="561701"/>
-                </a:lnTo>
-                <a:lnTo>
-                  <a:pt x="6601" y="512635"/>
-                </a:lnTo>
-                <a:lnTo>
-                  <a:pt x="14658" y="464843"/>
-                </a:lnTo>
-                <a:lnTo>
-                  <a:pt x="25712" y="418483"/>
-                </a:lnTo>
-                <a:lnTo>
-                  <a:pt x="39635" y="373712"/>
-                </a:lnTo>
-                <a:lnTo>
-                  <a:pt x="56297" y="330689"/>
-                </a:lnTo>
-                <a:lnTo>
-                  <a:pt x="75567" y="289571"/>
-                </a:lnTo>
-                <a:lnTo>
-                  <a:pt x="97316" y="250514"/>
-                </a:lnTo>
-                <a:lnTo>
-                  <a:pt x="121414" y="213677"/>
-                </a:lnTo>
-                <a:lnTo>
-                  <a:pt x="147732" y="179217"/>
-                </a:lnTo>
-                <a:lnTo>
-                  <a:pt x="176140" y="147292"/>
-                </a:lnTo>
-                <a:lnTo>
-                  <a:pt x="206508" y="118058"/>
-                </a:lnTo>
-                <a:lnTo>
-                  <a:pt x="238706" y="91674"/>
-                </a:lnTo>
-                <a:lnTo>
-                  <a:pt x="272604" y="68297"/>
-                </a:lnTo>
-                <a:lnTo>
-                  <a:pt x="308074" y="48085"/>
-                </a:lnTo>
-                <a:lnTo>
-                  <a:pt x="344984" y="31194"/>
-                </a:lnTo>
-                <a:lnTo>
-                  <a:pt x="383206" y="17783"/>
-                </a:lnTo>
-                <a:lnTo>
-                  <a:pt x="422610" y="8008"/>
-                </a:lnTo>
-                <a:lnTo>
-                  <a:pt x="463066" y="2028"/>
-                </a:lnTo>
-                <a:lnTo>
-                  <a:pt x="504444" y="0"/>
-                </a:lnTo>
-                <a:lnTo>
-                  <a:pt x="545821" y="2028"/>
-                </a:lnTo>
-                <a:lnTo>
-                  <a:pt x="586277" y="8008"/>
-                </a:lnTo>
-                <a:lnTo>
-                  <a:pt x="625681" y="17783"/>
-                </a:lnTo>
-                <a:lnTo>
-                  <a:pt x="663903" y="31194"/>
-                </a:lnTo>
-                <a:lnTo>
-                  <a:pt x="700813" y="48085"/>
-                </a:lnTo>
-                <a:lnTo>
-                  <a:pt x="736283" y="68297"/>
-                </a:lnTo>
-                <a:lnTo>
-                  <a:pt x="770181" y="91674"/>
-                </a:lnTo>
-                <a:lnTo>
-                  <a:pt x="802379" y="118058"/>
-                </a:lnTo>
-                <a:lnTo>
-                  <a:pt x="832747" y="147292"/>
-                </a:lnTo>
-                <a:lnTo>
-                  <a:pt x="861155" y="179217"/>
-                </a:lnTo>
-                <a:lnTo>
-                  <a:pt x="887473" y="213677"/>
-                </a:lnTo>
-                <a:lnTo>
-                  <a:pt x="911571" y="250514"/>
-                </a:lnTo>
-                <a:lnTo>
-                  <a:pt x="933320" y="289571"/>
-                </a:lnTo>
-                <a:lnTo>
-                  <a:pt x="952590" y="330689"/>
-                </a:lnTo>
-                <a:lnTo>
-                  <a:pt x="969252" y="373712"/>
-                </a:lnTo>
-                <a:lnTo>
-                  <a:pt x="983175" y="418483"/>
-                </a:lnTo>
-                <a:lnTo>
-                  <a:pt x="994229" y="464843"/>
-                </a:lnTo>
-                <a:lnTo>
-                  <a:pt x="1002286" y="512635"/>
-                </a:lnTo>
-                <a:lnTo>
-                  <a:pt x="1007216" y="561701"/>
-                </a:lnTo>
-                <a:lnTo>
-                  <a:pt x="1008888" y="611885"/>
-                </a:lnTo>
-                <a:lnTo>
-                  <a:pt x="1007216" y="662070"/>
-                </a:lnTo>
-                <a:lnTo>
-                  <a:pt x="1002286" y="711136"/>
-                </a:lnTo>
-                <a:lnTo>
-                  <a:pt x="994229" y="758928"/>
-                </a:lnTo>
-                <a:lnTo>
-                  <a:pt x="983175" y="805288"/>
-                </a:lnTo>
-                <a:lnTo>
-                  <a:pt x="969252" y="850059"/>
-                </a:lnTo>
-                <a:lnTo>
-                  <a:pt x="952590" y="893082"/>
-                </a:lnTo>
-                <a:lnTo>
-                  <a:pt x="933320" y="934200"/>
-                </a:lnTo>
-                <a:lnTo>
-                  <a:pt x="911571" y="973257"/>
-                </a:lnTo>
-                <a:lnTo>
-                  <a:pt x="887473" y="1010094"/>
-                </a:lnTo>
-                <a:lnTo>
-                  <a:pt x="861155" y="1044554"/>
-                </a:lnTo>
-                <a:lnTo>
-                  <a:pt x="832747" y="1076479"/>
-                </a:lnTo>
-                <a:lnTo>
-                  <a:pt x="802379" y="1105713"/>
-                </a:lnTo>
-                <a:lnTo>
-                  <a:pt x="770181" y="1132097"/>
-                </a:lnTo>
-                <a:lnTo>
-                  <a:pt x="736283" y="1155474"/>
-                </a:lnTo>
-                <a:lnTo>
-                  <a:pt x="700813" y="1175686"/>
-                </a:lnTo>
-                <a:lnTo>
-                  <a:pt x="663903" y="1192577"/>
-                </a:lnTo>
-                <a:lnTo>
-                  <a:pt x="625681" y="1205988"/>
-                </a:lnTo>
-                <a:lnTo>
-                  <a:pt x="586277" y="1215763"/>
-                </a:lnTo>
-                <a:lnTo>
-                  <a:pt x="545821" y="1221743"/>
-                </a:lnTo>
-                <a:lnTo>
-                  <a:pt x="504444" y="1223771"/>
-                </a:lnTo>
-                <a:lnTo>
-                  <a:pt x="463066" y="1221743"/>
-                </a:lnTo>
-                <a:lnTo>
-                  <a:pt x="422610" y="1215763"/>
-                </a:lnTo>
-                <a:lnTo>
-                  <a:pt x="383206" y="1205988"/>
-                </a:lnTo>
-                <a:lnTo>
-                  <a:pt x="344984" y="1192577"/>
-                </a:lnTo>
-                <a:lnTo>
-                  <a:pt x="308074" y="1175686"/>
-                </a:lnTo>
-                <a:lnTo>
-                  <a:pt x="272604" y="1155474"/>
-                </a:lnTo>
-                <a:lnTo>
-                  <a:pt x="238706" y="1132097"/>
-                </a:lnTo>
-                <a:lnTo>
-                  <a:pt x="206508" y="1105713"/>
-                </a:lnTo>
-                <a:lnTo>
-                  <a:pt x="176140" y="1076479"/>
-                </a:lnTo>
-                <a:lnTo>
-                  <a:pt x="147732" y="1044554"/>
-                </a:lnTo>
-                <a:lnTo>
-                  <a:pt x="121414" y="1010094"/>
-                </a:lnTo>
-                <a:lnTo>
-                  <a:pt x="97316" y="973257"/>
-                </a:lnTo>
-                <a:lnTo>
-                  <a:pt x="75567" y="934200"/>
-                </a:lnTo>
-                <a:lnTo>
-                  <a:pt x="56297" y="893082"/>
-                </a:lnTo>
-                <a:lnTo>
-                  <a:pt x="39635" y="850059"/>
-                </a:lnTo>
-                <a:lnTo>
-                  <a:pt x="25712" y="805288"/>
-                </a:lnTo>
-                <a:lnTo>
-                  <a:pt x="14658" y="758928"/>
-                </a:lnTo>
-                <a:lnTo>
-                  <a:pt x="6601" y="711136"/>
-                </a:lnTo>
-                <a:lnTo>
-                  <a:pt x="1671" y="662070"/>
-                </a:lnTo>
-                <a:lnTo>
-                  <a:pt x="0" y="611885"/>
-                </a:lnTo>
-                <a:close/>
-              </a:path>
-            </a:pathLst>
-          </a:custGeom>
-          <a:ln w="38100">
-            <a:solidFill>
-              <a:srgbClr val="00AF50"/>
-            </a:solidFill>
-          </a:ln>
-        </p:spPr>
-        <p:txBody>
-          <a:bodyPr wrap="square" lIns="0" tIns="0" rIns="0" bIns="0" rtlCol="0"/>
-          <a:lstStyle/>
-          <a:p>
-            <a:endParaRPr/>
-          </a:p>
-        </p:txBody>
-      </p:sp>
-      <p:sp>
-        <p:nvSpPr>
-          <p:cNvPr id="13" name="object 14">
-            <a:extLst>
-              <a:ext uri="{FF2B5EF4-FFF2-40B4-BE49-F238E27FC236}">
-                <a16:creationId xmlns:a16="http://schemas.microsoft.com/office/drawing/2014/main" id="{99F88D09-8C88-4A6B-9F5A-2A16102C2437}"/>
-              </a:ext>
-            </a:extLst>
-          </p:cNvPr>
-          <p:cNvSpPr/>
-          <p:nvPr/>
-        </p:nvSpPr>
-        <p:spPr>
-          <a:xfrm>
-            <a:off x="7090327" y="2492896"/>
-            <a:ext cx="2031492" cy="4162968"/>
-          </a:xfrm>
-          <a:prstGeom prst="rect">
-            <a:avLst/>
-          </a:prstGeom>
-          <a:blipFill>
-            <a:blip r:embed="rId4" cstate="print"/>
-            <a:stretch>
-              <a:fillRect/>
-            </a:stretch>
-          </a:blipFill>
-        </p:spPr>
-        <p:txBody>
-          <a:bodyPr wrap="square" lIns="0" tIns="0" rIns="0" bIns="0" rtlCol="0"/>
-          <a:lstStyle/>
-          <a:p>
-            <a:endParaRPr/>
-          </a:p>
-        </p:txBody>
-      </p:sp>
-    </p:spTree>
-    <p:extLst>
-      <p:ext uri="{BB962C8B-B14F-4D97-AF65-F5344CB8AC3E}">
-        <p14:creationId xmlns:p14="http://schemas.microsoft.com/office/powerpoint/2010/main" val="263752246"/>
-      </p:ext>
-    </p:extLst>
-  </p:cSld>
-  <p:clrMapOvr>
-    <a:masterClrMapping/>
-  </p:clrMapOvr>
-</p:sld>
-</file>
-
-<file path=ppt/slides/slide6.xml><?xml version="1.0" encoding="utf-8"?>
+<file path=ppt/slides/slide3.xml><?xml version="1.0" encoding="utf-8"?>
 <p:sld xmlns:a="http://schemas.openxmlformats.org/drawingml/2006/main" xmlns:r="http://schemas.openxmlformats.org/officeDocument/2006/relationships" xmlns:p="http://schemas.openxmlformats.org/presentationml/2006/main">
   <p:cSld>
     <p:spTree>
@@ -14474,7 +7674,7 @@
 </p:sld>
 </file>
 
-<file path=ppt/slides/slide7.xml><?xml version="1.0" encoding="utf-8"?>
+<file path=ppt/slides/slide4.xml><?xml version="1.0" encoding="utf-8"?>
 <p:sld xmlns:a="http://schemas.openxmlformats.org/drawingml/2006/main" xmlns:r="http://schemas.openxmlformats.org/officeDocument/2006/relationships" xmlns:p="http://schemas.openxmlformats.org/presentationml/2006/main">
   <p:cSld>
     <p:spTree>
@@ -14885,7 +8085,7 @@
 </p:sld>
 </file>
 
-<file path=ppt/slides/slide8.xml><?xml version="1.0" encoding="utf-8"?>
+<file path=ppt/slides/slide5.xml><?xml version="1.0" encoding="utf-8"?>
 <p:sld xmlns:a="http://schemas.openxmlformats.org/drawingml/2006/main" xmlns:r="http://schemas.openxmlformats.org/officeDocument/2006/relationships" xmlns:p="http://schemas.openxmlformats.org/presentationml/2006/main">
   <p:cSld>
     <p:spTree>
@@ -15246,7 +8446,7 @@
 </p:sld>
 </file>
 
-<file path=ppt/slides/slide9.xml><?xml version="1.0" encoding="utf-8"?>
+<file path=ppt/slides/slide6.xml><?xml version="1.0" encoding="utf-8"?>
 <p:sld xmlns:a="http://schemas.openxmlformats.org/drawingml/2006/main" xmlns:r="http://schemas.openxmlformats.org/officeDocument/2006/relationships" xmlns:p="http://schemas.openxmlformats.org/presentationml/2006/main">
   <p:cSld>
     <p:spTree>
@@ -15661,6 +8861,1176 @@
     <p:extLst>
       <p:ext uri="{BB962C8B-B14F-4D97-AF65-F5344CB8AC3E}">
         <p14:creationId xmlns:p14="http://schemas.microsoft.com/office/powerpoint/2010/main" val="2098421453"/>
+      </p:ext>
+    </p:extLst>
+  </p:cSld>
+  <p:clrMapOvr>
+    <a:masterClrMapping/>
+  </p:clrMapOvr>
+</p:sld>
+</file>
+
+<file path=ppt/slides/slide7.xml><?xml version="1.0" encoding="utf-8"?>
+<p:sld xmlns:a="http://schemas.openxmlformats.org/drawingml/2006/main" xmlns:r="http://schemas.openxmlformats.org/officeDocument/2006/relationships" xmlns:p="http://schemas.openxmlformats.org/presentationml/2006/main">
+  <p:cSld>
+    <p:spTree>
+      <p:nvGrpSpPr>
+        <p:cNvPr id="1" name=""/>
+        <p:cNvGrpSpPr/>
+        <p:nvPr/>
+      </p:nvGrpSpPr>
+      <p:grpSpPr>
+        <a:xfrm>
+          <a:off x="0" y="0"/>
+          <a:ext cx="0" cy="0"/>
+          <a:chOff x="0" y="0"/>
+          <a:chExt cx="0" cy="0"/>
+        </a:xfrm>
+      </p:grpSpPr>
+      <p:sp>
+        <p:nvSpPr>
+          <p:cNvPr id="21" name="Rectangle 2">
+            <a:extLst>
+              <a:ext uri="{FF2B5EF4-FFF2-40B4-BE49-F238E27FC236}">
+                <a16:creationId xmlns:a16="http://schemas.microsoft.com/office/drawing/2014/main" id="{61F062CC-B1F1-4898-90E3-65665EC625FD}"/>
+              </a:ext>
+            </a:extLst>
+          </p:cNvPr>
+          <p:cNvSpPr txBox="1">
+            <a:spLocks noChangeArrowheads="1"/>
+          </p:cNvSpPr>
+          <p:nvPr/>
+        </p:nvSpPr>
+        <p:spPr>
+          <a:xfrm>
+            <a:off x="89756" y="6221"/>
+            <a:ext cx="8964488" cy="1143000"/>
+          </a:xfrm>
+          <a:prstGeom prst="rect">
+            <a:avLst/>
+          </a:prstGeom>
+        </p:spPr>
+        <p:txBody>
+          <a:bodyPr vert="horz" lIns="92075" tIns="46038" rIns="92075" bIns="46038" rtlCol="0" anchor="ctr">
+            <a:noAutofit/>
+          </a:bodyPr>
+          <a:lstStyle>
+            <a:lvl1pPr algn="ctr" defTabSz="914400" rtl="0" eaLnBrk="1" latinLnBrk="0" hangingPunct="1">
+              <a:spcBef>
+                <a:spcPct val="0"/>
+              </a:spcBef>
+              <a:buNone/>
+              <a:defRPr sz="4400" kern="1200">
+                <a:solidFill>
+                  <a:schemeClr val="tx1"/>
+                </a:solidFill>
+                <a:latin typeface="+mj-lt"/>
+                <a:ea typeface="+mj-ea"/>
+                <a:cs typeface="+mj-cs"/>
+              </a:defRPr>
+            </a:lvl1pPr>
+          </a:lstStyle>
+          <a:p>
+            <a:pPr>
+              <a:defRPr/>
+            </a:pPr>
+            <a:r>
+              <a:rPr lang="es-ES_tradnl" sz="3200" dirty="0">
+                <a:solidFill>
+                  <a:srgbClr val="3333CC"/>
+                </a:solidFill>
+                <a:effectLst>
+                  <a:outerShdw blurRad="38100" dist="38100" dir="2700000" algn="tl">
+                    <a:srgbClr val="C0C0C0"/>
+                  </a:outerShdw>
+                </a:effectLst>
+                <a:latin typeface="Dom Casual" charset="0"/>
+              </a:rPr>
+              <a:t> </a:t>
+            </a:r>
+            <a:r>
+              <a:rPr lang="es-ES_tradnl" sz="3200" b="1" dirty="0">
+                <a:solidFill>
+                  <a:schemeClr val="accent4">
+                    <a:lumMod val="50000"/>
+                  </a:schemeClr>
+                </a:solidFill>
+                <a:effectLst>
+                  <a:outerShdw blurRad="38100" dist="38100" dir="2700000" algn="tl">
+                    <a:srgbClr val="C0C0C0"/>
+                  </a:outerShdw>
+                </a:effectLst>
+                <a:latin typeface="Dom Casual" charset="0"/>
+              </a:rPr>
+              <a:t>Algoritmo para crear VLSM con restricciones de conectividad</a:t>
+            </a:r>
+            <a:endParaRPr lang="es-ES_tradnl" sz="2400" b="1" dirty="0">
+              <a:solidFill>
+                <a:schemeClr val="accent5">
+                  <a:lumMod val="75000"/>
+                </a:schemeClr>
+              </a:solidFill>
+              <a:effectLst>
+                <a:outerShdw blurRad="38100" dist="38100" dir="2700000" algn="tl">
+                  <a:srgbClr val="C0C0C0"/>
+                </a:outerShdw>
+              </a:effectLst>
+              <a:latin typeface="Dom Casual" charset="0"/>
+            </a:endParaRPr>
+          </a:p>
+        </p:txBody>
+      </p:sp>
+      <p:sp>
+        <p:nvSpPr>
+          <p:cNvPr id="8" name="object 17">
+            <a:extLst>
+              <a:ext uri="{FF2B5EF4-FFF2-40B4-BE49-F238E27FC236}">
+                <a16:creationId xmlns:a16="http://schemas.microsoft.com/office/drawing/2014/main" id="{3098FFB0-04FA-427E-A5C2-AF52880BD3F3}"/>
+              </a:ext>
+            </a:extLst>
+          </p:cNvPr>
+          <p:cNvSpPr/>
+          <p:nvPr/>
+        </p:nvSpPr>
+        <p:spPr>
+          <a:xfrm>
+            <a:off x="1331936" y="2019700"/>
+            <a:ext cx="6442075" cy="4046220"/>
+          </a:xfrm>
+          <a:custGeom>
+            <a:avLst/>
+            <a:gdLst/>
+            <a:ahLst/>
+            <a:cxnLst/>
+            <a:rect l="l" t="t" r="r" b="b"/>
+            <a:pathLst>
+              <a:path w="6442075" h="4046220">
+                <a:moveTo>
+                  <a:pt x="0" y="4046220"/>
+                </a:moveTo>
+                <a:lnTo>
+                  <a:pt x="6441948" y="4046220"/>
+                </a:lnTo>
+                <a:lnTo>
+                  <a:pt x="6441948" y="0"/>
+                </a:lnTo>
+                <a:lnTo>
+                  <a:pt x="0" y="0"/>
+                </a:lnTo>
+                <a:lnTo>
+                  <a:pt x="0" y="4046220"/>
+                </a:lnTo>
+                <a:close/>
+              </a:path>
+            </a:pathLst>
+          </a:custGeom>
+          <a:ln w="38100">
+            <a:solidFill>
+              <a:srgbClr val="000000"/>
+            </a:solidFill>
+          </a:ln>
+        </p:spPr>
+        <p:txBody>
+          <a:bodyPr wrap="square" lIns="0" tIns="0" rIns="0" bIns="0" rtlCol="0"/>
+          <a:lstStyle/>
+          <a:p>
+            <a:endParaRPr/>
+          </a:p>
+        </p:txBody>
+      </p:sp>
+      <p:sp>
+        <p:nvSpPr>
+          <p:cNvPr id="9" name="object 18">
+            <a:extLst>
+              <a:ext uri="{FF2B5EF4-FFF2-40B4-BE49-F238E27FC236}">
+                <a16:creationId xmlns:a16="http://schemas.microsoft.com/office/drawing/2014/main" id="{0C347C6F-9495-4301-932C-502CF913DF20}"/>
+              </a:ext>
+            </a:extLst>
+          </p:cNvPr>
+          <p:cNvSpPr/>
+          <p:nvPr/>
+        </p:nvSpPr>
+        <p:spPr>
+          <a:xfrm>
+            <a:off x="1424940" y="2060848"/>
+            <a:ext cx="6294120" cy="3963924"/>
+          </a:xfrm>
+          <a:prstGeom prst="rect">
+            <a:avLst/>
+          </a:prstGeom>
+          <a:blipFill>
+            <a:blip r:embed="rId3" cstate="print"/>
+            <a:stretch>
+              <a:fillRect/>
+            </a:stretch>
+          </a:blipFill>
+        </p:spPr>
+        <p:txBody>
+          <a:bodyPr wrap="square" lIns="0" tIns="0" rIns="0" bIns="0" rtlCol="0"/>
+          <a:lstStyle/>
+          <a:p>
+            <a:endParaRPr/>
+          </a:p>
+        </p:txBody>
+      </p:sp>
+      <p:sp>
+        <p:nvSpPr>
+          <p:cNvPr id="11" name="CuadroTexto 10">
+            <a:extLst>
+              <a:ext uri="{FF2B5EF4-FFF2-40B4-BE49-F238E27FC236}">
+                <a16:creationId xmlns:a16="http://schemas.microsoft.com/office/drawing/2014/main" id="{106D7414-CC72-4433-A8BA-EE0D0F703B67}"/>
+              </a:ext>
+            </a:extLst>
+          </p:cNvPr>
+          <p:cNvSpPr txBox="1"/>
+          <p:nvPr/>
+        </p:nvSpPr>
+        <p:spPr>
+          <a:xfrm>
+            <a:off x="611560" y="1340768"/>
+            <a:ext cx="7992888" cy="393698"/>
+          </a:xfrm>
+          <a:prstGeom prst="rect">
+            <a:avLst/>
+          </a:prstGeom>
+          <a:noFill/>
+        </p:spPr>
+        <p:txBody>
+          <a:bodyPr wrap="square" rtlCol="0">
+            <a:spAutoFit/>
+          </a:bodyPr>
+          <a:lstStyle/>
+          <a:p>
+            <a:pPr marL="342900" indent="-342900" algn="just">
+              <a:lnSpc>
+                <a:spcPts val="2500"/>
+              </a:lnSpc>
+              <a:buFont typeface="+mj-lt"/>
+              <a:buAutoNum type="arabicPeriod" startAt="4"/>
+            </a:pPr>
+            <a:r>
+              <a:rPr lang="es-ES" dirty="0">
+                <a:solidFill>
+                  <a:schemeClr val="tx1">
+                    <a:lumMod val="95000"/>
+                    <a:lumOff val="5000"/>
+                  </a:schemeClr>
+                </a:solidFill>
+              </a:rPr>
+              <a:t>Escribir para cada subred el </a:t>
+            </a:r>
+            <a:r>
+              <a:rPr lang="es-ES" b="1" dirty="0">
+                <a:solidFill>
+                  <a:schemeClr val="tx1">
+                    <a:lumMod val="95000"/>
+                    <a:lumOff val="5000"/>
+                  </a:schemeClr>
+                </a:solidFill>
+              </a:rPr>
+              <a:t>prefijo</a:t>
+            </a:r>
+            <a:r>
+              <a:rPr lang="es-ES" dirty="0">
+                <a:solidFill>
+                  <a:schemeClr val="tx1">
+                    <a:lumMod val="95000"/>
+                    <a:lumOff val="5000"/>
+                  </a:schemeClr>
+                </a:solidFill>
+              </a:rPr>
+              <a:t> de la máscara de subred en formato </a:t>
+            </a:r>
+            <a:r>
+              <a:rPr lang="es-ES" b="1" dirty="0">
+                <a:solidFill>
+                  <a:schemeClr val="tx1">
+                    <a:lumMod val="95000"/>
+                    <a:lumOff val="5000"/>
+                  </a:schemeClr>
+                </a:solidFill>
+              </a:rPr>
+              <a:t>/</a:t>
+            </a:r>
+            <a:r>
+              <a:rPr lang="es-ES" b="1" dirty="0" err="1">
+                <a:solidFill>
+                  <a:schemeClr val="tx1">
+                    <a:lumMod val="95000"/>
+                    <a:lumOff val="5000"/>
+                  </a:schemeClr>
+                </a:solidFill>
+              </a:rPr>
+              <a:t>xx</a:t>
+            </a:r>
+            <a:r>
+              <a:rPr lang="es-ES" dirty="0">
+                <a:solidFill>
+                  <a:schemeClr val="tx1">
+                    <a:lumMod val="95000"/>
+                    <a:lumOff val="5000"/>
+                  </a:schemeClr>
+                </a:solidFill>
+              </a:rPr>
+              <a:t>:</a:t>
+            </a:r>
+            <a:endParaRPr lang="es-MX" dirty="0"/>
+          </a:p>
+        </p:txBody>
+      </p:sp>
+    </p:spTree>
+    <p:extLst>
+      <p:ext uri="{BB962C8B-B14F-4D97-AF65-F5344CB8AC3E}">
+        <p14:creationId xmlns:p14="http://schemas.microsoft.com/office/powerpoint/2010/main" val="1152865690"/>
+      </p:ext>
+    </p:extLst>
+  </p:cSld>
+  <p:clrMapOvr>
+    <a:masterClrMapping/>
+  </p:clrMapOvr>
+</p:sld>
+</file>
+
+<file path=ppt/slides/slide8.xml><?xml version="1.0" encoding="utf-8"?>
+<p:sld xmlns:a="http://schemas.openxmlformats.org/drawingml/2006/main" xmlns:r="http://schemas.openxmlformats.org/officeDocument/2006/relationships" xmlns:p="http://schemas.openxmlformats.org/presentationml/2006/main">
+  <p:cSld>
+    <p:spTree>
+      <p:nvGrpSpPr>
+        <p:cNvPr id="1" name=""/>
+        <p:cNvGrpSpPr/>
+        <p:nvPr/>
+      </p:nvGrpSpPr>
+      <p:grpSpPr>
+        <a:xfrm>
+          <a:off x="0" y="0"/>
+          <a:ext cx="0" cy="0"/>
+          <a:chOff x="0" y="0"/>
+          <a:chExt cx="0" cy="0"/>
+        </a:xfrm>
+      </p:grpSpPr>
+      <p:sp>
+        <p:nvSpPr>
+          <p:cNvPr id="21" name="Rectangle 2">
+            <a:extLst>
+              <a:ext uri="{FF2B5EF4-FFF2-40B4-BE49-F238E27FC236}">
+                <a16:creationId xmlns:a16="http://schemas.microsoft.com/office/drawing/2014/main" id="{61F062CC-B1F1-4898-90E3-65665EC625FD}"/>
+              </a:ext>
+            </a:extLst>
+          </p:cNvPr>
+          <p:cNvSpPr txBox="1">
+            <a:spLocks noChangeArrowheads="1"/>
+          </p:cNvSpPr>
+          <p:nvPr/>
+        </p:nvSpPr>
+        <p:spPr>
+          <a:xfrm>
+            <a:off x="89756" y="6221"/>
+            <a:ext cx="8964488" cy="1143000"/>
+          </a:xfrm>
+          <a:prstGeom prst="rect">
+            <a:avLst/>
+          </a:prstGeom>
+        </p:spPr>
+        <p:txBody>
+          <a:bodyPr vert="horz" lIns="92075" tIns="46038" rIns="92075" bIns="46038" rtlCol="0" anchor="ctr">
+            <a:noAutofit/>
+          </a:bodyPr>
+          <a:lstStyle>
+            <a:lvl1pPr algn="ctr" defTabSz="914400" rtl="0" eaLnBrk="1" latinLnBrk="0" hangingPunct="1">
+              <a:spcBef>
+                <a:spcPct val="0"/>
+              </a:spcBef>
+              <a:buNone/>
+              <a:defRPr sz="4400" kern="1200">
+                <a:solidFill>
+                  <a:schemeClr val="tx1"/>
+                </a:solidFill>
+                <a:latin typeface="+mj-lt"/>
+                <a:ea typeface="+mj-ea"/>
+                <a:cs typeface="+mj-cs"/>
+              </a:defRPr>
+            </a:lvl1pPr>
+          </a:lstStyle>
+          <a:p>
+            <a:pPr>
+              <a:defRPr/>
+            </a:pPr>
+            <a:r>
+              <a:rPr lang="es-ES_tradnl" sz="3200" dirty="0">
+                <a:solidFill>
+                  <a:srgbClr val="3333CC"/>
+                </a:solidFill>
+                <a:effectLst>
+                  <a:outerShdw blurRad="38100" dist="38100" dir="2700000" algn="tl">
+                    <a:srgbClr val="C0C0C0"/>
+                  </a:outerShdw>
+                </a:effectLst>
+                <a:latin typeface="Dom Casual" charset="0"/>
+              </a:rPr>
+              <a:t> </a:t>
+            </a:r>
+            <a:r>
+              <a:rPr lang="es-ES_tradnl" sz="3200" b="1" dirty="0">
+                <a:solidFill>
+                  <a:schemeClr val="accent4">
+                    <a:lumMod val="50000"/>
+                  </a:schemeClr>
+                </a:solidFill>
+                <a:effectLst>
+                  <a:outerShdw blurRad="38100" dist="38100" dir="2700000" algn="tl">
+                    <a:srgbClr val="C0C0C0"/>
+                  </a:outerShdw>
+                </a:effectLst>
+                <a:latin typeface="Dom Casual" charset="0"/>
+              </a:rPr>
+              <a:t>Algoritmo para crear VLSM con restricciones de conectividad</a:t>
+            </a:r>
+            <a:endParaRPr lang="es-ES_tradnl" sz="2400" b="1" dirty="0">
+              <a:solidFill>
+                <a:schemeClr val="accent5">
+                  <a:lumMod val="75000"/>
+                </a:schemeClr>
+              </a:solidFill>
+              <a:effectLst>
+                <a:outerShdw blurRad="38100" dist="38100" dir="2700000" algn="tl">
+                  <a:srgbClr val="C0C0C0"/>
+                </a:outerShdw>
+              </a:effectLst>
+              <a:latin typeface="Dom Casual" charset="0"/>
+            </a:endParaRPr>
+          </a:p>
+        </p:txBody>
+      </p:sp>
+      <p:sp>
+        <p:nvSpPr>
+          <p:cNvPr id="8" name="object 17">
+            <a:extLst>
+              <a:ext uri="{FF2B5EF4-FFF2-40B4-BE49-F238E27FC236}">
+                <a16:creationId xmlns:a16="http://schemas.microsoft.com/office/drawing/2014/main" id="{3098FFB0-04FA-427E-A5C2-AF52880BD3F3}"/>
+              </a:ext>
+            </a:extLst>
+          </p:cNvPr>
+          <p:cNvSpPr/>
+          <p:nvPr/>
+        </p:nvSpPr>
+        <p:spPr>
+          <a:xfrm>
+            <a:off x="1667110" y="2455389"/>
+            <a:ext cx="6442075" cy="4046220"/>
+          </a:xfrm>
+          <a:custGeom>
+            <a:avLst/>
+            <a:gdLst/>
+            <a:ahLst/>
+            <a:cxnLst/>
+            <a:rect l="l" t="t" r="r" b="b"/>
+            <a:pathLst>
+              <a:path w="6442075" h="4046220">
+                <a:moveTo>
+                  <a:pt x="0" y="4046220"/>
+                </a:moveTo>
+                <a:lnTo>
+                  <a:pt x="6441948" y="4046220"/>
+                </a:lnTo>
+                <a:lnTo>
+                  <a:pt x="6441948" y="0"/>
+                </a:lnTo>
+                <a:lnTo>
+                  <a:pt x="0" y="0"/>
+                </a:lnTo>
+                <a:lnTo>
+                  <a:pt x="0" y="4046220"/>
+                </a:lnTo>
+                <a:close/>
+              </a:path>
+            </a:pathLst>
+          </a:custGeom>
+          <a:ln w="38100">
+            <a:solidFill>
+              <a:srgbClr val="000000"/>
+            </a:solidFill>
+          </a:ln>
+        </p:spPr>
+        <p:txBody>
+          <a:bodyPr wrap="square" lIns="0" tIns="0" rIns="0" bIns="0" rtlCol="0"/>
+          <a:lstStyle/>
+          <a:p>
+            <a:endParaRPr/>
+          </a:p>
+        </p:txBody>
+      </p:sp>
+      <p:sp>
+        <p:nvSpPr>
+          <p:cNvPr id="9" name="object 18">
+            <a:extLst>
+              <a:ext uri="{FF2B5EF4-FFF2-40B4-BE49-F238E27FC236}">
+                <a16:creationId xmlns:a16="http://schemas.microsoft.com/office/drawing/2014/main" id="{0C347C6F-9495-4301-932C-502CF913DF20}"/>
+              </a:ext>
+            </a:extLst>
+          </p:cNvPr>
+          <p:cNvSpPr/>
+          <p:nvPr/>
+        </p:nvSpPr>
+        <p:spPr>
+          <a:xfrm>
+            <a:off x="1691680" y="2492896"/>
+            <a:ext cx="6294120" cy="3963924"/>
+          </a:xfrm>
+          <a:prstGeom prst="rect">
+            <a:avLst/>
+          </a:prstGeom>
+          <a:blipFill>
+            <a:blip r:embed="rId3" cstate="print"/>
+            <a:stretch>
+              <a:fillRect/>
+            </a:stretch>
+          </a:blipFill>
+        </p:spPr>
+        <p:txBody>
+          <a:bodyPr wrap="square" lIns="0" tIns="0" rIns="0" bIns="0" rtlCol="0"/>
+          <a:lstStyle/>
+          <a:p>
+            <a:endParaRPr/>
+          </a:p>
+        </p:txBody>
+      </p:sp>
+      <p:sp>
+        <p:nvSpPr>
+          <p:cNvPr id="11" name="object 12">
+            <a:extLst>
+              <a:ext uri="{FF2B5EF4-FFF2-40B4-BE49-F238E27FC236}">
+                <a16:creationId xmlns:a16="http://schemas.microsoft.com/office/drawing/2014/main" id="{6EEC2A5C-8CC9-4412-B276-E5A219145967}"/>
+              </a:ext>
+            </a:extLst>
+          </p:cNvPr>
+          <p:cNvSpPr/>
+          <p:nvPr/>
+        </p:nvSpPr>
+        <p:spPr>
+          <a:xfrm>
+            <a:off x="2223852" y="5361340"/>
+            <a:ext cx="504056" cy="334409"/>
+          </a:xfrm>
+          <a:custGeom>
+            <a:avLst/>
+            <a:gdLst/>
+            <a:ahLst/>
+            <a:cxnLst/>
+            <a:rect l="l" t="t" r="r" b="b"/>
+            <a:pathLst>
+              <a:path w="1007745" h="763904">
+                <a:moveTo>
+                  <a:pt x="0" y="763524"/>
+                </a:moveTo>
+                <a:lnTo>
+                  <a:pt x="1007363" y="763524"/>
+                </a:lnTo>
+                <a:lnTo>
+                  <a:pt x="1007363" y="0"/>
+                </a:lnTo>
+                <a:lnTo>
+                  <a:pt x="0" y="0"/>
+                </a:lnTo>
+                <a:lnTo>
+                  <a:pt x="0" y="763524"/>
+                </a:lnTo>
+                <a:close/>
+              </a:path>
+            </a:pathLst>
+          </a:custGeom>
+          <a:ln w="38099">
+            <a:solidFill>
+              <a:srgbClr val="FF0000"/>
+            </a:solidFill>
+          </a:ln>
+        </p:spPr>
+        <p:txBody>
+          <a:bodyPr wrap="square" lIns="0" tIns="0" rIns="0" bIns="0" rtlCol="0"/>
+          <a:lstStyle/>
+          <a:p>
+            <a:endParaRPr/>
+          </a:p>
+        </p:txBody>
+      </p:sp>
+      <p:sp>
+        <p:nvSpPr>
+          <p:cNvPr id="12" name="object 12">
+            <a:extLst>
+              <a:ext uri="{FF2B5EF4-FFF2-40B4-BE49-F238E27FC236}">
+                <a16:creationId xmlns:a16="http://schemas.microsoft.com/office/drawing/2014/main" id="{3F3D1D60-366B-44BB-ACCC-751F4C70514D}"/>
+              </a:ext>
+            </a:extLst>
+          </p:cNvPr>
+          <p:cNvSpPr/>
+          <p:nvPr/>
+        </p:nvSpPr>
+        <p:spPr>
+          <a:xfrm>
+            <a:off x="4096060" y="5931908"/>
+            <a:ext cx="504056" cy="303626"/>
+          </a:xfrm>
+          <a:custGeom>
+            <a:avLst/>
+            <a:gdLst/>
+            <a:ahLst/>
+            <a:cxnLst/>
+            <a:rect l="l" t="t" r="r" b="b"/>
+            <a:pathLst>
+              <a:path w="1007745" h="763904">
+                <a:moveTo>
+                  <a:pt x="0" y="763524"/>
+                </a:moveTo>
+                <a:lnTo>
+                  <a:pt x="1007363" y="763524"/>
+                </a:lnTo>
+                <a:lnTo>
+                  <a:pt x="1007363" y="0"/>
+                </a:lnTo>
+                <a:lnTo>
+                  <a:pt x="0" y="0"/>
+                </a:lnTo>
+                <a:lnTo>
+                  <a:pt x="0" y="763524"/>
+                </a:lnTo>
+                <a:close/>
+              </a:path>
+            </a:pathLst>
+          </a:custGeom>
+          <a:ln w="38099">
+            <a:solidFill>
+              <a:srgbClr val="FF0000"/>
+            </a:solidFill>
+          </a:ln>
+        </p:spPr>
+        <p:txBody>
+          <a:bodyPr wrap="square" lIns="0" tIns="0" rIns="0" bIns="0" rtlCol="0"/>
+          <a:lstStyle/>
+          <a:p>
+            <a:endParaRPr/>
+          </a:p>
+        </p:txBody>
+      </p:sp>
+      <p:sp>
+        <p:nvSpPr>
+          <p:cNvPr id="13" name="object 12">
+            <a:extLst>
+              <a:ext uri="{FF2B5EF4-FFF2-40B4-BE49-F238E27FC236}">
+                <a16:creationId xmlns:a16="http://schemas.microsoft.com/office/drawing/2014/main" id="{4276C32D-036E-4422-B240-A50F52302F75}"/>
+              </a:ext>
+            </a:extLst>
+          </p:cNvPr>
+          <p:cNvSpPr/>
+          <p:nvPr/>
+        </p:nvSpPr>
+        <p:spPr>
+          <a:xfrm>
+            <a:off x="6760356" y="5698181"/>
+            <a:ext cx="576064" cy="303626"/>
+          </a:xfrm>
+          <a:custGeom>
+            <a:avLst/>
+            <a:gdLst/>
+            <a:ahLst/>
+            <a:cxnLst/>
+            <a:rect l="l" t="t" r="r" b="b"/>
+            <a:pathLst>
+              <a:path w="1007745" h="763904">
+                <a:moveTo>
+                  <a:pt x="0" y="763524"/>
+                </a:moveTo>
+                <a:lnTo>
+                  <a:pt x="1007363" y="763524"/>
+                </a:lnTo>
+                <a:lnTo>
+                  <a:pt x="1007363" y="0"/>
+                </a:lnTo>
+                <a:lnTo>
+                  <a:pt x="0" y="0"/>
+                </a:lnTo>
+                <a:lnTo>
+                  <a:pt x="0" y="763524"/>
+                </a:lnTo>
+                <a:close/>
+              </a:path>
+            </a:pathLst>
+          </a:custGeom>
+          <a:ln w="38099">
+            <a:solidFill>
+              <a:srgbClr val="FF0000"/>
+            </a:solidFill>
+          </a:ln>
+        </p:spPr>
+        <p:txBody>
+          <a:bodyPr wrap="square" lIns="0" tIns="0" rIns="0" bIns="0" rtlCol="0"/>
+          <a:lstStyle/>
+          <a:p>
+            <a:endParaRPr/>
+          </a:p>
+        </p:txBody>
+      </p:sp>
+      <p:sp>
+        <p:nvSpPr>
+          <p:cNvPr id="14" name="CuadroTexto 13">
+            <a:extLst>
+              <a:ext uri="{FF2B5EF4-FFF2-40B4-BE49-F238E27FC236}">
+                <a16:creationId xmlns:a16="http://schemas.microsoft.com/office/drawing/2014/main" id="{CBFB52AB-DAB1-4E4B-A86E-67168085CB8C}"/>
+              </a:ext>
+            </a:extLst>
+          </p:cNvPr>
+          <p:cNvSpPr txBox="1"/>
+          <p:nvPr/>
+        </p:nvSpPr>
+        <p:spPr>
+          <a:xfrm>
+            <a:off x="467544" y="1330908"/>
+            <a:ext cx="7992888" cy="1355499"/>
+          </a:xfrm>
+          <a:prstGeom prst="rect">
+            <a:avLst/>
+          </a:prstGeom>
+          <a:noFill/>
+        </p:spPr>
+        <p:txBody>
+          <a:bodyPr wrap="square" rtlCol="0">
+            <a:spAutoFit/>
+          </a:bodyPr>
+          <a:lstStyle/>
+          <a:p>
+            <a:pPr marL="342900" indent="-342900" algn="just">
+              <a:lnSpc>
+                <a:spcPts val="2500"/>
+              </a:lnSpc>
+              <a:buFont typeface="+mj-lt"/>
+              <a:buAutoNum type="arabicPeriod" startAt="5"/>
+            </a:pPr>
+            <a:r>
+              <a:rPr lang="es-ES" dirty="0">
+                <a:solidFill>
+                  <a:schemeClr val="tx1">
+                    <a:lumMod val="95000"/>
+                    <a:lumOff val="5000"/>
+                  </a:schemeClr>
+                </a:solidFill>
+              </a:rPr>
+              <a:t>De todos los prefijos calculados selecciona el de</a:t>
+            </a:r>
+            <a:r>
+              <a:rPr lang="es-ES" b="1" dirty="0">
+                <a:solidFill>
+                  <a:schemeClr val="tx1">
+                    <a:lumMod val="95000"/>
+                    <a:lumOff val="5000"/>
+                  </a:schemeClr>
+                </a:solidFill>
+              </a:rPr>
+              <a:t> menor</a:t>
+            </a:r>
+            <a:r>
+              <a:rPr lang="es-ES" dirty="0">
+                <a:solidFill>
+                  <a:schemeClr val="tx1">
+                    <a:lumMod val="95000"/>
+                    <a:lumOff val="5000"/>
+                  </a:schemeClr>
+                </a:solidFill>
+              </a:rPr>
+              <a:t> valor. El valor de este prefijo indica el bloque con mayor número de direcciones </a:t>
+            </a:r>
+            <a:r>
+              <a:rPr lang="es-ES" b="1" dirty="0" err="1">
+                <a:solidFill>
+                  <a:schemeClr val="tx1">
+                    <a:lumMod val="95000"/>
+                    <a:lumOff val="5000"/>
+                  </a:schemeClr>
+                </a:solidFill>
+              </a:rPr>
+              <a:t>IP’s</a:t>
+            </a:r>
+            <a:r>
+              <a:rPr lang="es-ES" dirty="0">
+                <a:solidFill>
+                  <a:schemeClr val="tx1">
+                    <a:lumMod val="95000"/>
+                    <a:lumOff val="5000"/>
+                  </a:schemeClr>
+                </a:solidFill>
+              </a:rPr>
+              <a:t>, por el cual debes comenzar a </a:t>
+            </a:r>
+            <a:r>
+              <a:rPr lang="es-ES" dirty="0" err="1">
+                <a:solidFill>
+                  <a:schemeClr val="tx1">
+                    <a:lumMod val="95000"/>
+                    <a:lumOff val="5000"/>
+                  </a:schemeClr>
+                </a:solidFill>
+              </a:rPr>
+              <a:t>subnetear</a:t>
+            </a:r>
+            <a:r>
+              <a:rPr lang="es-ES" dirty="0">
+                <a:solidFill>
+                  <a:schemeClr val="tx1">
+                    <a:lumMod val="95000"/>
+                    <a:lumOff val="5000"/>
+                  </a:schemeClr>
+                </a:solidFill>
+              </a:rPr>
+              <a:t>. Crea el primer esquema de </a:t>
+            </a:r>
+            <a:r>
+              <a:rPr lang="es-ES" dirty="0" err="1">
+                <a:solidFill>
+                  <a:schemeClr val="tx1">
+                    <a:lumMod val="95000"/>
+                    <a:lumOff val="5000"/>
+                  </a:schemeClr>
+                </a:solidFill>
+              </a:rPr>
+              <a:t>subneteo</a:t>
+            </a:r>
+            <a:r>
+              <a:rPr lang="es-ES" dirty="0">
+                <a:solidFill>
+                  <a:schemeClr val="tx1">
+                    <a:lumMod val="95000"/>
+                    <a:lumOff val="5000"/>
+                  </a:schemeClr>
+                </a:solidFill>
+              </a:rPr>
+              <a:t> utilizando este prefijo.</a:t>
+            </a:r>
+            <a:endParaRPr lang="es-MX" dirty="0"/>
+          </a:p>
+        </p:txBody>
+      </p:sp>
+    </p:spTree>
+    <p:extLst>
+      <p:ext uri="{BB962C8B-B14F-4D97-AF65-F5344CB8AC3E}">
+        <p14:creationId xmlns:p14="http://schemas.microsoft.com/office/powerpoint/2010/main" val="4081548420"/>
+      </p:ext>
+    </p:extLst>
+  </p:cSld>
+  <p:clrMapOvr>
+    <a:masterClrMapping/>
+  </p:clrMapOvr>
+</p:sld>
+</file>
+
+<file path=ppt/slides/slide9.xml><?xml version="1.0" encoding="utf-8"?>
+<p:sld xmlns:a="http://schemas.openxmlformats.org/drawingml/2006/main" xmlns:r="http://schemas.openxmlformats.org/officeDocument/2006/relationships" xmlns:p="http://schemas.openxmlformats.org/presentationml/2006/main">
+  <p:cSld>
+    <p:spTree>
+      <p:nvGrpSpPr>
+        <p:cNvPr id="1" name=""/>
+        <p:cNvGrpSpPr/>
+        <p:nvPr/>
+      </p:nvGrpSpPr>
+      <p:grpSpPr>
+        <a:xfrm>
+          <a:off x="0" y="0"/>
+          <a:ext cx="0" cy="0"/>
+          <a:chOff x="0" y="0"/>
+          <a:chExt cx="0" cy="0"/>
+        </a:xfrm>
+      </p:grpSpPr>
+      <p:sp>
+        <p:nvSpPr>
+          <p:cNvPr id="21" name="Rectangle 2">
+            <a:extLst>
+              <a:ext uri="{FF2B5EF4-FFF2-40B4-BE49-F238E27FC236}">
+                <a16:creationId xmlns:a16="http://schemas.microsoft.com/office/drawing/2014/main" id="{61F062CC-B1F1-4898-90E3-65665EC625FD}"/>
+              </a:ext>
+            </a:extLst>
+          </p:cNvPr>
+          <p:cNvSpPr txBox="1">
+            <a:spLocks noChangeArrowheads="1"/>
+          </p:cNvSpPr>
+          <p:nvPr/>
+        </p:nvSpPr>
+        <p:spPr>
+          <a:xfrm>
+            <a:off x="89756" y="6221"/>
+            <a:ext cx="8964488" cy="1143000"/>
+          </a:xfrm>
+          <a:prstGeom prst="rect">
+            <a:avLst/>
+          </a:prstGeom>
+        </p:spPr>
+        <p:txBody>
+          <a:bodyPr vert="horz" lIns="92075" tIns="46038" rIns="92075" bIns="46038" rtlCol="0" anchor="ctr">
+            <a:noAutofit/>
+          </a:bodyPr>
+          <a:lstStyle>
+            <a:lvl1pPr algn="ctr" defTabSz="914400" rtl="0" eaLnBrk="1" latinLnBrk="0" hangingPunct="1">
+              <a:spcBef>
+                <a:spcPct val="0"/>
+              </a:spcBef>
+              <a:buNone/>
+              <a:defRPr sz="4400" kern="1200">
+                <a:solidFill>
+                  <a:schemeClr val="tx1"/>
+                </a:solidFill>
+                <a:latin typeface="+mj-lt"/>
+                <a:ea typeface="+mj-ea"/>
+                <a:cs typeface="+mj-cs"/>
+              </a:defRPr>
+            </a:lvl1pPr>
+          </a:lstStyle>
+          <a:p>
+            <a:pPr>
+              <a:defRPr/>
+            </a:pPr>
+            <a:r>
+              <a:rPr lang="es-ES_tradnl" sz="3200" dirty="0">
+                <a:solidFill>
+                  <a:srgbClr val="3333CC"/>
+                </a:solidFill>
+                <a:effectLst>
+                  <a:outerShdw blurRad="38100" dist="38100" dir="2700000" algn="tl">
+                    <a:srgbClr val="C0C0C0"/>
+                  </a:outerShdw>
+                </a:effectLst>
+                <a:latin typeface="Dom Casual" charset="0"/>
+              </a:rPr>
+              <a:t> </a:t>
+            </a:r>
+            <a:r>
+              <a:rPr lang="es-ES_tradnl" sz="3200" b="1" dirty="0">
+                <a:solidFill>
+                  <a:schemeClr val="accent4">
+                    <a:lumMod val="50000"/>
+                  </a:schemeClr>
+                </a:solidFill>
+                <a:effectLst>
+                  <a:outerShdw blurRad="38100" dist="38100" dir="2700000" algn="tl">
+                    <a:srgbClr val="C0C0C0"/>
+                  </a:outerShdw>
+                </a:effectLst>
+                <a:latin typeface="Dom Casual" charset="0"/>
+              </a:rPr>
+              <a:t>Algoritmo para crear VLSM con restricciones de conectividad</a:t>
+            </a:r>
+            <a:endParaRPr lang="es-ES_tradnl" sz="2400" b="1" dirty="0">
+              <a:solidFill>
+                <a:schemeClr val="accent5">
+                  <a:lumMod val="75000"/>
+                </a:schemeClr>
+              </a:solidFill>
+              <a:effectLst>
+                <a:outerShdw blurRad="38100" dist="38100" dir="2700000" algn="tl">
+                  <a:srgbClr val="C0C0C0"/>
+                </a:outerShdw>
+              </a:effectLst>
+              <a:latin typeface="Dom Casual" charset="0"/>
+            </a:endParaRPr>
+          </a:p>
+        </p:txBody>
+      </p:sp>
+      <p:sp>
+        <p:nvSpPr>
+          <p:cNvPr id="14" name="CuadroTexto 13">
+            <a:extLst>
+              <a:ext uri="{FF2B5EF4-FFF2-40B4-BE49-F238E27FC236}">
+                <a16:creationId xmlns:a16="http://schemas.microsoft.com/office/drawing/2014/main" id="{CBFB52AB-DAB1-4E4B-A86E-67168085CB8C}"/>
+              </a:ext>
+            </a:extLst>
+          </p:cNvPr>
+          <p:cNvSpPr txBox="1"/>
+          <p:nvPr/>
+        </p:nvSpPr>
+        <p:spPr>
+          <a:xfrm>
+            <a:off x="179512" y="1330908"/>
+            <a:ext cx="8784976" cy="1034899"/>
+          </a:xfrm>
+          <a:prstGeom prst="rect">
+            <a:avLst/>
+          </a:prstGeom>
+          <a:noFill/>
+        </p:spPr>
+        <p:txBody>
+          <a:bodyPr wrap="square" rtlCol="0">
+            <a:spAutoFit/>
+          </a:bodyPr>
+          <a:lstStyle/>
+          <a:p>
+            <a:pPr marL="342900" indent="-342900" algn="just">
+              <a:lnSpc>
+                <a:spcPts val="2500"/>
+              </a:lnSpc>
+              <a:buFont typeface="+mj-lt"/>
+              <a:buAutoNum type="arabicPeriod" startAt="5"/>
+            </a:pPr>
+            <a:r>
+              <a:rPr lang="es-ES" dirty="0">
+                <a:solidFill>
+                  <a:schemeClr val="tx1">
+                    <a:lumMod val="95000"/>
+                    <a:lumOff val="5000"/>
+                  </a:schemeClr>
+                </a:solidFill>
+              </a:rPr>
+              <a:t>De todos los prefijos calculados selecciona el de</a:t>
+            </a:r>
+            <a:r>
+              <a:rPr lang="es-ES" b="1" dirty="0">
+                <a:solidFill>
+                  <a:schemeClr val="tx1">
+                    <a:lumMod val="95000"/>
+                    <a:lumOff val="5000"/>
+                  </a:schemeClr>
+                </a:solidFill>
+              </a:rPr>
+              <a:t> menor</a:t>
+            </a:r>
+            <a:r>
+              <a:rPr lang="es-ES" dirty="0">
+                <a:solidFill>
+                  <a:schemeClr val="tx1">
+                    <a:lumMod val="95000"/>
+                    <a:lumOff val="5000"/>
+                  </a:schemeClr>
+                </a:solidFill>
+              </a:rPr>
+              <a:t> valor. El valor de este prefijo indica el bloque con mayor número de direcciones </a:t>
+            </a:r>
+            <a:r>
+              <a:rPr lang="es-ES" b="1" dirty="0" err="1">
+                <a:solidFill>
+                  <a:schemeClr val="tx1">
+                    <a:lumMod val="95000"/>
+                    <a:lumOff val="5000"/>
+                  </a:schemeClr>
+                </a:solidFill>
+              </a:rPr>
+              <a:t>IP’s</a:t>
+            </a:r>
+            <a:r>
+              <a:rPr lang="es-ES" dirty="0">
+                <a:solidFill>
+                  <a:schemeClr val="tx1">
+                    <a:lumMod val="95000"/>
+                    <a:lumOff val="5000"/>
+                  </a:schemeClr>
+                </a:solidFill>
+              </a:rPr>
+              <a:t>, por el cual debes comenzar a </a:t>
+            </a:r>
+            <a:r>
+              <a:rPr lang="es-ES" dirty="0" err="1">
+                <a:solidFill>
+                  <a:schemeClr val="tx1">
+                    <a:lumMod val="95000"/>
+                    <a:lumOff val="5000"/>
+                  </a:schemeClr>
+                </a:solidFill>
+              </a:rPr>
+              <a:t>subnetear</a:t>
+            </a:r>
+            <a:r>
+              <a:rPr lang="es-ES" dirty="0">
+                <a:solidFill>
+                  <a:schemeClr val="tx1">
+                    <a:lumMod val="95000"/>
+                    <a:lumOff val="5000"/>
+                  </a:schemeClr>
+                </a:solidFill>
+              </a:rPr>
+              <a:t>. Crea el primer esquema de </a:t>
+            </a:r>
+            <a:r>
+              <a:rPr lang="es-ES" dirty="0" err="1">
+                <a:solidFill>
+                  <a:schemeClr val="tx1">
+                    <a:lumMod val="95000"/>
+                    <a:lumOff val="5000"/>
+                  </a:schemeClr>
+                </a:solidFill>
+              </a:rPr>
+              <a:t>subneteo</a:t>
+            </a:r>
+            <a:r>
+              <a:rPr lang="es-ES" dirty="0">
+                <a:solidFill>
+                  <a:schemeClr val="tx1">
+                    <a:lumMod val="95000"/>
+                    <a:lumOff val="5000"/>
+                  </a:schemeClr>
+                </a:solidFill>
+              </a:rPr>
+              <a:t> utilizando este prefijo.</a:t>
+            </a:r>
+            <a:endParaRPr lang="es-MX" dirty="0"/>
+          </a:p>
+        </p:txBody>
+      </p:sp>
+      <p:pic>
+        <p:nvPicPr>
+          <p:cNvPr id="10" name="Imagen 9">
+            <a:extLst>
+              <a:ext uri="{FF2B5EF4-FFF2-40B4-BE49-F238E27FC236}">
+                <a16:creationId xmlns:a16="http://schemas.microsoft.com/office/drawing/2014/main" id="{22ABAC9A-7358-418D-A455-CA760350C36B}"/>
+              </a:ext>
+            </a:extLst>
+          </p:cNvPr>
+          <p:cNvPicPr>
+            <a:picLocks noChangeAspect="1"/>
+          </p:cNvPicPr>
+          <p:nvPr/>
+        </p:nvPicPr>
+        <p:blipFill>
+          <a:blip r:embed="rId3"/>
+          <a:stretch>
+            <a:fillRect/>
+          </a:stretch>
+        </p:blipFill>
+        <p:spPr>
+          <a:xfrm>
+            <a:off x="4860032" y="2556456"/>
+            <a:ext cx="4104456" cy="3577014"/>
+          </a:xfrm>
+          <a:prstGeom prst="rect">
+            <a:avLst/>
+          </a:prstGeom>
+        </p:spPr>
+      </p:pic>
+      <p:pic>
+        <p:nvPicPr>
+          <p:cNvPr id="2" name="Imagen 1">
+            <a:extLst>
+              <a:ext uri="{FF2B5EF4-FFF2-40B4-BE49-F238E27FC236}">
+                <a16:creationId xmlns:a16="http://schemas.microsoft.com/office/drawing/2014/main" id="{7B8933D4-1CED-4520-855C-0611A575E173}"/>
+              </a:ext>
+            </a:extLst>
+          </p:cNvPr>
+          <p:cNvPicPr>
+            <a:picLocks noChangeAspect="1"/>
+          </p:cNvPicPr>
+          <p:nvPr/>
+        </p:nvPicPr>
+        <p:blipFill>
+          <a:blip r:embed="rId4"/>
+          <a:stretch>
+            <a:fillRect/>
+          </a:stretch>
+        </p:blipFill>
+        <p:spPr>
+          <a:xfrm>
+            <a:off x="89756" y="2868094"/>
+            <a:ext cx="4626260" cy="2953738"/>
+          </a:xfrm>
+          <a:prstGeom prst="rect">
+            <a:avLst/>
+          </a:prstGeom>
+        </p:spPr>
+      </p:pic>
+    </p:spTree>
+    <p:extLst>
+      <p:ext uri="{BB962C8B-B14F-4D97-AF65-F5344CB8AC3E}">
+        <p14:creationId xmlns:p14="http://schemas.microsoft.com/office/powerpoint/2010/main" val="2078492857"/>
       </p:ext>
     </p:extLst>
   </p:cSld>
